--- a/advanced_part4.pptx
+++ b/advanced_part4.pptx
@@ -5,7 +5,7 @@
     <p:sldMasterId id="2147483648" r:id="rId1"/>
   </p:sldMasterIdLst>
   <p:notesMasterIdLst>
-    <p:notesMasterId r:id="rId15"/>
+    <p:notesMasterId r:id="rId19"/>
   </p:notesMasterIdLst>
   <p:sldIdLst>
     <p:sldId id="257" r:id="rId2"/>
@@ -15,12 +15,16 @@
     <p:sldId id="261" r:id="rId6"/>
     <p:sldId id="262" r:id="rId7"/>
     <p:sldId id="263" r:id="rId8"/>
-    <p:sldId id="264" r:id="rId9"/>
-    <p:sldId id="265" r:id="rId10"/>
-    <p:sldId id="266" r:id="rId11"/>
-    <p:sldId id="267" r:id="rId12"/>
-    <p:sldId id="269" r:id="rId13"/>
-    <p:sldId id="268" r:id="rId14"/>
+    <p:sldId id="270" r:id="rId9"/>
+    <p:sldId id="264" r:id="rId10"/>
+    <p:sldId id="265" r:id="rId11"/>
+    <p:sldId id="271" r:id="rId12"/>
+    <p:sldId id="266" r:id="rId13"/>
+    <p:sldId id="272" r:id="rId14"/>
+    <p:sldId id="267" r:id="rId15"/>
+    <p:sldId id="273" r:id="rId16"/>
+    <p:sldId id="269" r:id="rId17"/>
+    <p:sldId id="268" r:id="rId18"/>
   </p:sldIdLst>
   <p:sldSz cx="9144000" cy="6858000" type="screen4x3"/>
   <p:notesSz cx="6858000" cy="9144000"/>
@@ -119,6 +123,22 @@
       </a:defRPr>
     </a:lvl9pPr>
   </p:defaultTextStyle>
+  <p:extLst>
+    <p:ext uri="{EFAFB233-063F-42B5-8137-9DF3F51BA10A}">
+      <p15:sldGuideLst xmlns:p15="http://schemas.microsoft.com/office/powerpoint/2012/main">
+        <p15:guide id="1" orient="horz" pos="2160">
+          <p15:clr>
+            <a:srgbClr val="A4A3A4"/>
+          </p15:clr>
+        </p15:guide>
+        <p15:guide id="2" pos="2880">
+          <p15:clr>
+            <a:srgbClr val="A4A3A4"/>
+          </p15:clr>
+        </p15:guide>
+      </p15:sldGuideLst>
+    </p:ext>
+  </p:extLst>
 </p:presentation>
 </file>
 
@@ -204,7 +224,7 @@
           <a:p>
             <a:fld id="{2E256997-BFE9-1645-ACA2-FB0069B34735}" type="datetimeFigureOut">
               <a:rPr lang="en-US" smtClean="0"/>
-              <a:t>19/04/16</a:t>
+              <a:t>11/24/18</a:t>
             </a:fld>
             <a:endParaRPr lang="en-GB"/>
           </a:p>
@@ -268,38 +288,37 @@
           <a:p>
             <a:pPr lvl="0"/>
             <a:r>
-              <a:rPr lang="en-GB" smtClean="0"/>
+              <a:rPr lang="en-GB"/>
               <a:t>Click to edit Master text styles</a:t>
             </a:r>
           </a:p>
           <a:p>
             <a:pPr lvl="1"/>
             <a:r>
-              <a:rPr lang="en-GB" smtClean="0"/>
+              <a:rPr lang="en-GB"/>
               <a:t>Second level</a:t>
             </a:r>
           </a:p>
           <a:p>
             <a:pPr lvl="2"/>
             <a:r>
-              <a:rPr lang="en-GB" smtClean="0"/>
+              <a:rPr lang="en-GB"/>
               <a:t>Third level</a:t>
             </a:r>
           </a:p>
           <a:p>
             <a:pPr lvl="3"/>
             <a:r>
-              <a:rPr lang="en-GB" smtClean="0"/>
+              <a:rPr lang="en-GB"/>
               <a:t>Fourth level</a:t>
             </a:r>
           </a:p>
           <a:p>
             <a:pPr lvl="4"/>
             <a:r>
-              <a:rPr lang="en-GB" smtClean="0"/>
+              <a:rPr lang="en-GB"/>
               <a:t>Fifth level</a:t>
             </a:r>
-            <a:endParaRPr lang="en-GB"/>
           </a:p>
         </p:txBody>
       </p:sp>
@@ -517,21 +536,21 @@
           <a:lstStyle/>
           <a:p>
             <a:r>
-              <a:rPr lang="en-GB" dirty="0" smtClean="0"/>
+              <a:rPr lang="en-GB" dirty="0"/>
               <a:t>Visualizing scientific computations</a:t>
             </a:r>
           </a:p>
           <a:p>
             <a:r>
-              <a:rPr lang="en-GB" dirty="0" smtClean="0"/>
+              <a:rPr lang="en-GB" dirty="0"/>
               <a:t>Rendering results from image processing/augmented</a:t>
             </a:r>
             <a:r>
-              <a:rPr lang="en-GB" baseline="0" dirty="0" smtClean="0"/>
+              <a:rPr lang="en-GB" baseline="0" dirty="0"/>
               <a:t> reality </a:t>
             </a:r>
             <a:r>
-              <a:rPr lang="en-GB" baseline="0" dirty="0" err="1" smtClean="0"/>
+              <a:rPr lang="en-GB" baseline="0" dirty="0" err="1"/>
               <a:t>etc</a:t>
             </a:r>
             <a:endParaRPr lang="en-GB" dirty="0"/>
@@ -619,11 +638,11 @@
           <a:lstStyle/>
           <a:p>
             <a:r>
-              <a:rPr lang="en-GB" dirty="0" smtClean="0"/>
+              <a:rPr lang="en-GB" dirty="0"/>
               <a:t>We’re using SDL2</a:t>
             </a:r>
             <a:r>
-              <a:rPr lang="en-GB" baseline="0" dirty="0" smtClean="0"/>
+              <a:rPr lang="en-GB" baseline="0" dirty="0"/>
               <a:t> for the exercises</a:t>
             </a:r>
             <a:endParaRPr lang="en-GB" dirty="0"/>
@@ -711,19 +730,19 @@
           <a:lstStyle/>
           <a:p>
             <a:r>
-              <a:rPr lang="en-GB" dirty="0" smtClean="0"/>
+              <a:rPr lang="en-GB" dirty="0"/>
               <a:t>Mapped</a:t>
             </a:r>
             <a:r>
-              <a:rPr lang="en-GB" baseline="0" dirty="0" smtClean="0"/>
+              <a:rPr lang="en-GB" baseline="0" dirty="0"/>
               <a:t> approach: Need to destroy CL buffer and </a:t>
             </a:r>
             <a:r>
-              <a:rPr lang="en-GB" baseline="0" dirty="0" err="1" smtClean="0"/>
+              <a:rPr lang="en-GB" baseline="0" dirty="0" err="1"/>
               <a:t>unmap</a:t>
             </a:r>
             <a:r>
-              <a:rPr lang="en-GB" baseline="0" dirty="0" smtClean="0"/>
+              <a:rPr lang="en-GB" baseline="0" dirty="0"/>
               <a:t>, when we want to use in GL, and re-map and re-create CL buffer to use from CL again</a:t>
             </a:r>
             <a:endParaRPr lang="en-GB" dirty="0"/>
@@ -747,7 +766,7 @@
           <a:p>
             <a:fld id="{FFBFF3DA-9E2F-2E43-9E31-56297DDFA94F}" type="slidenum">
               <a:rPr lang="en-GB" smtClean="0"/>
-              <a:t>9</a:t>
+              <a:t>10</a:t>
             </a:fld>
             <a:endParaRPr lang="en-GB"/>
           </a:p>
@@ -810,6 +829,22 @@
           <a:bodyPr/>
           <a:lstStyle/>
           <a:p>
+            <a:r>
+              <a:rPr lang="en-GB" dirty="0"/>
+              <a:t>Mapped</a:t>
+            </a:r>
+            <a:r>
+              <a:rPr lang="en-GB" baseline="0" dirty="0"/>
+              <a:t> approach: Need to destroy CL buffer and </a:t>
+            </a:r>
+            <a:r>
+              <a:rPr lang="en-GB" baseline="0" dirty="0" err="1"/>
+              <a:t>unmap</a:t>
+            </a:r>
+            <a:r>
+              <a:rPr lang="en-GB" baseline="0" dirty="0"/>
+              <a:t>, when we want to use in GL, and re-map and re-create CL buffer to use from CL again</a:t>
+            </a:r>
             <a:endParaRPr lang="en-GB" dirty="0"/>
           </a:p>
         </p:txBody>
@@ -829,9 +864,8 @@
           <a:bodyPr/>
           <a:lstStyle/>
           <a:p>
-            <a:fld id="{9B3F2D69-97A9-4C41-91BD-6A22F8270148}" type="slidenum">
+            <a:fld id="{FFBFF3DA-9E2F-2E43-9E31-56297DDFA94F}" type="slidenum">
               <a:rPr lang="en-GB" smtClean="0"/>
-              <a:pPr/>
               <a:t>11</a:t>
             </a:fld>
             <a:endParaRPr lang="en-GB"/>
@@ -841,7 +875,7 @@
     </p:spTree>
     <p:extLst>
       <p:ext uri="{BB962C8B-B14F-4D97-AF65-F5344CB8AC3E}">
-        <p14:creationId xmlns:p14="http://schemas.microsoft.com/office/powerpoint/2010/main" val="2197591621"/>
+        <p14:creationId xmlns:p14="http://schemas.microsoft.com/office/powerpoint/2010/main" val="3634324598"/>
       </p:ext>
     </p:extLst>
   </p:cSld>
@@ -895,10 +929,6 @@
           <a:bodyPr/>
           <a:lstStyle/>
           <a:p>
-            <a:r>
-              <a:rPr lang="en-GB" dirty="0" smtClean="0"/>
-              <a:t>Can provide a zero-copy path between camera-&gt;compute-&gt;rendering on mobile platforms</a:t>
-            </a:r>
             <a:endParaRPr lang="en-GB" dirty="0"/>
           </a:p>
         </p:txBody>
@@ -918,9 +948,10 @@
           <a:bodyPr/>
           <a:lstStyle/>
           <a:p>
-            <a:fld id="{FFBFF3DA-9E2F-2E43-9E31-56297DDFA94F}" type="slidenum">
+            <a:fld id="{9B3F2D69-97A9-4C41-91BD-6A22F8270148}" type="slidenum">
               <a:rPr lang="en-GB" smtClean="0"/>
-              <a:t>12</a:t>
+              <a:pPr/>
+              <a:t>14</a:t>
             </a:fld>
             <a:endParaRPr lang="en-GB"/>
           </a:p>
@@ -929,7 +960,7 @@
     </p:spTree>
     <p:extLst>
       <p:ext uri="{BB962C8B-B14F-4D97-AF65-F5344CB8AC3E}">
-        <p14:creationId xmlns:p14="http://schemas.microsoft.com/office/powerpoint/2010/main" val="918713682"/>
+        <p14:creationId xmlns:p14="http://schemas.microsoft.com/office/powerpoint/2010/main" val="2197591621"/>
       </p:ext>
     </p:extLst>
   </p:cSld>
@@ -983,19 +1014,7 @@
           <a:bodyPr/>
           <a:lstStyle/>
           <a:p>
-            <a:r>
-              <a:rPr lang="en-GB" dirty="0" smtClean="0"/>
-              <a:t>Needs</a:t>
-            </a:r>
-            <a:r>
-              <a:rPr lang="en-GB" baseline="0" dirty="0" smtClean="0"/>
-              <a:t> to </a:t>
-            </a:r>
-            <a:r>
-              <a:rPr lang="en-GB" baseline="0" smtClean="0"/>
-              <a:t>run locally</a:t>
-            </a:r>
-            <a:endParaRPr lang="en-GB"/>
+            <a:endParaRPr lang="en-GB" dirty="0"/>
           </a:p>
         </p:txBody>
       </p:sp>
@@ -1014,9 +1033,193 @@
           <a:bodyPr/>
           <a:lstStyle/>
           <a:p>
+            <a:fld id="{9B3F2D69-97A9-4C41-91BD-6A22F8270148}" type="slidenum">
+              <a:rPr lang="en-GB" smtClean="0"/>
+              <a:pPr/>
+              <a:t>15</a:t>
+            </a:fld>
+            <a:endParaRPr lang="en-GB"/>
+          </a:p>
+        </p:txBody>
+      </p:sp>
+    </p:spTree>
+    <p:extLst>
+      <p:ext uri="{BB962C8B-B14F-4D97-AF65-F5344CB8AC3E}">
+        <p14:creationId xmlns:p14="http://schemas.microsoft.com/office/powerpoint/2010/main" val="2614013103"/>
+      </p:ext>
+    </p:extLst>
+  </p:cSld>
+  <p:clrMapOvr>
+    <a:masterClrMapping/>
+  </p:clrMapOvr>
+</p:notes>
+</file>
+
+<file path=ppt/notesSlides/notesSlide7.xml><?xml version="1.0" encoding="utf-8"?>
+<p:notes xmlns:a="http://schemas.openxmlformats.org/drawingml/2006/main" xmlns:r="http://schemas.openxmlformats.org/officeDocument/2006/relationships" xmlns:p="http://schemas.openxmlformats.org/presentationml/2006/main">
+  <p:cSld>
+    <p:spTree>
+      <p:nvGrpSpPr>
+        <p:cNvPr id="1" name=""/>
+        <p:cNvGrpSpPr/>
+        <p:nvPr/>
+      </p:nvGrpSpPr>
+      <p:grpSpPr>
+        <a:xfrm>
+          <a:off x="0" y="0"/>
+          <a:ext cx="0" cy="0"/>
+          <a:chOff x="0" y="0"/>
+          <a:chExt cx="0" cy="0"/>
+        </a:xfrm>
+      </p:grpSpPr>
+      <p:sp>
+        <p:nvSpPr>
+          <p:cNvPr id="2" name="Slide Image Placeholder 1"/>
+          <p:cNvSpPr>
+            <a:spLocks noGrp="1" noRot="1" noChangeAspect="1"/>
+          </p:cNvSpPr>
+          <p:nvPr>
+            <p:ph type="sldImg"/>
+          </p:nvPr>
+        </p:nvSpPr>
+        <p:spPr/>
+      </p:sp>
+      <p:sp>
+        <p:nvSpPr>
+          <p:cNvPr id="3" name="Notes Placeholder 2"/>
+          <p:cNvSpPr>
+            <a:spLocks noGrp="1"/>
+          </p:cNvSpPr>
+          <p:nvPr>
+            <p:ph type="body" idx="1"/>
+          </p:nvPr>
+        </p:nvSpPr>
+        <p:spPr/>
+        <p:txBody>
+          <a:bodyPr/>
+          <a:lstStyle/>
+          <a:p>
+            <a:r>
+              <a:rPr lang="en-GB" dirty="0"/>
+              <a:t>Can provide a zero-copy path between camera-&gt;compute-&gt;rendering on mobile platforms</a:t>
+            </a:r>
+          </a:p>
+        </p:txBody>
+      </p:sp>
+      <p:sp>
+        <p:nvSpPr>
+          <p:cNvPr id="4" name="Slide Number Placeholder 3"/>
+          <p:cNvSpPr>
+            <a:spLocks noGrp="1"/>
+          </p:cNvSpPr>
+          <p:nvPr>
+            <p:ph type="sldNum" sz="quarter" idx="10"/>
+          </p:nvPr>
+        </p:nvSpPr>
+        <p:spPr/>
+        <p:txBody>
+          <a:bodyPr/>
+          <a:lstStyle/>
+          <a:p>
             <a:fld id="{FFBFF3DA-9E2F-2E43-9E31-56297DDFA94F}" type="slidenum">
               <a:rPr lang="en-GB" smtClean="0"/>
-              <a:t>13</a:t>
+              <a:t>16</a:t>
+            </a:fld>
+            <a:endParaRPr lang="en-GB"/>
+          </a:p>
+        </p:txBody>
+      </p:sp>
+    </p:spTree>
+    <p:extLst>
+      <p:ext uri="{BB962C8B-B14F-4D97-AF65-F5344CB8AC3E}">
+        <p14:creationId xmlns:p14="http://schemas.microsoft.com/office/powerpoint/2010/main" val="918713682"/>
+      </p:ext>
+    </p:extLst>
+  </p:cSld>
+  <p:clrMapOvr>
+    <a:masterClrMapping/>
+  </p:clrMapOvr>
+</p:notes>
+</file>
+
+<file path=ppt/notesSlides/notesSlide8.xml><?xml version="1.0" encoding="utf-8"?>
+<p:notes xmlns:a="http://schemas.openxmlformats.org/drawingml/2006/main" xmlns:r="http://schemas.openxmlformats.org/officeDocument/2006/relationships" xmlns:p="http://schemas.openxmlformats.org/presentationml/2006/main">
+  <p:cSld>
+    <p:spTree>
+      <p:nvGrpSpPr>
+        <p:cNvPr id="1" name=""/>
+        <p:cNvGrpSpPr/>
+        <p:nvPr/>
+      </p:nvGrpSpPr>
+      <p:grpSpPr>
+        <a:xfrm>
+          <a:off x="0" y="0"/>
+          <a:ext cx="0" cy="0"/>
+          <a:chOff x="0" y="0"/>
+          <a:chExt cx="0" cy="0"/>
+        </a:xfrm>
+      </p:grpSpPr>
+      <p:sp>
+        <p:nvSpPr>
+          <p:cNvPr id="2" name="Slide Image Placeholder 1"/>
+          <p:cNvSpPr>
+            <a:spLocks noGrp="1" noRot="1" noChangeAspect="1"/>
+          </p:cNvSpPr>
+          <p:nvPr>
+            <p:ph type="sldImg"/>
+          </p:nvPr>
+        </p:nvSpPr>
+        <p:spPr/>
+      </p:sp>
+      <p:sp>
+        <p:nvSpPr>
+          <p:cNvPr id="3" name="Notes Placeholder 2"/>
+          <p:cNvSpPr>
+            <a:spLocks noGrp="1"/>
+          </p:cNvSpPr>
+          <p:nvPr>
+            <p:ph type="body" idx="1"/>
+          </p:nvPr>
+        </p:nvSpPr>
+        <p:spPr/>
+        <p:txBody>
+          <a:bodyPr/>
+          <a:lstStyle/>
+          <a:p>
+            <a:r>
+              <a:rPr lang="en-GB" dirty="0"/>
+              <a:t>Needs</a:t>
+            </a:r>
+            <a:r>
+              <a:rPr lang="en-GB" baseline="0" dirty="0"/>
+              <a:t> to </a:t>
+            </a:r>
+            <a:r>
+              <a:rPr lang="en-GB" baseline="0"/>
+              <a:t>run locally</a:t>
+            </a:r>
+            <a:endParaRPr lang="en-GB"/>
+          </a:p>
+        </p:txBody>
+      </p:sp>
+      <p:sp>
+        <p:nvSpPr>
+          <p:cNvPr id="4" name="Slide Number Placeholder 3"/>
+          <p:cNvSpPr>
+            <a:spLocks noGrp="1"/>
+          </p:cNvSpPr>
+          <p:nvPr>
+            <p:ph type="sldNum" sz="quarter" idx="10"/>
+          </p:nvPr>
+        </p:nvSpPr>
+        <p:spPr/>
+        <p:txBody>
+          <a:bodyPr/>
+          <a:lstStyle/>
+          <a:p>
+            <a:fld id="{FFBFF3DA-9E2F-2E43-9E31-56297DDFA94F}" type="slidenum">
+              <a:rPr lang="en-GB" smtClean="0"/>
+              <a:t>17</a:t>
             </a:fld>
             <a:endParaRPr lang="en-GB"/>
           </a:p>
@@ -1073,10 +1276,9 @@
           <a:lstStyle/>
           <a:p>
             <a:r>
-              <a:rPr lang="en-GB" smtClean="0"/>
+              <a:rPr lang="en-GB"/>
               <a:t>Click to edit Master title style</a:t>
             </a:r>
-            <a:endParaRPr lang="en-GB"/>
           </a:p>
         </p:txBody>
       </p:sp>
@@ -1192,10 +1394,9 @@
           </a:lstStyle>
           <a:p>
             <a:r>
-              <a:rPr lang="en-GB" smtClean="0"/>
+              <a:rPr lang="en-GB"/>
               <a:t>Click to edit Master subtitle style</a:t>
             </a:r>
-            <a:endParaRPr lang="en-GB"/>
           </a:p>
         </p:txBody>
       </p:sp>
@@ -1216,7 +1417,7 @@
           <a:p>
             <a:fld id="{63635F44-C3D0-2B4D-8E09-42DBC0FC5507}" type="datetimeFigureOut">
               <a:rPr lang="en-US" smtClean="0"/>
-              <a:t>19/04/16</a:t>
+              <a:t>11/24/18</a:t>
             </a:fld>
             <a:endParaRPr lang="en-GB"/>
           </a:p>
@@ -1310,10 +1511,9 @@
           <a:lstStyle/>
           <a:p>
             <a:r>
-              <a:rPr lang="en-GB" smtClean="0"/>
+              <a:rPr lang="en-GB"/>
               <a:t>Click to edit Master title style</a:t>
             </a:r>
-            <a:endParaRPr lang="en-GB"/>
           </a:p>
         </p:txBody>
       </p:sp>
@@ -1334,38 +1534,37 @@
           <a:p>
             <a:pPr lvl="0"/>
             <a:r>
-              <a:rPr lang="en-GB" smtClean="0"/>
+              <a:rPr lang="en-GB"/>
               <a:t>Click to edit Master text styles</a:t>
             </a:r>
           </a:p>
           <a:p>
             <a:pPr lvl="1"/>
             <a:r>
-              <a:rPr lang="en-GB" smtClean="0"/>
+              <a:rPr lang="en-GB"/>
               <a:t>Second level</a:t>
             </a:r>
           </a:p>
           <a:p>
             <a:pPr lvl="2"/>
             <a:r>
-              <a:rPr lang="en-GB" smtClean="0"/>
+              <a:rPr lang="en-GB"/>
               <a:t>Third level</a:t>
             </a:r>
           </a:p>
           <a:p>
             <a:pPr lvl="3"/>
             <a:r>
-              <a:rPr lang="en-GB" smtClean="0"/>
+              <a:rPr lang="en-GB"/>
               <a:t>Fourth level</a:t>
             </a:r>
           </a:p>
           <a:p>
             <a:pPr lvl="4"/>
             <a:r>
-              <a:rPr lang="en-GB" smtClean="0"/>
+              <a:rPr lang="en-GB"/>
               <a:t>Fifth level</a:t>
             </a:r>
-            <a:endParaRPr lang="en-GB"/>
           </a:p>
         </p:txBody>
       </p:sp>
@@ -1386,7 +1585,7 @@
           <a:p>
             <a:fld id="{63635F44-C3D0-2B4D-8E09-42DBC0FC5507}" type="datetimeFigureOut">
               <a:rPr lang="en-US" smtClean="0"/>
-              <a:t>19/04/16</a:t>
+              <a:t>11/24/18</a:t>
             </a:fld>
             <a:endParaRPr lang="en-GB"/>
           </a:p>
@@ -1485,10 +1684,9 @@
           <a:lstStyle/>
           <a:p>
             <a:r>
-              <a:rPr lang="en-GB" smtClean="0"/>
+              <a:rPr lang="en-GB"/>
               <a:t>Click to edit Master title style</a:t>
             </a:r>
-            <a:endParaRPr lang="en-GB"/>
           </a:p>
         </p:txBody>
       </p:sp>
@@ -1514,38 +1712,37 @@
           <a:p>
             <a:pPr lvl="0"/>
             <a:r>
-              <a:rPr lang="en-GB" smtClean="0"/>
+              <a:rPr lang="en-GB"/>
               <a:t>Click to edit Master text styles</a:t>
             </a:r>
           </a:p>
           <a:p>
             <a:pPr lvl="1"/>
             <a:r>
-              <a:rPr lang="en-GB" smtClean="0"/>
+              <a:rPr lang="en-GB"/>
               <a:t>Second level</a:t>
             </a:r>
           </a:p>
           <a:p>
             <a:pPr lvl="2"/>
             <a:r>
-              <a:rPr lang="en-GB" smtClean="0"/>
+              <a:rPr lang="en-GB"/>
               <a:t>Third level</a:t>
             </a:r>
           </a:p>
           <a:p>
             <a:pPr lvl="3"/>
             <a:r>
-              <a:rPr lang="en-GB" smtClean="0"/>
+              <a:rPr lang="en-GB"/>
               <a:t>Fourth level</a:t>
             </a:r>
           </a:p>
           <a:p>
             <a:pPr lvl="4"/>
             <a:r>
-              <a:rPr lang="en-GB" smtClean="0"/>
+              <a:rPr lang="en-GB"/>
               <a:t>Fifth level</a:t>
             </a:r>
-            <a:endParaRPr lang="en-GB"/>
           </a:p>
         </p:txBody>
       </p:sp>
@@ -1566,7 +1763,7 @@
           <a:p>
             <a:fld id="{63635F44-C3D0-2B4D-8E09-42DBC0FC5507}" type="datetimeFigureOut">
               <a:rPr lang="en-US" smtClean="0"/>
-              <a:t>19/04/16</a:t>
+              <a:t>11/24/18</a:t>
             </a:fld>
             <a:endParaRPr lang="en-GB"/>
           </a:p>
@@ -1660,10 +1857,9 @@
           <a:lstStyle/>
           <a:p>
             <a:r>
-              <a:rPr lang="en-GB" smtClean="0"/>
+              <a:rPr lang="en-GB"/>
               <a:t>Click to edit Master title style</a:t>
             </a:r>
-            <a:endParaRPr lang="en-GB"/>
           </a:p>
         </p:txBody>
       </p:sp>
@@ -1684,38 +1880,37 @@
           <a:p>
             <a:pPr lvl="0"/>
             <a:r>
-              <a:rPr lang="en-GB" smtClean="0"/>
+              <a:rPr lang="en-GB"/>
               <a:t>Click to edit Master text styles</a:t>
             </a:r>
           </a:p>
           <a:p>
             <a:pPr lvl="1"/>
             <a:r>
-              <a:rPr lang="en-GB" smtClean="0"/>
+              <a:rPr lang="en-GB"/>
               <a:t>Second level</a:t>
             </a:r>
           </a:p>
           <a:p>
             <a:pPr lvl="2"/>
             <a:r>
-              <a:rPr lang="en-GB" smtClean="0"/>
+              <a:rPr lang="en-GB"/>
               <a:t>Third level</a:t>
             </a:r>
           </a:p>
           <a:p>
             <a:pPr lvl="3"/>
             <a:r>
-              <a:rPr lang="en-GB" smtClean="0"/>
+              <a:rPr lang="en-GB"/>
               <a:t>Fourth level</a:t>
             </a:r>
           </a:p>
           <a:p>
             <a:pPr lvl="4"/>
             <a:r>
-              <a:rPr lang="en-GB" smtClean="0"/>
+              <a:rPr lang="en-GB"/>
               <a:t>Fifth level</a:t>
             </a:r>
-            <a:endParaRPr lang="en-GB"/>
           </a:p>
         </p:txBody>
       </p:sp>
@@ -1736,7 +1931,7 @@
           <a:p>
             <a:fld id="{63635F44-C3D0-2B4D-8E09-42DBC0FC5507}" type="datetimeFigureOut">
               <a:rPr lang="en-US" smtClean="0"/>
-              <a:t>19/04/16</a:t>
+              <a:t>11/24/18</a:t>
             </a:fld>
             <a:endParaRPr lang="en-GB"/>
           </a:p>
@@ -1839,10 +2034,9 @@
           </a:lstStyle>
           <a:p>
             <a:r>
-              <a:rPr lang="en-GB" smtClean="0"/>
+              <a:rPr lang="en-GB"/>
               <a:t>Click to edit Master title style</a:t>
             </a:r>
-            <a:endParaRPr lang="en-GB"/>
           </a:p>
         </p:txBody>
       </p:sp>
@@ -1959,7 +2153,7 @@
           <a:p>
             <a:pPr lvl="0"/>
             <a:r>
-              <a:rPr lang="en-GB" smtClean="0"/>
+              <a:rPr lang="en-GB"/>
               <a:t>Click to edit Master text styles</a:t>
             </a:r>
           </a:p>
@@ -1982,7 +2176,7 @@
           <a:p>
             <a:fld id="{63635F44-C3D0-2B4D-8E09-42DBC0FC5507}" type="datetimeFigureOut">
               <a:rPr lang="en-US" smtClean="0"/>
-              <a:t>19/04/16</a:t>
+              <a:t>11/24/18</a:t>
             </a:fld>
             <a:endParaRPr lang="en-GB"/>
           </a:p>
@@ -2076,10 +2270,9 @@
           <a:lstStyle/>
           <a:p>
             <a:r>
-              <a:rPr lang="en-GB" smtClean="0"/>
+              <a:rPr lang="en-GB"/>
               <a:t>Click to edit Master title style</a:t>
             </a:r>
-            <a:endParaRPr lang="en-GB"/>
           </a:p>
         </p:txBody>
       </p:sp>
@@ -2133,38 +2326,37 @@
           <a:p>
             <a:pPr lvl="0"/>
             <a:r>
-              <a:rPr lang="en-GB" smtClean="0"/>
+              <a:rPr lang="en-GB"/>
               <a:t>Click to edit Master text styles</a:t>
             </a:r>
           </a:p>
           <a:p>
             <a:pPr lvl="1"/>
             <a:r>
-              <a:rPr lang="en-GB" smtClean="0"/>
+              <a:rPr lang="en-GB"/>
               <a:t>Second level</a:t>
             </a:r>
           </a:p>
           <a:p>
             <a:pPr lvl="2"/>
             <a:r>
-              <a:rPr lang="en-GB" smtClean="0"/>
+              <a:rPr lang="en-GB"/>
               <a:t>Third level</a:t>
             </a:r>
           </a:p>
           <a:p>
             <a:pPr lvl="3"/>
             <a:r>
-              <a:rPr lang="en-GB" smtClean="0"/>
+              <a:rPr lang="en-GB"/>
               <a:t>Fourth level</a:t>
             </a:r>
           </a:p>
           <a:p>
             <a:pPr lvl="4"/>
             <a:r>
-              <a:rPr lang="en-GB" smtClean="0"/>
+              <a:rPr lang="en-GB"/>
               <a:t>Fifth level</a:t>
             </a:r>
-            <a:endParaRPr lang="en-GB"/>
           </a:p>
         </p:txBody>
       </p:sp>
@@ -2218,38 +2410,37 @@
           <a:p>
             <a:pPr lvl="0"/>
             <a:r>
-              <a:rPr lang="en-GB" smtClean="0"/>
+              <a:rPr lang="en-GB"/>
               <a:t>Click to edit Master text styles</a:t>
             </a:r>
           </a:p>
           <a:p>
             <a:pPr lvl="1"/>
             <a:r>
-              <a:rPr lang="en-GB" smtClean="0"/>
+              <a:rPr lang="en-GB"/>
               <a:t>Second level</a:t>
             </a:r>
           </a:p>
           <a:p>
             <a:pPr lvl="2"/>
             <a:r>
-              <a:rPr lang="en-GB" smtClean="0"/>
+              <a:rPr lang="en-GB"/>
               <a:t>Third level</a:t>
             </a:r>
           </a:p>
           <a:p>
             <a:pPr lvl="3"/>
             <a:r>
-              <a:rPr lang="en-GB" smtClean="0"/>
+              <a:rPr lang="en-GB"/>
               <a:t>Fourth level</a:t>
             </a:r>
           </a:p>
           <a:p>
             <a:pPr lvl="4"/>
             <a:r>
-              <a:rPr lang="en-GB" smtClean="0"/>
+              <a:rPr lang="en-GB"/>
               <a:t>Fifth level</a:t>
             </a:r>
-            <a:endParaRPr lang="en-GB"/>
           </a:p>
         </p:txBody>
       </p:sp>
@@ -2270,7 +2461,7 @@
           <a:p>
             <a:fld id="{63635F44-C3D0-2B4D-8E09-42DBC0FC5507}" type="datetimeFigureOut">
               <a:rPr lang="en-US" smtClean="0"/>
-              <a:t>19/04/16</a:t>
+              <a:t>11/24/18</a:t>
             </a:fld>
             <a:endParaRPr lang="en-GB"/>
           </a:p>
@@ -2368,10 +2559,9 @@
           </a:lstStyle>
           <a:p>
             <a:r>
-              <a:rPr lang="en-GB" smtClean="0"/>
+              <a:rPr lang="en-GB"/>
               <a:t>Click to edit Master title style</a:t>
             </a:r>
-            <a:endParaRPr lang="en-GB"/>
           </a:p>
         </p:txBody>
       </p:sp>
@@ -2434,7 +2624,7 @@
           <a:p>
             <a:pPr lvl="0"/>
             <a:r>
-              <a:rPr lang="en-GB" smtClean="0"/>
+              <a:rPr lang="en-GB"/>
               <a:t>Click to edit Master text styles</a:t>
             </a:r>
           </a:p>
@@ -2490,38 +2680,37 @@
           <a:p>
             <a:pPr lvl="0"/>
             <a:r>
-              <a:rPr lang="en-GB" smtClean="0"/>
+              <a:rPr lang="en-GB"/>
               <a:t>Click to edit Master text styles</a:t>
             </a:r>
           </a:p>
           <a:p>
             <a:pPr lvl="1"/>
             <a:r>
-              <a:rPr lang="en-GB" smtClean="0"/>
+              <a:rPr lang="en-GB"/>
               <a:t>Second level</a:t>
             </a:r>
           </a:p>
           <a:p>
             <a:pPr lvl="2"/>
             <a:r>
-              <a:rPr lang="en-GB" smtClean="0"/>
+              <a:rPr lang="en-GB"/>
               <a:t>Third level</a:t>
             </a:r>
           </a:p>
           <a:p>
             <a:pPr lvl="3"/>
             <a:r>
-              <a:rPr lang="en-GB" smtClean="0"/>
+              <a:rPr lang="en-GB"/>
               <a:t>Fourth level</a:t>
             </a:r>
           </a:p>
           <a:p>
             <a:pPr lvl="4"/>
             <a:r>
-              <a:rPr lang="en-GB" smtClean="0"/>
+              <a:rPr lang="en-GB"/>
               <a:t>Fifth level</a:t>
             </a:r>
-            <a:endParaRPr lang="en-GB"/>
           </a:p>
         </p:txBody>
       </p:sp>
@@ -2584,7 +2773,7 @@
           <a:p>
             <a:pPr lvl="0"/>
             <a:r>
-              <a:rPr lang="en-GB" smtClean="0"/>
+              <a:rPr lang="en-GB"/>
               <a:t>Click to edit Master text styles</a:t>
             </a:r>
           </a:p>
@@ -2640,38 +2829,37 @@
           <a:p>
             <a:pPr lvl="0"/>
             <a:r>
-              <a:rPr lang="en-GB" smtClean="0"/>
+              <a:rPr lang="en-GB"/>
               <a:t>Click to edit Master text styles</a:t>
             </a:r>
           </a:p>
           <a:p>
             <a:pPr lvl="1"/>
             <a:r>
-              <a:rPr lang="en-GB" smtClean="0"/>
+              <a:rPr lang="en-GB"/>
               <a:t>Second level</a:t>
             </a:r>
           </a:p>
           <a:p>
             <a:pPr lvl="2"/>
             <a:r>
-              <a:rPr lang="en-GB" smtClean="0"/>
+              <a:rPr lang="en-GB"/>
               <a:t>Third level</a:t>
             </a:r>
           </a:p>
           <a:p>
             <a:pPr lvl="3"/>
             <a:r>
-              <a:rPr lang="en-GB" smtClean="0"/>
+              <a:rPr lang="en-GB"/>
               <a:t>Fourth level</a:t>
             </a:r>
           </a:p>
           <a:p>
             <a:pPr lvl="4"/>
             <a:r>
-              <a:rPr lang="en-GB" smtClean="0"/>
+              <a:rPr lang="en-GB"/>
               <a:t>Fifth level</a:t>
             </a:r>
-            <a:endParaRPr lang="en-GB"/>
           </a:p>
         </p:txBody>
       </p:sp>
@@ -2692,7 +2880,7 @@
           <a:p>
             <a:fld id="{63635F44-C3D0-2B4D-8E09-42DBC0FC5507}" type="datetimeFigureOut">
               <a:rPr lang="en-US" smtClean="0"/>
-              <a:t>19/04/16</a:t>
+              <a:t>11/24/18</a:t>
             </a:fld>
             <a:endParaRPr lang="en-GB"/>
           </a:p>
@@ -2786,10 +2974,9 @@
           <a:lstStyle/>
           <a:p>
             <a:r>
-              <a:rPr lang="en-GB" smtClean="0"/>
+              <a:rPr lang="en-GB"/>
               <a:t>Click to edit Master title style</a:t>
             </a:r>
-            <a:endParaRPr lang="en-GB"/>
           </a:p>
         </p:txBody>
       </p:sp>
@@ -2810,7 +2997,7 @@
           <a:p>
             <a:fld id="{63635F44-C3D0-2B4D-8E09-42DBC0FC5507}" type="datetimeFigureOut">
               <a:rPr lang="en-US" smtClean="0"/>
-              <a:t>19/04/16</a:t>
+              <a:t>11/24/18</a:t>
             </a:fld>
             <a:endParaRPr lang="en-GB"/>
           </a:p>
@@ -2905,7 +3092,7 @@
           <a:p>
             <a:fld id="{63635F44-C3D0-2B4D-8E09-42DBC0FC5507}" type="datetimeFigureOut">
               <a:rPr lang="en-US" smtClean="0"/>
-              <a:t>19/04/16</a:t>
+              <a:t>11/24/18</a:t>
             </a:fld>
             <a:endParaRPr lang="en-GB"/>
           </a:p>
@@ -3008,10 +3195,9 @@
           </a:lstStyle>
           <a:p>
             <a:r>
-              <a:rPr lang="en-GB" smtClean="0"/>
+              <a:rPr lang="en-GB"/>
               <a:t>Click to edit Master title style</a:t>
             </a:r>
-            <a:endParaRPr lang="en-GB"/>
           </a:p>
         </p:txBody>
       </p:sp>
@@ -3065,38 +3251,37 @@
           <a:p>
             <a:pPr lvl="0"/>
             <a:r>
-              <a:rPr lang="en-GB" smtClean="0"/>
+              <a:rPr lang="en-GB"/>
               <a:t>Click to edit Master text styles</a:t>
             </a:r>
           </a:p>
           <a:p>
             <a:pPr lvl="1"/>
             <a:r>
-              <a:rPr lang="en-GB" smtClean="0"/>
+              <a:rPr lang="en-GB"/>
               <a:t>Second level</a:t>
             </a:r>
           </a:p>
           <a:p>
             <a:pPr lvl="2"/>
             <a:r>
-              <a:rPr lang="en-GB" smtClean="0"/>
+              <a:rPr lang="en-GB"/>
               <a:t>Third level</a:t>
             </a:r>
           </a:p>
           <a:p>
             <a:pPr lvl="3"/>
             <a:r>
-              <a:rPr lang="en-GB" smtClean="0"/>
+              <a:rPr lang="en-GB"/>
               <a:t>Fourth level</a:t>
             </a:r>
           </a:p>
           <a:p>
             <a:pPr lvl="4"/>
             <a:r>
-              <a:rPr lang="en-GB" smtClean="0"/>
+              <a:rPr lang="en-GB"/>
               <a:t>Fifth level</a:t>
             </a:r>
-            <a:endParaRPr lang="en-GB"/>
           </a:p>
         </p:txBody>
       </p:sp>
@@ -3159,7 +3344,7 @@
           <a:p>
             <a:pPr lvl="0"/>
             <a:r>
-              <a:rPr lang="en-GB" smtClean="0"/>
+              <a:rPr lang="en-GB"/>
               <a:t>Click to edit Master text styles</a:t>
             </a:r>
           </a:p>
@@ -3182,7 +3367,7 @@
           <a:p>
             <a:fld id="{63635F44-C3D0-2B4D-8E09-42DBC0FC5507}" type="datetimeFigureOut">
               <a:rPr lang="en-US" smtClean="0"/>
-              <a:t>19/04/16</a:t>
+              <a:t>11/24/18</a:t>
             </a:fld>
             <a:endParaRPr lang="en-GB"/>
           </a:p>
@@ -3285,10 +3470,9 @@
           </a:lstStyle>
           <a:p>
             <a:r>
-              <a:rPr lang="en-GB" smtClean="0"/>
+              <a:rPr lang="en-GB"/>
               <a:t>Click to edit Master title style</a:t>
             </a:r>
-            <a:endParaRPr lang="en-GB"/>
           </a:p>
         </p:txBody>
       </p:sp>
@@ -3412,7 +3596,7 @@
           <a:p>
             <a:pPr lvl="0"/>
             <a:r>
-              <a:rPr lang="en-GB" smtClean="0"/>
+              <a:rPr lang="en-GB"/>
               <a:t>Click to edit Master text styles</a:t>
             </a:r>
           </a:p>
@@ -3435,7 +3619,7 @@
           <a:p>
             <a:fld id="{63635F44-C3D0-2B4D-8E09-42DBC0FC5507}" type="datetimeFigureOut">
               <a:rPr lang="en-US" smtClean="0"/>
-              <a:t>19/04/16</a:t>
+              <a:t>11/24/18</a:t>
             </a:fld>
             <a:endParaRPr lang="en-GB"/>
           </a:p>
@@ -3544,10 +3728,9 @@
           <a:lstStyle/>
           <a:p>
             <a:r>
-              <a:rPr lang="en-GB" smtClean="0"/>
+              <a:rPr lang="en-GB"/>
               <a:t>Click to edit Master title style</a:t>
             </a:r>
-            <a:endParaRPr lang="en-GB"/>
           </a:p>
         </p:txBody>
       </p:sp>
@@ -3578,38 +3761,37 @@
           <a:p>
             <a:pPr lvl="0"/>
             <a:r>
-              <a:rPr lang="en-GB" smtClean="0"/>
+              <a:rPr lang="en-GB"/>
               <a:t>Click to edit Master text styles</a:t>
             </a:r>
           </a:p>
           <a:p>
             <a:pPr lvl="1"/>
             <a:r>
-              <a:rPr lang="en-GB" smtClean="0"/>
+              <a:rPr lang="en-GB"/>
               <a:t>Second level</a:t>
             </a:r>
           </a:p>
           <a:p>
             <a:pPr lvl="2"/>
             <a:r>
-              <a:rPr lang="en-GB" smtClean="0"/>
+              <a:rPr lang="en-GB"/>
               <a:t>Third level</a:t>
             </a:r>
           </a:p>
           <a:p>
             <a:pPr lvl="3"/>
             <a:r>
-              <a:rPr lang="en-GB" smtClean="0"/>
+              <a:rPr lang="en-GB"/>
               <a:t>Fourth level</a:t>
             </a:r>
           </a:p>
           <a:p>
             <a:pPr lvl="4"/>
             <a:r>
-              <a:rPr lang="en-GB" smtClean="0"/>
+              <a:rPr lang="en-GB"/>
               <a:t>Fifth level</a:t>
             </a:r>
-            <a:endParaRPr lang="en-GB"/>
           </a:p>
         </p:txBody>
       </p:sp>
@@ -3648,7 +3830,7 @@
           <a:p>
             <a:fld id="{63635F44-C3D0-2B4D-8E09-42DBC0FC5507}" type="datetimeFigureOut">
               <a:rPr lang="en-US" smtClean="0"/>
-              <a:t>19/04/16</a:t>
+              <a:t>11/24/18</a:t>
             </a:fld>
             <a:endParaRPr lang="en-GB"/>
           </a:p>
@@ -4041,19 +4223,15 @@
           <a:lstStyle/>
           <a:p>
             <a:r>
-              <a:rPr lang="en-GB" dirty="0" smtClean="0"/>
+              <a:rPr lang="en-GB" dirty="0"/>
               <a:t>Advanced OpenCL Topics –</a:t>
             </a:r>
             <a:br>
-              <a:rPr lang="en-GB" dirty="0" smtClean="0"/>
+              <a:rPr lang="en-GB" dirty="0"/>
             </a:br>
             <a:r>
-              <a:rPr lang="en-GB" dirty="0" smtClean="0"/>
+              <a:rPr lang="en-GB" dirty="0"/>
               <a:t>OPENCL / OpenGL interoperability</a:t>
-            </a:r>
-            <a:r>
-              <a:rPr lang="en-GB" dirty="0"/>
-              <a:t/>
             </a:r>
             <a:br>
               <a:rPr lang="en-GB" dirty="0"/>
@@ -4078,18 +4256,13 @@
           <a:lstStyle/>
           <a:p>
             <a:r>
-              <a:rPr lang="en-GB" dirty="0" smtClean="0">
+              <a:rPr lang="en-GB" dirty="0">
                 <a:solidFill>
                   <a:schemeClr val="tx1"/>
                 </a:solidFill>
               </a:rPr>
               <a:t>Part 4</a:t>
             </a:r>
-            <a:endParaRPr lang="en-GB" dirty="0">
-              <a:solidFill>
-                <a:schemeClr val="tx1"/>
-              </a:solidFill>
-            </a:endParaRPr>
           </a:p>
         </p:txBody>
       </p:sp>
@@ -4103,18 +4276,11 @@
   <p:clrMapOvr>
     <a:masterClrMapping/>
   </p:clrMapOvr>
-  <p:timing>
-    <p:tnLst>
-      <p:par>
-        <p:cTn xmlns:p14="http://schemas.microsoft.com/office/powerpoint/2010/main" id="1" dur="indefinite" restart="never" nodeType="tmRoot"/>
-      </p:par>
-    </p:tnLst>
-  </p:timing>
 </p:sld>
 </file>
 
 <file path=ppt/slides/slide10.xml><?xml version="1.0" encoding="utf-8"?>
-<p:sld xmlns:a="http://schemas.openxmlformats.org/drawingml/2006/main" xmlns:r="http://schemas.openxmlformats.org/officeDocument/2006/relationships" xmlns:p="http://schemas.openxmlformats.org/presentationml/2006/main">
+<p:sld xmlns:a="http://schemas.openxmlformats.org/drawingml/2006/main" xmlns:r="http://schemas.openxmlformats.org/officeDocument/2006/relationships" xmlns:p="http://schemas.openxmlformats.org/presentationml/2006/main" show="0">
   <p:cSld>
     <p:spTree>
       <p:nvGrpSpPr>
@@ -4146,27 +4312,231 @@
           <a:lstStyle/>
           <a:p>
             <a:r>
-              <a:rPr lang="en-US" dirty="0" smtClean="0"/>
-              <a:t>Using Shared Objects</a:t>
-            </a:r>
+              <a:rPr lang="en-US" dirty="0"/>
+              <a:t>Setting up OpenCL</a:t>
+            </a:r>
+          </a:p>
+        </p:txBody>
+      </p:sp>
+      <p:sp>
+        <p:nvSpPr>
+          <p:cNvPr id="4" name="Text Placeholder 3"/>
+          <p:cNvSpPr>
+            <a:spLocks noGrp="1"/>
+          </p:cNvSpPr>
+          <p:nvPr>
+            <p:ph type="body" sz="half" idx="2"/>
+          </p:nvPr>
+        </p:nvSpPr>
+        <p:spPr/>
+        <p:txBody>
+          <a:bodyPr/>
+          <a:lstStyle/>
+          <a:p>
+            <a:pPr marL="285750" indent="-285750">
+              <a:buFont typeface="Arial"/>
+              <a:buChar char="•"/>
+            </a:pPr>
+            <a:r>
+              <a:rPr lang="en-US" dirty="0">
+                <a:solidFill>
+                  <a:schemeClr val="bg1">
+                    <a:lumMod val="75000"/>
+                  </a:schemeClr>
+                </a:solidFill>
+              </a:rPr>
+              <a:t>All of the OpenCL setup is the same as normal, with the exception of context creation</a:t>
+            </a:r>
+          </a:p>
+          <a:p>
+            <a:pPr marL="285750" indent="-285750">
+              <a:buFont typeface="Arial"/>
+              <a:buChar char="•"/>
+            </a:pPr>
+            <a:r>
+              <a:rPr lang="en-US" dirty="0">
+                <a:solidFill>
+                  <a:schemeClr val="bg1">
+                    <a:lumMod val="75000"/>
+                  </a:schemeClr>
+                </a:solidFill>
+              </a:rPr>
+              <a:t>You should check that the platform supports the CL/GL sharing extension (not all do!)</a:t>
+            </a:r>
+          </a:p>
+          <a:p>
+            <a:pPr marL="742950" lvl="1" indent="-285750">
+              <a:buFont typeface="Arial"/>
+              <a:buChar char="•"/>
+            </a:pPr>
+            <a:r>
+              <a:rPr lang="en-US" dirty="0" err="1">
+                <a:solidFill>
+                  <a:schemeClr val="bg1">
+                    <a:lumMod val="75000"/>
+                  </a:schemeClr>
+                </a:solidFill>
+              </a:rPr>
+              <a:t>cl_khr_gl_sharing</a:t>
+            </a:r>
+            <a:endParaRPr lang="en-US" dirty="0">
+              <a:solidFill>
+                <a:schemeClr val="bg1">
+                  <a:lumMod val="75000"/>
+                </a:schemeClr>
+              </a:solidFill>
+            </a:endParaRPr>
+          </a:p>
+          <a:p>
+            <a:pPr marL="742950" lvl="1" indent="-285750">
+              <a:buFont typeface="Arial"/>
+              <a:buChar char="•"/>
+            </a:pPr>
+            <a:r>
+              <a:rPr lang="en-US" dirty="0" err="1">
+                <a:solidFill>
+                  <a:schemeClr val="bg1">
+                    <a:lumMod val="75000"/>
+                  </a:schemeClr>
+                </a:solidFill>
+              </a:rPr>
+              <a:t>cl_APPLE_gl_sharing</a:t>
+            </a:r>
+            <a:endParaRPr lang="en-US" dirty="0">
+              <a:solidFill>
+                <a:schemeClr val="bg1">
+                  <a:lumMod val="75000"/>
+                </a:schemeClr>
+              </a:solidFill>
+            </a:endParaRPr>
+          </a:p>
+          <a:p>
+            <a:pPr marL="285750" indent="-285750">
+              <a:buFont typeface="Arial"/>
+              <a:buChar char="•"/>
+            </a:pPr>
+            <a:r>
+              <a:rPr lang="en-US" dirty="0">
+                <a:solidFill>
+                  <a:schemeClr val="bg1">
+                    <a:lumMod val="75000"/>
+                  </a:schemeClr>
+                </a:solidFill>
+              </a:rPr>
+              <a:t>Queue creation, kernel compilation, etc. is the same as before</a:t>
+            </a:r>
+          </a:p>
+          <a:p>
+            <a:pPr marL="285750" indent="-285750">
+              <a:buFont typeface="Arial"/>
+              <a:buChar char="•"/>
+            </a:pPr>
             <a:endParaRPr lang="en-US" dirty="0"/>
           </a:p>
-        </p:txBody>
-      </p:sp>
-      <p:sp>
-        <p:nvSpPr>
-          <p:cNvPr id="4" name="Text Placeholder 3"/>
-          <p:cNvSpPr>
-            <a:spLocks noGrp="1"/>
-          </p:cNvSpPr>
-          <p:nvPr>
-            <p:ph type="body" sz="half" idx="2"/>
+          <a:p>
+            <a:pPr marL="285750" indent="-285750">
+              <a:buFont typeface="Arial"/>
+              <a:buChar char="•"/>
+            </a:pPr>
+            <a:r>
+              <a:rPr lang="en-US" dirty="0"/>
+              <a:t>Finally, we can create our shared object between OpenCL and OpenGL</a:t>
+            </a:r>
+          </a:p>
+          <a:p>
+            <a:pPr marL="285750" indent="-285750">
+              <a:buFont typeface="Arial"/>
+              <a:buChar char="•"/>
+            </a:pPr>
+            <a:r>
+              <a:rPr lang="en-US" dirty="0"/>
+              <a:t>This is a </a:t>
+            </a:r>
+            <a:r>
+              <a:rPr lang="en-US" b="1" dirty="0">
+                <a:solidFill>
+                  <a:srgbClr val="3366FF"/>
+                </a:solidFill>
+                <a:latin typeface="Courier New"/>
+                <a:cs typeface="Courier New"/>
+              </a:rPr>
+              <a:t>cl::</a:t>
+            </a:r>
+            <a:r>
+              <a:rPr lang="en-US" b="1" dirty="0" err="1">
+                <a:solidFill>
+                  <a:srgbClr val="3366FF"/>
+                </a:solidFill>
+                <a:latin typeface="Courier New"/>
+                <a:cs typeface="Courier New"/>
+              </a:rPr>
+              <a:t>ImageGL</a:t>
+            </a:r>
+            <a:r>
+              <a:rPr lang="en-US" dirty="0">
+                <a:latin typeface="Trebuchet MS"/>
+                <a:cs typeface="Trebuchet MS"/>
+              </a:rPr>
+              <a:t> * or </a:t>
+            </a:r>
+            <a:r>
+              <a:rPr lang="en-US" b="1" dirty="0">
+                <a:solidFill>
+                  <a:srgbClr val="3366FF"/>
+                </a:solidFill>
+                <a:latin typeface="Courier New"/>
+                <a:cs typeface="Courier New"/>
+              </a:rPr>
+              <a:t>cl::</a:t>
+            </a:r>
+            <a:r>
+              <a:rPr lang="en-US" b="1" dirty="0" err="1">
+                <a:solidFill>
+                  <a:srgbClr val="3366FF"/>
+                </a:solidFill>
+                <a:latin typeface="Courier New"/>
+                <a:cs typeface="Courier New"/>
+              </a:rPr>
+              <a:t>BufferGL</a:t>
+            </a:r>
+            <a:r>
+              <a:rPr lang="en-US" b="1" dirty="0">
+                <a:solidFill>
+                  <a:srgbClr val="3366FF"/>
+                </a:solidFill>
+                <a:latin typeface="Courier New"/>
+                <a:cs typeface="Courier New"/>
+              </a:rPr>
+              <a:t> </a:t>
+            </a:r>
+            <a:r>
+              <a:rPr lang="en-US" dirty="0"/>
+              <a:t>object, which is used in the same fashion as other memory objects</a:t>
+            </a:r>
+          </a:p>
+          <a:p>
+            <a:pPr marL="285750" indent="-285750">
+              <a:buFont typeface="Arial"/>
+              <a:buChar char="•"/>
+            </a:pPr>
+            <a:endParaRPr lang="en-US" dirty="0"/>
+          </a:p>
+        </p:txBody>
+      </p:sp>
+      <p:sp>
+        <p:nvSpPr>
+          <p:cNvPr id="6" name="Content Placeholder 3"/>
+          <p:cNvSpPr>
+            <a:spLocks noGrp="1"/>
+          </p:cNvSpPr>
+          <p:nvPr>
+            <p:ph idx="1"/>
           </p:nvPr>
         </p:nvSpPr>
         <p:spPr>
           <a:xfrm>
-            <a:off x="236482" y="1435100"/>
-            <a:ext cx="3774965" cy="4691063"/>
+            <a:off x="3575050" y="273050"/>
+            <a:ext cx="5111750" cy="5853113"/>
           </a:xfrm>
         </p:spPr>
         <p:txBody>
@@ -4175,346 +4545,146 @@
           </a:bodyPr>
           <a:lstStyle/>
           <a:p>
-            <a:pPr marL="285750" indent="-285750">
-              <a:buFont typeface="Arial"/>
-              <a:buChar char="•"/>
-            </a:pPr>
-            <a:r>
-              <a:rPr lang="en-US" dirty="0"/>
-              <a:t>First, a call to </a:t>
-            </a:r>
-            <a:r>
-              <a:rPr lang="en-US" b="1" dirty="0" err="1">
-                <a:solidFill>
-                  <a:srgbClr val="3366FF"/>
-                </a:solidFill>
-                <a:latin typeface="Courier New"/>
-                <a:cs typeface="Courier New"/>
-              </a:rPr>
-              <a:t>glFlush</a:t>
-            </a:r>
-            <a:r>
-              <a:rPr lang="en-US" b="1" dirty="0">
-                <a:solidFill>
-                  <a:srgbClr val="3366FF"/>
-                </a:solidFill>
-                <a:latin typeface="Courier New"/>
-                <a:cs typeface="Courier New"/>
-              </a:rPr>
-              <a:t>()</a:t>
-            </a:r>
-            <a:r>
-              <a:rPr lang="en-US" dirty="0"/>
-              <a:t> must be made to ensure </a:t>
-            </a:r>
-            <a:r>
-              <a:rPr lang="en-US" dirty="0" smtClean="0"/>
-              <a:t>all </a:t>
-            </a:r>
-            <a:r>
-              <a:rPr lang="en-US" dirty="0"/>
-              <a:t>GL commands have been submitted to the device</a:t>
-            </a:r>
-          </a:p>
-          <a:p>
-            <a:pPr marL="285750" indent="-285750">
-              <a:buFont typeface="Arial"/>
-              <a:buChar char="•"/>
-            </a:pPr>
-            <a:r>
-              <a:rPr lang="en-US" dirty="0"/>
-              <a:t>Acquire ownership of shared objects using </a:t>
-            </a:r>
-            <a:r>
-              <a:rPr lang="en-US" b="1" dirty="0" err="1" smtClean="0">
-                <a:solidFill>
-                  <a:srgbClr val="3366FF"/>
-                </a:solidFill>
-                <a:latin typeface="Courier New"/>
-                <a:cs typeface="Courier New"/>
-              </a:rPr>
-              <a:t>queue.</a:t>
-            </a:r>
-            <a:r>
-              <a:rPr lang="en-US" b="1" dirty="0" err="1">
-                <a:solidFill>
-                  <a:srgbClr val="3366FF"/>
-                </a:solidFill>
-                <a:latin typeface="Courier New"/>
-                <a:cs typeface="Courier New"/>
-              </a:rPr>
-              <a:t>e</a:t>
-            </a:r>
-            <a:r>
-              <a:rPr lang="en-US" b="1" dirty="0" err="1" smtClean="0">
-                <a:solidFill>
-                  <a:srgbClr val="3366FF"/>
-                </a:solidFill>
-                <a:latin typeface="Courier New"/>
-                <a:cs typeface="Courier New"/>
-              </a:rPr>
-              <a:t>nqueueAcquireGLObjects</a:t>
-            </a:r>
-            <a:r>
-              <a:rPr lang="en-US" b="1" dirty="0" smtClean="0">
-                <a:solidFill>
-                  <a:srgbClr val="3366FF"/>
-                </a:solidFill>
+            <a:pPr marL="0" indent="0">
+              <a:buNone/>
+            </a:pPr>
+            <a:r>
+              <a:rPr lang="en-US" sz="1200" b="1" dirty="0">
+                <a:solidFill>
+                  <a:srgbClr val="008000"/>
+                </a:solidFill>
+                <a:latin typeface="Courier New"/>
+                <a:cs typeface="Courier New"/>
+              </a:rPr>
+              <a:t>// Create an OpenCL image from an OpenGL texture</a:t>
+            </a:r>
+          </a:p>
+          <a:p>
+            <a:pPr marL="0" indent="0">
+              <a:buNone/>
+            </a:pPr>
+            <a:r>
+              <a:rPr lang="en-US" sz="1200" b="1" dirty="0">
+                <a:latin typeface="Courier New"/>
+                <a:cs typeface="Courier New"/>
+              </a:rPr>
+              <a:t>cl::</a:t>
+            </a:r>
+            <a:r>
+              <a:rPr lang="en-US" sz="1200" b="1" dirty="0" err="1">
+                <a:latin typeface="Courier New"/>
+                <a:cs typeface="Courier New"/>
+              </a:rPr>
+              <a:t>ImageGL</a:t>
+            </a:r>
+            <a:r>
+              <a:rPr lang="en-US" sz="1200" b="1" dirty="0">
+                <a:latin typeface="Courier New"/>
+                <a:cs typeface="Courier New"/>
+              </a:rPr>
+              <a:t> </a:t>
+            </a:r>
+            <a:r>
+              <a:rPr lang="en-US" sz="1200" b="1" dirty="0" err="1">
+                <a:solidFill>
+                  <a:schemeClr val="accent4"/>
+                </a:solidFill>
+                <a:latin typeface="Courier New"/>
+                <a:cs typeface="Courier New"/>
+              </a:rPr>
+              <a:t>texTargetCL</a:t>
+            </a:r>
+            <a:r>
+              <a:rPr lang="en-US" sz="1200" b="1" dirty="0">
                 <a:latin typeface="Courier New"/>
                 <a:cs typeface="Courier New"/>
               </a:rPr>
               <a:t>(</a:t>
             </a:r>
-            <a:r>
-              <a:rPr lang="en-US" b="1" dirty="0">
-                <a:solidFill>
-                  <a:srgbClr val="3366FF"/>
-                </a:solidFill>
-                <a:latin typeface="Courier New"/>
-                <a:cs typeface="Courier New"/>
-              </a:rPr>
-              <a:t>)</a:t>
-            </a:r>
-            <a:r>
-              <a:rPr lang="en-US" dirty="0"/>
-              <a:t> to tell the runtime we want to use them from OpenCL</a:t>
-            </a:r>
-          </a:p>
-          <a:p>
-            <a:pPr marL="285750" indent="-285750">
-              <a:buFont typeface="Arial"/>
-              <a:buChar char="•"/>
-            </a:pPr>
-            <a:r>
-              <a:rPr lang="en-US" dirty="0"/>
-              <a:t>Operate on the objects using regular OpenCL </a:t>
-            </a:r>
-            <a:r>
-              <a:rPr lang="en-US" dirty="0" err="1"/>
-              <a:t>enqueue</a:t>
-            </a:r>
-            <a:r>
-              <a:rPr lang="en-US" dirty="0"/>
-              <a:t> commands</a:t>
-            </a:r>
-          </a:p>
-          <a:p>
-            <a:pPr marL="285750" indent="-285750">
-              <a:buFont typeface="Arial"/>
-              <a:buChar char="•"/>
-            </a:pPr>
-            <a:r>
-              <a:rPr lang="en-US" dirty="0"/>
-              <a:t>Release ownership of shared objects using </a:t>
-            </a:r>
-            <a:r>
-              <a:rPr lang="en-US" b="1" dirty="0" err="1" smtClean="0">
-                <a:solidFill>
-                  <a:srgbClr val="3366FF"/>
-                </a:solidFill>
-                <a:latin typeface="Courier New"/>
-                <a:cs typeface="Courier New"/>
-              </a:rPr>
-              <a:t>queue.enqueueReleaseGLObjects</a:t>
-            </a:r>
-            <a:r>
-              <a:rPr lang="en-US" b="1" dirty="0" smtClean="0">
-                <a:solidFill>
-                  <a:srgbClr val="3366FF"/>
-                </a:solidFill>
-                <a:latin typeface="Courier New"/>
-                <a:cs typeface="Courier New"/>
-              </a:rPr>
-              <a:t>(</a:t>
-            </a:r>
-            <a:r>
-              <a:rPr lang="en-US" b="1" dirty="0">
-                <a:solidFill>
-                  <a:srgbClr val="3366FF"/>
-                </a:solidFill>
-                <a:latin typeface="Courier New"/>
-                <a:cs typeface="Courier New"/>
-              </a:rPr>
-              <a:t>)</a:t>
-            </a:r>
-          </a:p>
-          <a:p>
-            <a:pPr marL="285750" indent="-285750">
-              <a:buFont typeface="Arial"/>
-              <a:buChar char="•"/>
-            </a:pPr>
-            <a:r>
-              <a:rPr lang="en-US" dirty="0"/>
-              <a:t>Then render these objects using regular OpenGL commands</a:t>
-            </a:r>
-          </a:p>
-          <a:p>
-            <a:endParaRPr lang="en-US" dirty="0"/>
-          </a:p>
-        </p:txBody>
-      </p:sp>
-      <p:sp>
-        <p:nvSpPr>
-          <p:cNvPr id="6" name="Content Placeholder 3"/>
-          <p:cNvSpPr>
-            <a:spLocks noGrp="1"/>
-          </p:cNvSpPr>
-          <p:nvPr>
-            <p:ph idx="1"/>
-          </p:nvPr>
-        </p:nvSpPr>
-        <p:spPr>
-          <a:xfrm>
-            <a:off x="4103981" y="1081436"/>
-            <a:ext cx="4906888" cy="5044727"/>
-          </a:xfrm>
-        </p:spPr>
-        <p:txBody>
-          <a:bodyPr>
-            <a:normAutofit/>
-          </a:bodyPr>
-          <a:lstStyle/>
-          <a:p>
-            <a:pPr marL="0" indent="0">
-              <a:buNone/>
-            </a:pPr>
-            <a:r>
-              <a:rPr lang="en-US" sz="1200" b="1" dirty="0" err="1" smtClean="0">
-                <a:latin typeface="Courier New"/>
-                <a:cs typeface="Courier New"/>
-              </a:rPr>
-              <a:t>std</a:t>
-            </a:r>
-            <a:r>
-              <a:rPr lang="en-US" sz="1200" b="1" dirty="0" smtClean="0">
-                <a:latin typeface="Courier New"/>
-                <a:cs typeface="Courier New"/>
-              </a:rPr>
-              <a:t>::vector&lt;cl::Memory&gt; objects;</a:t>
-            </a:r>
-          </a:p>
-          <a:p>
-            <a:pPr marL="0" indent="0">
-              <a:buNone/>
-            </a:pPr>
-            <a:r>
-              <a:rPr lang="en-US" sz="1200" b="1" dirty="0" err="1" smtClean="0">
-                <a:latin typeface="Courier New"/>
-                <a:cs typeface="Courier New"/>
-              </a:rPr>
-              <a:t>objects.</a:t>
-            </a:r>
-            <a:r>
-              <a:rPr lang="en-US" sz="1200" b="1" dirty="0" err="1" smtClean="0">
-                <a:solidFill>
-                  <a:srgbClr val="3366FF"/>
-                </a:solidFill>
-                <a:latin typeface="Courier New"/>
-                <a:cs typeface="Courier New"/>
-              </a:rPr>
-              <a:t>push_back</a:t>
-            </a:r>
-            <a:r>
-              <a:rPr lang="en-US" sz="1200" b="1" dirty="0" smtClean="0">
-                <a:latin typeface="Courier New"/>
-                <a:cs typeface="Courier New"/>
-              </a:rPr>
-              <a:t>(</a:t>
+          </a:p>
+          <a:p>
+            <a:pPr marL="0" indent="0">
+              <a:buNone/>
+            </a:pPr>
+            <a:r>
+              <a:rPr lang="en-US" sz="1200" b="1" dirty="0">
+                <a:latin typeface="Courier New"/>
+                <a:cs typeface="Courier New"/>
+              </a:rPr>
+              <a:t>  context, </a:t>
+            </a:r>
+          </a:p>
+          <a:p>
+            <a:pPr marL="0" indent="0">
+              <a:buNone/>
+            </a:pPr>
+            <a:r>
+              <a:rPr lang="en-US" sz="1200" b="1" dirty="0">
+                <a:latin typeface="Courier New"/>
+                <a:cs typeface="Courier New"/>
+              </a:rPr>
+              <a:t>  CL_MEM_WRITE_ONLY, </a:t>
+            </a:r>
+          </a:p>
+          <a:p>
+            <a:pPr marL="0" indent="0">
+              <a:buNone/>
+            </a:pPr>
+            <a:r>
+              <a:rPr lang="en-US" sz="1200" b="1" dirty="0">
+                <a:latin typeface="Courier New"/>
+                <a:cs typeface="Courier New"/>
+              </a:rPr>
+              <a:t>  GL_TEXTURE_2D, </a:t>
+            </a:r>
+          </a:p>
+          <a:p>
+            <a:pPr marL="0" indent="0">
+              <a:buNone/>
+            </a:pPr>
+            <a:r>
+              <a:rPr lang="en-US" sz="1200" b="1" dirty="0">
+                <a:latin typeface="Courier New"/>
+                <a:cs typeface="Courier New"/>
+              </a:rPr>
+              <a:t>  </a:t>
+            </a:r>
+            <a:r>
+              <a:rPr lang="en-US" sz="1200" b="1" dirty="0">
+                <a:solidFill>
+                  <a:srgbClr val="FF00FF"/>
+                </a:solidFill>
+                <a:latin typeface="Courier New"/>
+                <a:cs typeface="Courier New"/>
+              </a:rPr>
+              <a:t>0</a:t>
+            </a:r>
+            <a:r>
+              <a:rPr lang="en-US" sz="1200" b="1" dirty="0">
+                <a:latin typeface="Courier New"/>
+                <a:cs typeface="Courier New"/>
+              </a:rPr>
+              <a:t>, </a:t>
+            </a:r>
+          </a:p>
+          <a:p>
+            <a:pPr marL="0" indent="0">
+              <a:buNone/>
+            </a:pPr>
+            <a:r>
+              <a:rPr lang="en-US" sz="1200" b="1" dirty="0">
+                <a:latin typeface="Courier New"/>
+                <a:cs typeface="Courier New"/>
+              </a:rPr>
+              <a:t>  </a:t>
             </a:r>
             <a:r>
               <a:rPr lang="en-US" sz="1200" b="1" dirty="0" err="1">
                 <a:latin typeface="Courier New"/>
                 <a:cs typeface="Courier New"/>
               </a:rPr>
-              <a:t>texTargetCL</a:t>
-            </a:r>
-            <a:r>
-              <a:rPr lang="en-US" sz="1200" b="1" dirty="0" smtClean="0">
-                <a:latin typeface="Courier New"/>
-                <a:cs typeface="Courier New"/>
-              </a:rPr>
-              <a:t>);</a:t>
-            </a:r>
-          </a:p>
-          <a:p>
-            <a:pPr marL="0" indent="0">
-              <a:buNone/>
-            </a:pPr>
-            <a:endParaRPr lang="en-US" sz="1200" b="1" dirty="0" smtClean="0">
-              <a:latin typeface="Courier New"/>
-              <a:cs typeface="Courier New"/>
-            </a:endParaRPr>
-          </a:p>
-          <a:p>
-            <a:pPr marL="0" indent="0">
-              <a:buNone/>
-            </a:pPr>
-            <a:r>
-              <a:rPr lang="en-US" sz="1200" b="1" dirty="0" smtClean="0">
-                <a:solidFill>
-                  <a:srgbClr val="008000"/>
-                </a:solidFill>
-                <a:latin typeface="Courier New"/>
-                <a:cs typeface="Courier New"/>
-              </a:rPr>
-              <a:t>// Flush GL pipeline and acquire shared objects</a:t>
-            </a:r>
-          </a:p>
-          <a:p>
-            <a:pPr marL="0" indent="0">
-              <a:buNone/>
-            </a:pPr>
-            <a:r>
-              <a:rPr lang="en-US" sz="1200" b="1" dirty="0" err="1" smtClean="0">
-                <a:solidFill>
-                  <a:srgbClr val="3366FF"/>
-                </a:solidFill>
-                <a:latin typeface="Courier New"/>
-                <a:cs typeface="Courier New"/>
-              </a:rPr>
-              <a:t>glFlush</a:t>
-            </a:r>
-            <a:r>
-              <a:rPr lang="en-US" sz="1200" b="1" dirty="0">
-                <a:latin typeface="Courier New"/>
-                <a:cs typeface="Courier New"/>
-              </a:rPr>
-              <a:t>();</a:t>
-            </a:r>
-          </a:p>
-          <a:p>
-            <a:pPr marL="0" indent="0">
-              <a:buNone/>
-            </a:pPr>
-            <a:r>
-              <a:rPr lang="en-US" sz="1200" b="1" dirty="0" err="1" smtClean="0">
-                <a:latin typeface="Courier New"/>
-                <a:cs typeface="Courier New"/>
-              </a:rPr>
-              <a:t>queue.</a:t>
-            </a:r>
-            <a:r>
-              <a:rPr lang="en-US" sz="1200" b="1" dirty="0" err="1" smtClean="0">
-                <a:solidFill>
-                  <a:srgbClr val="3366FF"/>
-                </a:solidFill>
-                <a:latin typeface="Courier New"/>
-                <a:cs typeface="Courier New"/>
-              </a:rPr>
-              <a:t>enqueueAcquireGLObjects</a:t>
-            </a:r>
-            <a:r>
-              <a:rPr lang="en-US" sz="1200" b="1" dirty="0" smtClean="0">
-                <a:latin typeface="Courier New"/>
-                <a:cs typeface="Courier New"/>
-              </a:rPr>
-              <a:t>(&amp;objects);</a:t>
-            </a:r>
-          </a:p>
-          <a:p>
-            <a:pPr marL="0" indent="0">
-              <a:buNone/>
-            </a:pPr>
+              <a:t>texTargetGL</a:t>
+            </a:r>
             <a:endParaRPr lang="en-US" sz="1200" b="1" dirty="0">
               <a:latin typeface="Courier New"/>
               <a:cs typeface="Courier New"/>
@@ -4525,137 +4695,121 @@
               <a:buNone/>
             </a:pPr>
             <a:r>
-              <a:rPr lang="en-US" sz="1200" b="1" dirty="0" smtClean="0">
+              <a:rPr lang="en-US" sz="1200" b="1" dirty="0">
+                <a:latin typeface="Courier New"/>
+                <a:cs typeface="Courier New"/>
+              </a:rPr>
+              <a:t>);</a:t>
+            </a:r>
+          </a:p>
+          <a:p>
+            <a:pPr marL="0" indent="0">
+              <a:buNone/>
+            </a:pPr>
+            <a:endParaRPr lang="en-US" sz="1200" dirty="0">
+              <a:latin typeface="Menlo"/>
+            </a:endParaRPr>
+          </a:p>
+          <a:p>
+            <a:pPr marL="0" indent="0">
+              <a:buNone/>
+            </a:pPr>
+            <a:r>
+              <a:rPr lang="en-US" sz="1200" b="1" dirty="0">
                 <a:solidFill>
                   <a:srgbClr val="008000"/>
                 </a:solidFill>
                 <a:latin typeface="Courier New"/>
                 <a:cs typeface="Courier New"/>
               </a:rPr>
-              <a:t>// Perform OpenCL operations on objects</a:t>
-            </a:r>
-          </a:p>
-          <a:p>
-            <a:pPr marL="0" indent="0">
-              <a:buNone/>
-            </a:pPr>
-            <a:r>
-              <a:rPr lang="en-US" sz="1200" b="1" dirty="0" smtClean="0">
-                <a:solidFill>
-                  <a:srgbClr val="008000"/>
-                </a:solidFill>
-                <a:latin typeface="Courier New"/>
-                <a:cs typeface="Courier New"/>
-              </a:rPr>
-              <a:t>// e.g.</a:t>
-            </a:r>
-          </a:p>
-          <a:p>
-            <a:pPr marL="0" indent="0">
-              <a:buNone/>
-            </a:pPr>
-            <a:r>
-              <a:rPr lang="en-US" sz="1200" b="1" dirty="0" smtClean="0">
-                <a:solidFill>
-                  <a:srgbClr val="008000"/>
-                </a:solidFill>
-                <a:latin typeface="Courier New"/>
-                <a:cs typeface="Courier New"/>
-              </a:rPr>
-              <a:t>// - </a:t>
-            </a:r>
-            <a:r>
-              <a:rPr lang="en-US" sz="1200" b="1" dirty="0" err="1" smtClean="0">
-                <a:solidFill>
-                  <a:srgbClr val="008000"/>
-                </a:solidFill>
-                <a:latin typeface="Courier New"/>
-                <a:cs typeface="Courier New"/>
-              </a:rPr>
-              <a:t>enqueueReadBuffer</a:t>
-            </a:r>
-            <a:r>
-              <a:rPr lang="en-US" sz="1200" b="1" dirty="0" smtClean="0">
-                <a:solidFill>
-                  <a:srgbClr val="008000"/>
-                </a:solidFill>
-                <a:latin typeface="Courier New"/>
-                <a:cs typeface="Courier New"/>
-              </a:rPr>
-              <a:t>/Image</a:t>
-            </a:r>
-          </a:p>
-          <a:p>
-            <a:pPr marL="0" indent="0">
-              <a:buNone/>
-            </a:pPr>
-            <a:r>
-              <a:rPr lang="en-US" sz="1200" b="1" dirty="0" smtClean="0">
-                <a:solidFill>
-                  <a:srgbClr val="008000"/>
-                </a:solidFill>
-                <a:latin typeface="Courier New"/>
-                <a:cs typeface="Courier New"/>
-              </a:rPr>
-              <a:t>// - </a:t>
-            </a:r>
-            <a:r>
-              <a:rPr lang="en-US" sz="1200" b="1" dirty="0" err="1" smtClean="0">
-                <a:solidFill>
-                  <a:srgbClr val="008000"/>
-                </a:solidFill>
-                <a:latin typeface="Courier New"/>
-                <a:cs typeface="Courier New"/>
-              </a:rPr>
-              <a:t>enqueueWriteBuffer</a:t>
-            </a:r>
-            <a:r>
-              <a:rPr lang="en-US" sz="1200" b="1" dirty="0" smtClean="0">
-                <a:solidFill>
-                  <a:srgbClr val="008000"/>
-                </a:solidFill>
-                <a:latin typeface="Courier New"/>
-                <a:cs typeface="Courier New"/>
-              </a:rPr>
-              <a:t>/Image</a:t>
-            </a:r>
-          </a:p>
-          <a:p>
-            <a:pPr marL="0" indent="0">
-              <a:buNone/>
-            </a:pPr>
-            <a:r>
-              <a:rPr lang="en-US" sz="1200" b="1" dirty="0" smtClean="0">
-                <a:solidFill>
-                  <a:srgbClr val="008000"/>
-                </a:solidFill>
-                <a:latin typeface="Courier New"/>
-                <a:cs typeface="Courier New"/>
-              </a:rPr>
-              <a:t>// - </a:t>
-            </a:r>
-            <a:r>
-              <a:rPr lang="en-US" sz="1200" b="1" dirty="0" err="1" smtClean="0">
-                <a:solidFill>
-                  <a:srgbClr val="008000"/>
-                </a:solidFill>
-                <a:latin typeface="Courier New"/>
-                <a:cs typeface="Courier New"/>
-              </a:rPr>
-              <a:t>enqueueNDRangeKernel</a:t>
-            </a:r>
-            <a:endParaRPr lang="en-US" sz="1200" b="1" dirty="0" smtClean="0">
-              <a:solidFill>
-                <a:srgbClr val="008000"/>
-              </a:solidFill>
-              <a:latin typeface="Courier New"/>
-              <a:cs typeface="Courier New"/>
-            </a:endParaRPr>
-          </a:p>
-          <a:p>
-            <a:pPr marL="0" indent="0">
-              <a:buNone/>
-            </a:pPr>
+              <a:t>// Create an OpenCL image from an OpenGL buffer</a:t>
+            </a:r>
+          </a:p>
+          <a:p>
+            <a:pPr marL="0" indent="0">
+              <a:buNone/>
+            </a:pPr>
+            <a:r>
+              <a:rPr lang="en-US" sz="1200" b="1" dirty="0">
+                <a:latin typeface="Courier New"/>
+                <a:cs typeface="Courier New"/>
+              </a:rPr>
+              <a:t>cl::</a:t>
+            </a:r>
+            <a:r>
+              <a:rPr lang="en-US" sz="1200" b="1" dirty="0" err="1">
+                <a:latin typeface="Courier New"/>
+                <a:cs typeface="Courier New"/>
+              </a:rPr>
+              <a:t>BufferGL</a:t>
+            </a:r>
+            <a:r>
+              <a:rPr lang="en-US" sz="1200" b="1" dirty="0">
+                <a:latin typeface="Courier New"/>
+                <a:cs typeface="Courier New"/>
+              </a:rPr>
+              <a:t> </a:t>
+            </a:r>
+            <a:r>
+              <a:rPr lang="en-US" sz="1200" b="1" dirty="0" err="1">
+                <a:solidFill>
+                  <a:schemeClr val="accent4"/>
+                </a:solidFill>
+                <a:latin typeface="Courier New"/>
+                <a:cs typeface="Courier New"/>
+              </a:rPr>
+              <a:t>bufTargetCL</a:t>
+            </a:r>
+            <a:r>
+              <a:rPr lang="en-US" sz="1200" b="1" dirty="0">
+                <a:latin typeface="Courier New"/>
+                <a:cs typeface="Courier New"/>
+              </a:rPr>
+              <a:t>(</a:t>
+            </a:r>
+          </a:p>
+          <a:p>
+            <a:pPr marL="0" indent="0">
+              <a:buNone/>
+            </a:pPr>
+            <a:r>
+              <a:rPr lang="en-US" sz="1200" b="1" dirty="0">
+                <a:latin typeface="Courier New"/>
+                <a:cs typeface="Courier New"/>
+              </a:rPr>
+              <a:t>  context, </a:t>
+            </a:r>
+          </a:p>
+          <a:p>
+            <a:pPr marL="0" indent="0">
+              <a:buNone/>
+            </a:pPr>
+            <a:r>
+              <a:rPr lang="en-US" sz="1200" b="1" dirty="0">
+                <a:latin typeface="Courier New"/>
+                <a:cs typeface="Courier New"/>
+              </a:rPr>
+              <a:t>  CL_MEM_READ_WRITE, </a:t>
+            </a:r>
+          </a:p>
+          <a:p>
+            <a:pPr marL="0" indent="0">
+              <a:buNone/>
+            </a:pPr>
+            <a:r>
+              <a:rPr lang="en-US" sz="1200" b="1" dirty="0">
+                <a:latin typeface="Courier New"/>
+                <a:cs typeface="Courier New"/>
+              </a:rPr>
+              <a:t>  </a:t>
+            </a:r>
+            <a:r>
+              <a:rPr lang="en-US" sz="1200" b="1" dirty="0" err="1">
+                <a:latin typeface="Courier New"/>
+                <a:cs typeface="Courier New"/>
+              </a:rPr>
+              <a:t>bufTargetGL</a:t>
+            </a:r>
             <a:endParaRPr lang="en-US" sz="1200" b="1" dirty="0">
               <a:latin typeface="Courier New"/>
               <a:cs typeface="Courier New"/>
@@ -4666,77 +4820,11 @@
               <a:buNone/>
             </a:pPr>
             <a:r>
-              <a:rPr lang="en-US" sz="1200" b="1" dirty="0" smtClean="0">
-                <a:solidFill>
-                  <a:srgbClr val="008000"/>
-                </a:solidFill>
-                <a:latin typeface="Courier New"/>
-                <a:cs typeface="Courier New"/>
-              </a:rPr>
-              <a:t>/</a:t>
-            </a:r>
-            <a:r>
-              <a:rPr lang="en-US" sz="1200" b="1" dirty="0">
-                <a:solidFill>
-                  <a:srgbClr val="008000"/>
-                </a:solidFill>
-                <a:latin typeface="Courier New"/>
-                <a:cs typeface="Courier New"/>
-              </a:rPr>
-              <a:t>/ Release </a:t>
-            </a:r>
-            <a:r>
-              <a:rPr lang="en-US" sz="1200" b="1" dirty="0" smtClean="0">
-                <a:solidFill>
-                  <a:srgbClr val="008000"/>
-                </a:solidFill>
-                <a:latin typeface="Courier New"/>
-                <a:cs typeface="Courier New"/>
-              </a:rPr>
-              <a:t>shared objects</a:t>
-            </a:r>
-            <a:endParaRPr lang="en-US" sz="1200" b="1" dirty="0">
-              <a:solidFill>
-                <a:srgbClr val="008000"/>
-              </a:solidFill>
-              <a:latin typeface="Courier New"/>
-              <a:cs typeface="Courier New"/>
-            </a:endParaRPr>
-          </a:p>
-          <a:p>
-            <a:pPr marL="0" indent="0">
-              <a:buNone/>
-            </a:pPr>
-            <a:r>
-              <a:rPr lang="en-US" sz="1200" b="1" dirty="0" err="1" smtClean="0">
-                <a:latin typeface="Courier New"/>
-                <a:cs typeface="Courier New"/>
-              </a:rPr>
-              <a:t>queue.</a:t>
-            </a:r>
-            <a:r>
-              <a:rPr lang="en-US" sz="1200" b="1" dirty="0" err="1" smtClean="0">
-                <a:solidFill>
-                  <a:srgbClr val="3366FF"/>
-                </a:solidFill>
-                <a:latin typeface="Courier New"/>
-                <a:cs typeface="Courier New"/>
-              </a:rPr>
-              <a:t>enqueueReleaseGLObjects</a:t>
-            </a:r>
-            <a:r>
-              <a:rPr lang="en-US" sz="1200" b="1" dirty="0" smtClean="0">
-                <a:latin typeface="Courier New"/>
-                <a:cs typeface="Courier New"/>
-              </a:rPr>
-              <a:t>(&amp;objects)</a:t>
-            </a:r>
-            <a:r>
-              <a:rPr lang="en-US" sz="1200" b="1" dirty="0">
-                <a:latin typeface="Courier New"/>
-                <a:cs typeface="Courier New"/>
-              </a:rPr>
-              <a:t>;</a:t>
+              <a:rPr lang="en-US" sz="1200" b="1" dirty="0">
+                <a:latin typeface="Courier New"/>
+                <a:cs typeface="Courier New"/>
+              </a:rPr>
+              <a:t>);</a:t>
             </a:r>
           </a:p>
           <a:p>
@@ -4753,14 +4841,136 @@
               <a:buNone/>
             </a:pPr>
             <a:r>
-              <a:rPr lang="en-US" sz="1200" b="1" dirty="0" smtClean="0">
+              <a:rPr lang="en-US" sz="1200" b="1" dirty="0">
                 <a:solidFill>
                   <a:srgbClr val="008000"/>
                 </a:solidFill>
                 <a:latin typeface="Courier New"/>
                 <a:cs typeface="Courier New"/>
               </a:rPr>
-              <a:t>/</a:t>
+              <a:t>// Create an OpenCL buffer from a mapped PBO</a:t>
+            </a:r>
+          </a:p>
+          <a:p>
+            <a:pPr marL="0" indent="0">
+              <a:buNone/>
+            </a:pPr>
+            <a:r>
+              <a:rPr lang="en-US" sz="1200" b="1" dirty="0">
+                <a:latin typeface="Courier New"/>
+                <a:cs typeface="Courier New"/>
+              </a:rPr>
+              <a:t>cl::Buffer </a:t>
+            </a:r>
+            <a:r>
+              <a:rPr lang="en-US" sz="1200" b="1" dirty="0" err="1">
+                <a:solidFill>
+                  <a:schemeClr val="accent4"/>
+                </a:solidFill>
+                <a:latin typeface="Courier New"/>
+                <a:cs typeface="Courier New"/>
+              </a:rPr>
+              <a:t>bufTargetCL</a:t>
+            </a:r>
+            <a:r>
+              <a:rPr lang="en-US" sz="1200" b="1" dirty="0">
+                <a:latin typeface="Courier New"/>
+                <a:cs typeface="Courier New"/>
+              </a:rPr>
+              <a:t>(</a:t>
+            </a:r>
+          </a:p>
+          <a:p>
+            <a:pPr marL="0" indent="0">
+              <a:buNone/>
+            </a:pPr>
+            <a:r>
+              <a:rPr lang="en-US" sz="1200" b="1" dirty="0">
+                <a:latin typeface="Courier New"/>
+                <a:cs typeface="Courier New"/>
+              </a:rPr>
+              <a:t>  context,</a:t>
+            </a:r>
+          </a:p>
+          <a:p>
+            <a:pPr marL="0" indent="0">
+              <a:buNone/>
+            </a:pPr>
+            <a:r>
+              <a:rPr lang="en-US" sz="1200" b="1" dirty="0">
+                <a:latin typeface="Courier New"/>
+                <a:cs typeface="Courier New"/>
+              </a:rPr>
+              <a:t>  CL_MEM_WRITE_ONLY | CL_MEM_USE_HOST_PTR, </a:t>
+            </a:r>
+          </a:p>
+          <a:p>
+            <a:pPr marL="0" indent="0">
+              <a:buNone/>
+            </a:pPr>
+            <a:r>
+              <a:rPr lang="en-US" sz="1200" b="1" dirty="0">
+                <a:latin typeface="Courier New"/>
+                <a:cs typeface="Courier New"/>
+              </a:rPr>
+              <a:t>  width*height*</a:t>
+            </a:r>
+            <a:r>
+              <a:rPr lang="en-US" sz="1200" b="1" dirty="0" err="1">
+                <a:latin typeface="Courier New"/>
+                <a:cs typeface="Courier New"/>
+              </a:rPr>
+              <a:t>sizeof</a:t>
+            </a:r>
+            <a:r>
+              <a:rPr lang="en-US" sz="1200" b="1" dirty="0">
+                <a:latin typeface="Courier New"/>
+                <a:cs typeface="Courier New"/>
+              </a:rPr>
+              <a:t>(</a:t>
+            </a:r>
+            <a:r>
+              <a:rPr lang="en-US" sz="1200" b="1" i="1" dirty="0">
+                <a:solidFill>
+                  <a:srgbClr val="3366FF"/>
+                </a:solidFill>
+                <a:latin typeface="Courier New"/>
+                <a:cs typeface="Courier New"/>
+              </a:rPr>
+              <a:t>cl_uchar4</a:t>
+            </a:r>
+            <a:r>
+              <a:rPr lang="en-US" sz="1200" b="1" dirty="0">
+                <a:latin typeface="Courier New"/>
+                <a:cs typeface="Courier New"/>
+              </a:rPr>
+              <a:t>),</a:t>
+            </a:r>
+          </a:p>
+          <a:p>
+            <a:pPr marL="0" indent="0">
+              <a:buNone/>
+            </a:pPr>
+            <a:r>
+              <a:rPr lang="en-US" sz="1200" b="1" dirty="0">
+                <a:latin typeface="Courier New"/>
+                <a:cs typeface="Courier New"/>
+              </a:rPr>
+              <a:t>  </a:t>
+            </a:r>
+            <a:r>
+              <a:rPr lang="en-US" sz="1200" b="1" dirty="0" err="1">
+                <a:latin typeface="Courier New"/>
+                <a:cs typeface="Courier New"/>
+              </a:rPr>
+              <a:t>ptr</a:t>
+            </a:r>
+            <a:r>
+              <a:rPr lang="en-US" sz="1200" b="1" dirty="0">
+                <a:latin typeface="Courier New"/>
+                <a:cs typeface="Courier New"/>
+              </a:rPr>
+              <a:t>   </a:t>
             </a:r>
             <a:r>
               <a:rPr lang="en-US" sz="1200" b="1" dirty="0">
@@ -4770,78 +4980,134 @@
                 <a:latin typeface="Courier New"/>
                 <a:cs typeface="Courier New"/>
               </a:rPr>
-              <a:t>/ </a:t>
-            </a:r>
-            <a:r>
-              <a:rPr lang="en-US" sz="1200" b="1" dirty="0" smtClean="0">
-                <a:solidFill>
-                  <a:srgbClr val="008000"/>
-                </a:solidFill>
-                <a:latin typeface="Courier New"/>
-                <a:cs typeface="Courier New"/>
-              </a:rPr>
-              <a:t>Clear CL queue before using objects from OpenGL</a:t>
-            </a:r>
-            <a:endParaRPr lang="en-US" sz="1200" b="1" dirty="0">
-              <a:solidFill>
-                <a:srgbClr val="008000"/>
-              </a:solidFill>
-              <a:latin typeface="Courier New"/>
-              <a:cs typeface="Courier New"/>
-            </a:endParaRPr>
-          </a:p>
-          <a:p>
-            <a:pPr marL="0" indent="0">
-              <a:buNone/>
-            </a:pPr>
-            <a:r>
-              <a:rPr lang="en-US" sz="1200" b="1" dirty="0" err="1" smtClean="0">
-                <a:latin typeface="Courier New"/>
-                <a:cs typeface="Courier New"/>
-              </a:rPr>
-              <a:t>queue.</a:t>
-            </a:r>
-            <a:r>
-              <a:rPr lang="en-US" sz="1200" b="1" dirty="0" err="1" smtClean="0">
+              <a:t>// mapped GL buffer</a:t>
+            </a:r>
+          </a:p>
+          <a:p>
+            <a:pPr marL="0" indent="0">
+              <a:buNone/>
+            </a:pPr>
+            <a:r>
+              <a:rPr lang="en-US" sz="1200" b="1" dirty="0">
+                <a:latin typeface="Courier New"/>
+                <a:cs typeface="Courier New"/>
+              </a:rPr>
+              <a:t>);</a:t>
+            </a:r>
+          </a:p>
+        </p:txBody>
+      </p:sp>
+      <p:sp>
+        <p:nvSpPr>
+          <p:cNvPr id="5" name="TextBox 4"/>
+          <p:cNvSpPr txBox="1"/>
+          <p:nvPr/>
+        </p:nvSpPr>
+        <p:spPr>
+          <a:xfrm>
+            <a:off x="467544" y="6381328"/>
+            <a:ext cx="8280920" cy="276999"/>
+          </a:xfrm>
+          <a:prstGeom prst="rect">
+            <a:avLst/>
+          </a:prstGeom>
+          <a:noFill/>
+        </p:spPr>
+        <p:txBody>
+          <a:bodyPr wrap="square" rtlCol="0">
+            <a:spAutoFit/>
+          </a:bodyPr>
+          <a:lstStyle/>
+          <a:p>
+            <a:r>
+              <a:rPr lang="en-GB" sz="1200" dirty="0"/>
+              <a:t>*</a:t>
+            </a:r>
+            <a:r>
+              <a:rPr lang="en-GB" sz="1200" dirty="0" err="1"/>
+              <a:t>OpenCL</a:t>
+            </a:r>
+            <a:r>
+              <a:rPr lang="en-GB" sz="1200" dirty="0"/>
+              <a:t> 1.2: </a:t>
+            </a:r>
+            <a:r>
+              <a:rPr lang="en-GB" sz="1200" b="1" dirty="0">
                 <a:solidFill>
                   <a:srgbClr val="3366FF"/>
                 </a:solidFill>
                 <a:latin typeface="Courier New"/>
                 <a:cs typeface="Courier New"/>
               </a:rPr>
-              <a:t>finish</a:t>
-            </a:r>
-            <a:r>
-              <a:rPr lang="en-US" sz="1200" b="1" dirty="0" smtClean="0">
-                <a:latin typeface="Courier New"/>
-                <a:cs typeface="Courier New"/>
-              </a:rPr>
-              <a:t>();</a:t>
-            </a:r>
-            <a:endParaRPr lang="en-US" sz="1200" b="1" dirty="0">
-              <a:latin typeface="Courier New"/>
-              <a:cs typeface="Courier New"/>
-            </a:endParaRPr>
+              <a:t>cl::</a:t>
+            </a:r>
+            <a:r>
+              <a:rPr lang="en-GB" sz="1200" b="1" dirty="0" err="1">
+                <a:solidFill>
+                  <a:srgbClr val="3366FF"/>
+                </a:solidFill>
+                <a:latin typeface="Courier New"/>
+                <a:cs typeface="Courier New"/>
+              </a:rPr>
+              <a:t>ImageGL</a:t>
+            </a:r>
+            <a:r>
+              <a:rPr lang="en-GB" sz="1200" dirty="0">
+                <a:solidFill>
+                  <a:srgbClr val="3366FF"/>
+                </a:solidFill>
+              </a:rPr>
+              <a:t> </a:t>
+            </a:r>
+            <a:r>
+              <a:rPr lang="en-GB" sz="1200" dirty="0"/>
+              <a:t>; </a:t>
+            </a:r>
+            <a:r>
+              <a:rPr lang="en-GB" sz="1200" dirty="0" err="1"/>
+              <a:t>OpenCL</a:t>
+            </a:r>
+            <a:r>
+              <a:rPr lang="en-GB" sz="1200" dirty="0"/>
+              <a:t> 1.1: </a:t>
+            </a:r>
+            <a:r>
+              <a:rPr lang="en-GB" sz="1200" b="1" dirty="0">
+                <a:solidFill>
+                  <a:srgbClr val="3366FF"/>
+                </a:solidFill>
+                <a:latin typeface="Courier New"/>
+                <a:cs typeface="Courier New"/>
+              </a:rPr>
+              <a:t>cl::Image2DGL</a:t>
+            </a:r>
+            <a:r>
+              <a:rPr lang="en-GB" sz="1200" dirty="0"/>
+              <a:t> and </a:t>
+            </a:r>
+            <a:r>
+              <a:rPr lang="en-GB" sz="1200" b="1" dirty="0">
+                <a:solidFill>
+                  <a:srgbClr val="3366FF"/>
+                </a:solidFill>
+                <a:latin typeface="Courier New"/>
+                <a:cs typeface="Courier New"/>
+              </a:rPr>
+              <a:t>cl::Image3DGL</a:t>
+            </a:r>
           </a:p>
         </p:txBody>
       </p:sp>
     </p:spTree>
     <p:extLst>
       <p:ext uri="{BB962C8B-B14F-4D97-AF65-F5344CB8AC3E}">
-        <p14:creationId xmlns:p14="http://schemas.microsoft.com/office/powerpoint/2010/main" val="3147144417"/>
+        <p14:creationId xmlns:p14="http://schemas.microsoft.com/office/powerpoint/2010/main" val="36640105"/>
       </p:ext>
     </p:extLst>
   </p:cSld>
   <p:clrMapOvr>
     <a:masterClrMapping/>
   </p:clrMapOvr>
-  <p:timing>
-    <p:tnLst>
-      <p:par>
-        <p:cTn xmlns:p14="http://schemas.microsoft.com/office/powerpoint/2010/main" id="1" dur="indefinite" restart="never" nodeType="tmRoot"/>
-      </p:par>
-    </p:tnLst>
-  </p:timing>
 </p:sld>
 </file>
 
@@ -4878,16 +5144,183 @@
           <a:lstStyle/>
           <a:p>
             <a:r>
-              <a:rPr lang="en-GB" dirty="0" err="1" smtClean="0"/>
-              <a:t>cl_khr_gl_event</a:t>
-            </a:r>
-            <a:endParaRPr lang="en-GB" dirty="0"/>
-          </a:p>
-        </p:txBody>
-      </p:sp>
-      <p:sp>
-        <p:nvSpPr>
-          <p:cNvPr id="3" name="Content Placeholder 2"/>
+              <a:rPr lang="en-US" dirty="0"/>
+              <a:t>Setting up OpenCL</a:t>
+            </a:r>
+          </a:p>
+        </p:txBody>
+      </p:sp>
+      <p:sp>
+        <p:nvSpPr>
+          <p:cNvPr id="4" name="Text Placeholder 3"/>
+          <p:cNvSpPr>
+            <a:spLocks noGrp="1"/>
+          </p:cNvSpPr>
+          <p:nvPr>
+            <p:ph type="body" sz="half" idx="2"/>
+          </p:nvPr>
+        </p:nvSpPr>
+        <p:spPr/>
+        <p:txBody>
+          <a:bodyPr/>
+          <a:lstStyle/>
+          <a:p>
+            <a:pPr marL="285750" indent="-285750">
+              <a:buFont typeface="Arial"/>
+              <a:buChar char="•"/>
+            </a:pPr>
+            <a:r>
+              <a:rPr lang="en-US" dirty="0">
+                <a:solidFill>
+                  <a:schemeClr val="bg1">
+                    <a:lumMod val="75000"/>
+                  </a:schemeClr>
+                </a:solidFill>
+              </a:rPr>
+              <a:t>All of the OpenCL setup is the same as normal, with the exception of context creation</a:t>
+            </a:r>
+          </a:p>
+          <a:p>
+            <a:pPr marL="285750" indent="-285750">
+              <a:buFont typeface="Arial"/>
+              <a:buChar char="•"/>
+            </a:pPr>
+            <a:r>
+              <a:rPr lang="en-US" dirty="0">
+                <a:solidFill>
+                  <a:schemeClr val="bg1">
+                    <a:lumMod val="75000"/>
+                  </a:schemeClr>
+                </a:solidFill>
+              </a:rPr>
+              <a:t>You should check that the platform supports the CL/GL sharing extension (not all do!)</a:t>
+            </a:r>
+          </a:p>
+          <a:p>
+            <a:pPr marL="742950" lvl="1" indent="-285750">
+              <a:buFont typeface="Arial"/>
+              <a:buChar char="•"/>
+            </a:pPr>
+            <a:r>
+              <a:rPr lang="en-US" dirty="0" err="1">
+                <a:solidFill>
+                  <a:schemeClr val="bg1">
+                    <a:lumMod val="75000"/>
+                  </a:schemeClr>
+                </a:solidFill>
+              </a:rPr>
+              <a:t>cl_khr_gl_sharing</a:t>
+            </a:r>
+            <a:endParaRPr lang="en-US" dirty="0">
+              <a:solidFill>
+                <a:schemeClr val="bg1">
+                  <a:lumMod val="75000"/>
+                </a:schemeClr>
+              </a:solidFill>
+            </a:endParaRPr>
+          </a:p>
+          <a:p>
+            <a:pPr marL="742950" lvl="1" indent="-285750">
+              <a:buFont typeface="Arial"/>
+              <a:buChar char="•"/>
+            </a:pPr>
+            <a:r>
+              <a:rPr lang="en-US" dirty="0" err="1">
+                <a:solidFill>
+                  <a:schemeClr val="bg1">
+                    <a:lumMod val="75000"/>
+                  </a:schemeClr>
+                </a:solidFill>
+              </a:rPr>
+              <a:t>cl_APPLE_gl_sharing</a:t>
+            </a:r>
+            <a:endParaRPr lang="en-US" dirty="0">
+              <a:solidFill>
+                <a:schemeClr val="bg1">
+                  <a:lumMod val="75000"/>
+                </a:schemeClr>
+              </a:solidFill>
+            </a:endParaRPr>
+          </a:p>
+          <a:p>
+            <a:pPr marL="285750" indent="-285750">
+              <a:buFont typeface="Arial"/>
+              <a:buChar char="•"/>
+            </a:pPr>
+            <a:r>
+              <a:rPr lang="en-US" dirty="0">
+                <a:solidFill>
+                  <a:schemeClr val="bg1">
+                    <a:lumMod val="75000"/>
+                  </a:schemeClr>
+                </a:solidFill>
+              </a:rPr>
+              <a:t>Queue creation, kernel compilation, etc. is the same as before</a:t>
+            </a:r>
+          </a:p>
+          <a:p>
+            <a:pPr marL="285750" indent="-285750">
+              <a:buFont typeface="Arial"/>
+              <a:buChar char="•"/>
+            </a:pPr>
+            <a:endParaRPr lang="en-US" dirty="0"/>
+          </a:p>
+          <a:p>
+            <a:pPr marL="285750" indent="-285750">
+              <a:buFont typeface="Arial"/>
+              <a:buChar char="•"/>
+            </a:pPr>
+            <a:r>
+              <a:rPr lang="en-US" dirty="0"/>
+              <a:t>Finally, we can create our shared object between OpenCL and OpenGL</a:t>
+            </a:r>
+          </a:p>
+          <a:p>
+            <a:pPr marL="285750" indent="-285750">
+              <a:buFont typeface="Arial"/>
+              <a:buChar char="•"/>
+            </a:pPr>
+            <a:r>
+              <a:rPr lang="en-US" dirty="0"/>
+              <a:t>This is a </a:t>
+            </a:r>
+            <a:r>
+              <a:rPr lang="en-US" b="1" dirty="0" err="1">
+                <a:solidFill>
+                  <a:srgbClr val="3366FF"/>
+                </a:solidFill>
+                <a:latin typeface="Courier New"/>
+                <a:cs typeface="Courier New"/>
+              </a:rPr>
+              <a:t>cl_mem</a:t>
+            </a:r>
+            <a:r>
+              <a:rPr lang="en-US" b="1" dirty="0">
+                <a:solidFill>
+                  <a:srgbClr val="3366FF"/>
+                </a:solidFill>
+                <a:latin typeface="Courier New"/>
+                <a:cs typeface="Courier New"/>
+              </a:rPr>
+              <a:t> </a:t>
+            </a:r>
+            <a:r>
+              <a:rPr lang="en-US" dirty="0"/>
+              <a:t>object, which is used in the same fashion as other memory objects</a:t>
+            </a:r>
+          </a:p>
+          <a:p>
+            <a:pPr marL="285750" indent="-285750">
+              <a:buFont typeface="Arial"/>
+              <a:buChar char="•"/>
+            </a:pPr>
+            <a:endParaRPr lang="en-US" dirty="0"/>
+          </a:p>
+        </p:txBody>
+      </p:sp>
+      <p:sp>
+        <p:nvSpPr>
+          <p:cNvPr id="6" name="Content Placeholder 3"/>
           <p:cNvSpPr>
             <a:spLocks noGrp="1"/>
           </p:cNvSpPr>
@@ -4897,236 +5330,623 @@
         </p:nvSpPr>
         <p:spPr>
           <a:xfrm>
-            <a:off x="779517" y="1600200"/>
-            <a:ext cx="7506138" cy="4525963"/>
+            <a:off x="3575050" y="273050"/>
+            <a:ext cx="5111750" cy="5853113"/>
           </a:xfrm>
         </p:spPr>
         <p:txBody>
           <a:bodyPr>
-            <a:normAutofit fontScale="70000" lnSpcReduction="20000"/>
+            <a:normAutofit/>
           </a:bodyPr>
           <a:lstStyle/>
           <a:p>
-            <a:pPr>
-              <a:lnSpc>
-                <a:spcPct val="110000"/>
-              </a:lnSpc>
-            </a:pPr>
-            <a:r>
-              <a:rPr lang="en-GB" dirty="0" smtClean="0"/>
-              <a:t>This extension potentially improves performance by removing some of the requirements for explicit synchronization</a:t>
-            </a:r>
-            <a:endParaRPr lang="en-GB" dirty="0"/>
-          </a:p>
-          <a:p>
-            <a:pPr>
-              <a:lnSpc>
-                <a:spcPct val="110000"/>
-              </a:lnSpc>
-            </a:pPr>
-            <a:r>
-              <a:rPr lang="en-GB" dirty="0"/>
-              <a:t>P</a:t>
-            </a:r>
-            <a:r>
-              <a:rPr lang="en-GB" dirty="0" smtClean="0"/>
-              <a:t>rovides guarantees that all pending OpenGL operations are complete upon calling </a:t>
-            </a:r>
-            <a:r>
-              <a:rPr lang="en-GB" b="1" dirty="0" err="1">
-                <a:solidFill>
-                  <a:srgbClr val="3366FF"/>
-                </a:solidFill>
-                <a:latin typeface="Courier New"/>
-                <a:cs typeface="Courier New"/>
-              </a:rPr>
-              <a:t>e</a:t>
-            </a:r>
-            <a:r>
-              <a:rPr lang="en-GB" b="1" dirty="0" err="1" smtClean="0">
-                <a:solidFill>
-                  <a:srgbClr val="3366FF"/>
-                </a:solidFill>
-                <a:latin typeface="Courier New"/>
-                <a:cs typeface="Courier New"/>
-              </a:rPr>
-              <a:t>nqueueAcquireGLObjects</a:t>
-            </a:r>
-            <a:endParaRPr lang="en-GB" b="1" dirty="0" smtClean="0">
-              <a:solidFill>
-                <a:srgbClr val="3366FF"/>
-              </a:solidFill>
+            <a:pPr marL="0" indent="0">
+              <a:buNone/>
+            </a:pPr>
+            <a:r>
+              <a:rPr lang="en-US" sz="1200" b="1" dirty="0">
+                <a:solidFill>
+                  <a:srgbClr val="008000"/>
+                </a:solidFill>
+                <a:latin typeface="Courier New"/>
+                <a:cs typeface="Courier New"/>
+              </a:rPr>
+              <a:t>// Create an OpenCL image from an OpenGL texture</a:t>
+            </a:r>
+          </a:p>
+          <a:p>
+            <a:pPr marL="0" indent="0">
+              <a:buNone/>
+            </a:pPr>
+            <a:r>
+              <a:rPr lang="en-US" sz="1200" b="1" dirty="0" err="1">
+                <a:latin typeface="Courier New"/>
+                <a:cs typeface="Courier New"/>
+              </a:rPr>
+              <a:t>cl_mem</a:t>
+            </a:r>
+            <a:r>
+              <a:rPr lang="en-US" sz="1200" b="1" dirty="0">
+                <a:latin typeface="Courier New"/>
+                <a:cs typeface="Courier New"/>
+              </a:rPr>
+              <a:t> </a:t>
+            </a:r>
+            <a:r>
+              <a:rPr lang="en-US" sz="1200" b="1" dirty="0" err="1">
+                <a:latin typeface="Courier New"/>
+                <a:cs typeface="Courier New"/>
+              </a:rPr>
+              <a:t>texTargetCL</a:t>
+            </a:r>
+            <a:r>
+              <a:rPr lang="en-US" sz="1200" b="1" dirty="0">
+                <a:latin typeface="Courier New"/>
+                <a:cs typeface="Courier New"/>
+              </a:rPr>
+              <a:t> = </a:t>
+            </a:r>
+            <a:r>
+              <a:rPr lang="en-US" sz="1200" b="1" dirty="0" err="1">
+                <a:solidFill>
+                  <a:srgbClr val="3A6CF6"/>
+                </a:solidFill>
+                <a:latin typeface="Courier New"/>
+                <a:cs typeface="Courier New"/>
+              </a:rPr>
+              <a:t>clCreateFromGLTexture</a:t>
+            </a:r>
+            <a:r>
+              <a:rPr lang="en-US" sz="1200" b="1" dirty="0">
+                <a:latin typeface="Courier New"/>
+                <a:cs typeface="Courier New"/>
+              </a:rPr>
+              <a:t>(</a:t>
+            </a:r>
+          </a:p>
+          <a:p>
+            <a:pPr marL="0" indent="0">
+              <a:buNone/>
+            </a:pPr>
+            <a:r>
+              <a:rPr lang="en-US" sz="1200" b="1" dirty="0">
+                <a:latin typeface="Courier New"/>
+                <a:cs typeface="Courier New"/>
+              </a:rPr>
+              <a:t>  context, </a:t>
+            </a:r>
+          </a:p>
+          <a:p>
+            <a:pPr marL="0" indent="0">
+              <a:buNone/>
+            </a:pPr>
+            <a:r>
+              <a:rPr lang="en-US" sz="1200" b="1" dirty="0">
+                <a:latin typeface="Courier New"/>
+                <a:cs typeface="Courier New"/>
+              </a:rPr>
+              <a:t>  CL_MEM_WRITE_ONLY, </a:t>
+            </a:r>
+          </a:p>
+          <a:p>
+            <a:pPr marL="0" indent="0">
+              <a:buNone/>
+            </a:pPr>
+            <a:r>
+              <a:rPr lang="en-US" sz="1200" b="1" dirty="0">
+                <a:latin typeface="Courier New"/>
+                <a:cs typeface="Courier New"/>
+              </a:rPr>
+              <a:t>  GL_TEXTURE_2D, </a:t>
+            </a:r>
+          </a:p>
+          <a:p>
+            <a:pPr marL="0" indent="0">
+              <a:buNone/>
+            </a:pPr>
+            <a:r>
+              <a:rPr lang="en-US" sz="1200" b="1" dirty="0">
+                <a:latin typeface="Courier New"/>
+                <a:cs typeface="Courier New"/>
+              </a:rPr>
+              <a:t>  </a:t>
+            </a:r>
+            <a:r>
+              <a:rPr lang="en-US" sz="1200" b="1" dirty="0">
+                <a:solidFill>
+                  <a:srgbClr val="FF00FF"/>
+                </a:solidFill>
+                <a:latin typeface="Courier New"/>
+                <a:cs typeface="Courier New"/>
+              </a:rPr>
+              <a:t>0</a:t>
+            </a:r>
+            <a:r>
+              <a:rPr lang="en-US" sz="1200" b="1" dirty="0">
+                <a:latin typeface="Courier New"/>
+                <a:cs typeface="Courier New"/>
+              </a:rPr>
+              <a:t>, </a:t>
+            </a:r>
+          </a:p>
+          <a:p>
+            <a:pPr marL="0" indent="0">
+              <a:buNone/>
+            </a:pPr>
+            <a:r>
+              <a:rPr lang="en-US" sz="1200" b="1" dirty="0">
+                <a:latin typeface="Courier New"/>
+                <a:cs typeface="Courier New"/>
+              </a:rPr>
+              <a:t>  </a:t>
+            </a:r>
+            <a:r>
+              <a:rPr lang="en-US" sz="1200" b="1" dirty="0" err="1">
+                <a:latin typeface="Courier New"/>
+                <a:cs typeface="Courier New"/>
+              </a:rPr>
+              <a:t>texTargetGL</a:t>
+            </a:r>
+            <a:r>
+              <a:rPr lang="en-US" sz="1200" b="1" dirty="0">
+                <a:latin typeface="Courier New"/>
+                <a:cs typeface="Courier New"/>
+              </a:rPr>
+              <a:t>,</a:t>
+            </a:r>
+          </a:p>
+          <a:p>
+            <a:pPr marL="0" indent="0">
+              <a:buNone/>
+            </a:pPr>
+            <a:r>
+              <a:rPr lang="en-US" sz="1200" b="1" dirty="0">
+                <a:latin typeface="Courier New"/>
+                <a:cs typeface="Courier New"/>
+              </a:rPr>
+              <a:t>  &amp;err</a:t>
+            </a:r>
+          </a:p>
+          <a:p>
+            <a:pPr marL="0" indent="0">
+              <a:buNone/>
+            </a:pPr>
+            <a:r>
+              <a:rPr lang="en-US" sz="1200" b="1" dirty="0">
+                <a:latin typeface="Courier New"/>
+                <a:cs typeface="Courier New"/>
+              </a:rPr>
+              <a:t>);</a:t>
+            </a:r>
+          </a:p>
+          <a:p>
+            <a:pPr marL="0" indent="0">
+              <a:buNone/>
+            </a:pPr>
+            <a:endParaRPr lang="en-US" sz="1200" dirty="0">
+              <a:latin typeface="Menlo"/>
+            </a:endParaRPr>
+          </a:p>
+          <a:p>
+            <a:pPr marL="0" indent="0">
+              <a:buNone/>
+            </a:pPr>
+            <a:r>
+              <a:rPr lang="en-US" sz="1200" b="1" dirty="0">
+                <a:solidFill>
+                  <a:srgbClr val="008000"/>
+                </a:solidFill>
+                <a:latin typeface="Courier New"/>
+                <a:cs typeface="Courier New"/>
+              </a:rPr>
+              <a:t>// Create an OpenCL image from an OpenGL buffer</a:t>
+            </a:r>
+          </a:p>
+          <a:p>
+            <a:pPr marL="0" indent="0">
+              <a:buNone/>
+            </a:pPr>
+            <a:r>
+              <a:rPr lang="en-US" sz="1200" b="1" dirty="0" err="1">
+                <a:latin typeface="Courier New"/>
+                <a:cs typeface="Courier New"/>
+              </a:rPr>
+              <a:t>cl_mem</a:t>
+            </a:r>
+            <a:r>
+              <a:rPr lang="en-US" sz="1200" b="1" dirty="0">
+                <a:latin typeface="Courier New"/>
+                <a:cs typeface="Courier New"/>
+              </a:rPr>
+              <a:t> </a:t>
+            </a:r>
+            <a:r>
+              <a:rPr lang="en-US" sz="1200" b="1" dirty="0" err="1">
+                <a:latin typeface="Courier New"/>
+                <a:cs typeface="Courier New"/>
+              </a:rPr>
+              <a:t>bufTargetCL</a:t>
+            </a:r>
+            <a:r>
+              <a:rPr lang="en-US" sz="1200" b="1" dirty="0">
+                <a:latin typeface="Courier New"/>
+                <a:cs typeface="Courier New"/>
+              </a:rPr>
+              <a:t> = </a:t>
+            </a:r>
+            <a:r>
+              <a:rPr lang="en-US" sz="1200" b="1" dirty="0" err="1">
+                <a:solidFill>
+                  <a:srgbClr val="3A6CF6"/>
+                </a:solidFill>
+                <a:latin typeface="Courier New"/>
+                <a:cs typeface="Courier New"/>
+              </a:rPr>
+              <a:t>clCreateFromGLBuffer</a:t>
+            </a:r>
+            <a:r>
+              <a:rPr lang="en-US" sz="1200" b="1" dirty="0">
+                <a:latin typeface="Courier New"/>
+                <a:cs typeface="Courier New"/>
+              </a:rPr>
+              <a:t>(</a:t>
+            </a:r>
+          </a:p>
+          <a:p>
+            <a:pPr marL="0" indent="0">
+              <a:buNone/>
+            </a:pPr>
+            <a:r>
+              <a:rPr lang="en-US" sz="1200" b="1" dirty="0">
+                <a:latin typeface="Courier New"/>
+                <a:cs typeface="Courier New"/>
+              </a:rPr>
+              <a:t>  context, </a:t>
+            </a:r>
+          </a:p>
+          <a:p>
+            <a:pPr marL="0" indent="0">
+              <a:buNone/>
+            </a:pPr>
+            <a:r>
+              <a:rPr lang="en-US" sz="1200" b="1" dirty="0">
+                <a:latin typeface="Courier New"/>
+                <a:cs typeface="Courier New"/>
+              </a:rPr>
+              <a:t>  CL_MEM_READ_WRITE, </a:t>
+            </a:r>
+          </a:p>
+          <a:p>
+            <a:pPr marL="0" indent="0">
+              <a:buNone/>
+            </a:pPr>
+            <a:r>
+              <a:rPr lang="en-US" sz="1200" b="1" dirty="0">
+                <a:latin typeface="Courier New"/>
+                <a:cs typeface="Courier New"/>
+              </a:rPr>
+              <a:t>  </a:t>
+            </a:r>
+            <a:r>
+              <a:rPr lang="en-US" sz="1200" b="1" dirty="0" err="1">
+                <a:latin typeface="Courier New"/>
+                <a:cs typeface="Courier New"/>
+              </a:rPr>
+              <a:t>bufTargetGL</a:t>
+            </a:r>
+            <a:r>
+              <a:rPr lang="en-US" sz="1200" b="1" dirty="0">
+                <a:latin typeface="Courier New"/>
+                <a:cs typeface="Courier New"/>
+              </a:rPr>
+              <a:t>,</a:t>
+            </a:r>
+          </a:p>
+          <a:p>
+            <a:pPr marL="0" indent="0">
+              <a:buNone/>
+            </a:pPr>
+            <a:r>
+              <a:rPr lang="en-US" sz="1200" b="1" dirty="0">
+                <a:latin typeface="Courier New"/>
+                <a:cs typeface="Courier New"/>
+              </a:rPr>
+              <a:t>  &amp;err</a:t>
+            </a:r>
+          </a:p>
+          <a:p>
+            <a:pPr marL="0" indent="0">
+              <a:buNone/>
+            </a:pPr>
+            <a:r>
+              <a:rPr lang="en-US" sz="1200" b="1" dirty="0">
+                <a:latin typeface="Courier New"/>
+                <a:cs typeface="Courier New"/>
+              </a:rPr>
+              <a:t>);</a:t>
+            </a:r>
+          </a:p>
+          <a:p>
+            <a:pPr marL="0" indent="0">
+              <a:buNone/>
+            </a:pPr>
+            <a:endParaRPr lang="en-US" sz="1200" b="1" dirty="0">
               <a:latin typeface="Courier New"/>
               <a:cs typeface="Courier New"/>
             </a:endParaRPr>
           </a:p>
           <a:p>
-            <a:pPr>
-              <a:lnSpc>
-                <a:spcPct val="110000"/>
-              </a:lnSpc>
-            </a:pPr>
-            <a:r>
-              <a:rPr lang="en-GB" dirty="0" smtClean="0"/>
-              <a:t>Provides guarantees that all pending OpenCL operations are complete upon calling </a:t>
-            </a:r>
-            <a:r>
-              <a:rPr lang="en-GB" b="1" dirty="0" err="1" smtClean="0">
+            <a:pPr marL="0" indent="0">
+              <a:buNone/>
+            </a:pPr>
+            <a:r>
+              <a:rPr lang="en-US" sz="1200" b="1" dirty="0">
+                <a:solidFill>
+                  <a:srgbClr val="008000"/>
+                </a:solidFill>
+                <a:latin typeface="Courier New"/>
+                <a:cs typeface="Courier New"/>
+              </a:rPr>
+              <a:t>// Create an OpenCL buffer from a mapped PBO</a:t>
+            </a:r>
+          </a:p>
+          <a:p>
+            <a:pPr marL="0" indent="0">
+              <a:buNone/>
+            </a:pPr>
+            <a:r>
+              <a:rPr lang="en-US" sz="1200" b="1" dirty="0" err="1">
+                <a:latin typeface="Courier New"/>
+                <a:cs typeface="Courier New"/>
+              </a:rPr>
+              <a:t>cl_mem</a:t>
+            </a:r>
+            <a:r>
+              <a:rPr lang="en-US" sz="1200" b="1" dirty="0">
+                <a:latin typeface="Courier New"/>
+                <a:cs typeface="Courier New"/>
+              </a:rPr>
+              <a:t> </a:t>
+            </a:r>
+            <a:r>
+              <a:rPr lang="en-US" sz="1200" b="1" dirty="0" err="1">
+                <a:latin typeface="Courier New"/>
+                <a:cs typeface="Courier New"/>
+              </a:rPr>
+              <a:t>bufTargetCL</a:t>
+            </a:r>
+            <a:r>
+              <a:rPr lang="en-US" sz="1200" b="1" dirty="0">
+                <a:latin typeface="Courier New"/>
+                <a:cs typeface="Courier New"/>
+              </a:rPr>
+              <a:t> = </a:t>
+            </a:r>
+            <a:r>
+              <a:rPr lang="en-US" sz="1200" b="1" dirty="0" err="1">
+                <a:solidFill>
+                  <a:srgbClr val="3A6CF6"/>
+                </a:solidFill>
+                <a:latin typeface="Courier New"/>
+                <a:cs typeface="Courier New"/>
+              </a:rPr>
+              <a:t>clCreateBuffer</a:t>
+            </a:r>
+            <a:r>
+              <a:rPr lang="en-US" sz="1200" b="1" dirty="0">
+                <a:latin typeface="Courier New"/>
+                <a:cs typeface="Courier New"/>
+              </a:rPr>
+              <a:t>(</a:t>
+            </a:r>
+          </a:p>
+          <a:p>
+            <a:pPr marL="0" indent="0">
+              <a:buNone/>
+            </a:pPr>
+            <a:r>
+              <a:rPr lang="en-US" sz="1200" b="1" dirty="0">
+                <a:latin typeface="Courier New"/>
+                <a:cs typeface="Courier New"/>
+              </a:rPr>
+              <a:t>  context,</a:t>
+            </a:r>
+          </a:p>
+          <a:p>
+            <a:pPr marL="0" indent="0">
+              <a:buNone/>
+            </a:pPr>
+            <a:r>
+              <a:rPr lang="en-US" sz="1200" b="1" dirty="0">
+                <a:latin typeface="Courier New"/>
+                <a:cs typeface="Courier New"/>
+              </a:rPr>
+              <a:t>  CL_MEM_WRITE_ONLY | CL_MEM_USE_HOST_PTR, </a:t>
+            </a:r>
+          </a:p>
+          <a:p>
+            <a:pPr marL="0" indent="0">
+              <a:buNone/>
+            </a:pPr>
+            <a:r>
+              <a:rPr lang="en-US" sz="1200" b="1" dirty="0">
+                <a:latin typeface="Courier New"/>
+                <a:cs typeface="Courier New"/>
+              </a:rPr>
+              <a:t>  width*height*</a:t>
+            </a:r>
+            <a:r>
+              <a:rPr lang="en-US" sz="1200" b="1" dirty="0" err="1">
+                <a:latin typeface="Courier New"/>
+                <a:cs typeface="Courier New"/>
+              </a:rPr>
+              <a:t>sizeof</a:t>
+            </a:r>
+            <a:r>
+              <a:rPr lang="en-US" sz="1200" b="1" dirty="0">
+                <a:latin typeface="Courier New"/>
+                <a:cs typeface="Courier New"/>
+              </a:rPr>
+              <a:t>(</a:t>
+            </a:r>
+            <a:r>
+              <a:rPr lang="en-US" sz="1200" b="1" i="1" dirty="0">
                 <a:solidFill>
                   <a:srgbClr val="3366FF"/>
                 </a:solidFill>
                 <a:latin typeface="Courier New"/>
                 <a:cs typeface="Courier New"/>
               </a:rPr>
-              <a:t>enqueueReleaseGLObjects</a:t>
-            </a:r>
-            <a:endParaRPr lang="en-GB" b="1" dirty="0" smtClean="0">
-              <a:solidFill>
-                <a:srgbClr val="3366FF"/>
-              </a:solidFill>
-              <a:latin typeface="Courier New"/>
-              <a:cs typeface="Courier New"/>
-            </a:endParaRPr>
-          </a:p>
-          <a:p>
-            <a:pPr>
-              <a:lnSpc>
-                <a:spcPct val="110000"/>
-              </a:lnSpc>
-            </a:pPr>
-            <a:r>
-              <a:rPr lang="en-GB" dirty="0" smtClean="0"/>
-              <a:t>Also allows </a:t>
-            </a:r>
-            <a:r>
-              <a:rPr lang="en-GB" dirty="0"/>
-              <a:t>us to </a:t>
-            </a:r>
-            <a:r>
-              <a:rPr lang="en-GB" dirty="0" smtClean="0"/>
-              <a:t>create </a:t>
-            </a:r>
-            <a:r>
-              <a:rPr lang="en-GB" b="1" dirty="0" smtClean="0">
+              <a:t>cl_uchar4</a:t>
+            </a:r>
+            <a:r>
+              <a:rPr lang="en-US" sz="1200" b="1" dirty="0">
+                <a:latin typeface="Courier New"/>
+                <a:cs typeface="Courier New"/>
+              </a:rPr>
+              <a:t>),</a:t>
+            </a:r>
+          </a:p>
+          <a:p>
+            <a:pPr marL="0" indent="0">
+              <a:buNone/>
+            </a:pPr>
+            <a:r>
+              <a:rPr lang="en-US" sz="1200" b="1" dirty="0">
+                <a:latin typeface="Courier New"/>
+                <a:cs typeface="Courier New"/>
+              </a:rPr>
+              <a:t>  </a:t>
+            </a:r>
+            <a:r>
+              <a:rPr lang="en-US" sz="1200" b="1" dirty="0" err="1">
+                <a:latin typeface="Courier New"/>
+                <a:cs typeface="Courier New"/>
+              </a:rPr>
+              <a:t>ptr</a:t>
+            </a:r>
+            <a:r>
+              <a:rPr lang="en-US" sz="1200" b="1" dirty="0">
+                <a:latin typeface="Courier New"/>
+                <a:cs typeface="Courier New"/>
+              </a:rPr>
+              <a:t>,   </a:t>
+            </a:r>
+            <a:r>
+              <a:rPr lang="en-US" sz="1200" b="1" dirty="0">
+                <a:solidFill>
+                  <a:srgbClr val="008000"/>
+                </a:solidFill>
+                <a:latin typeface="Courier New"/>
+                <a:cs typeface="Courier New"/>
+              </a:rPr>
+              <a:t>// mapped GL buffer</a:t>
+            </a:r>
+          </a:p>
+          <a:p>
+            <a:pPr marL="0" indent="0">
+              <a:buNone/>
+            </a:pPr>
+            <a:r>
+              <a:rPr lang="en-US" sz="1200" b="1" dirty="0">
+                <a:solidFill>
+                  <a:srgbClr val="008000"/>
+                </a:solidFill>
+                <a:latin typeface="Courier New"/>
+                <a:cs typeface="Courier New"/>
+              </a:rPr>
+              <a:t>  </a:t>
+            </a:r>
+            <a:r>
+              <a:rPr lang="en-US" sz="1200" b="1" dirty="0">
+                <a:latin typeface="Courier New"/>
+                <a:cs typeface="Courier New"/>
+              </a:rPr>
+              <a:t>&amp;err</a:t>
+            </a:r>
+          </a:p>
+          <a:p>
+            <a:pPr marL="0" indent="0">
+              <a:buNone/>
+            </a:pPr>
+            <a:r>
+              <a:rPr lang="en-US" sz="1200" b="1" dirty="0">
+                <a:latin typeface="Courier New"/>
+                <a:cs typeface="Courier New"/>
+              </a:rPr>
+              <a:t>);</a:t>
+            </a:r>
+          </a:p>
+        </p:txBody>
+      </p:sp>
+      <p:sp>
+        <p:nvSpPr>
+          <p:cNvPr id="5" name="TextBox 4"/>
+          <p:cNvSpPr txBox="1"/>
+          <p:nvPr/>
+        </p:nvSpPr>
+        <p:spPr>
+          <a:xfrm>
+            <a:off x="467544" y="6381328"/>
+            <a:ext cx="8280920" cy="276999"/>
+          </a:xfrm>
+          <a:prstGeom prst="rect">
+            <a:avLst/>
+          </a:prstGeom>
+          <a:noFill/>
+        </p:spPr>
+        <p:txBody>
+          <a:bodyPr wrap="square" rtlCol="0">
+            <a:spAutoFit/>
+          </a:bodyPr>
+          <a:lstStyle/>
+          <a:p>
+            <a:r>
+              <a:rPr lang="en-GB" sz="1200" dirty="0"/>
+              <a:t>OpenCL 1.2 or newer: </a:t>
+            </a:r>
+            <a:r>
+              <a:rPr lang="en-GB" sz="1200" b="1" dirty="0" err="1">
                 <a:solidFill>
                   <a:srgbClr val="3366FF"/>
                 </a:solidFill>
                 <a:latin typeface="Courier New"/>
                 <a:cs typeface="Courier New"/>
               </a:rPr>
-              <a:t>cl</a:t>
-            </a:r>
-            <a:r>
-              <a:rPr lang="en-GB" b="1" dirty="0">
+              <a:t>clCreateFromGLTexture</a:t>
+            </a:r>
+            <a:r>
+              <a:rPr lang="en-GB" sz="1200" dirty="0"/>
+              <a:t>; OpenCL 1.0 and 1.1: </a:t>
+            </a:r>
+            <a:r>
+              <a:rPr lang="en-GB" sz="1200" b="1" dirty="0">
                 <a:solidFill>
                   <a:srgbClr val="3366FF"/>
                 </a:solidFill>
                 <a:latin typeface="Courier New"/>
                 <a:cs typeface="Courier New"/>
               </a:rPr>
-              <a:t>::</a:t>
-            </a:r>
-            <a:r>
-              <a:rPr lang="en-GB" b="1" dirty="0" smtClean="0">
-                <a:solidFill>
-                  <a:srgbClr val="3366FF"/>
-                </a:solidFill>
-                <a:latin typeface="Courier New"/>
-                <a:cs typeface="Courier New"/>
-              </a:rPr>
-              <a:t>Event</a:t>
-            </a:r>
-            <a:r>
-              <a:rPr lang="en-GB" b="1" dirty="0" smtClean="0">
-                <a:solidFill>
-                  <a:srgbClr val="3366FF"/>
-                </a:solidFill>
-                <a:latin typeface="Calibri New"/>
-                <a:cs typeface="Calibri New"/>
-              </a:rPr>
-              <a:t> </a:t>
-            </a:r>
-            <a:r>
-              <a:rPr lang="en-GB" dirty="0"/>
-              <a:t>objects </a:t>
-            </a:r>
-            <a:r>
-              <a:rPr lang="en-GB" dirty="0" smtClean="0"/>
-              <a:t>from GL </a:t>
-            </a:r>
-            <a:r>
-              <a:rPr lang="en-GB" dirty="0"/>
-              <a:t>sync objects, giving us more control over the synchronization </a:t>
-            </a:r>
-            <a:r>
-              <a:rPr lang="en-GB" dirty="0" smtClean="0"/>
-              <a:t>process</a:t>
-            </a:r>
-          </a:p>
-          <a:p>
-            <a:pPr>
-              <a:lnSpc>
-                <a:spcPct val="110000"/>
-              </a:lnSpc>
-            </a:pPr>
-            <a:r>
-              <a:rPr lang="en-GB" dirty="0" smtClean="0"/>
-              <a:t>A related </a:t>
-            </a:r>
-            <a:r>
-              <a:rPr lang="en-GB" b="1" dirty="0" err="1" smtClean="0">
-                <a:solidFill>
-                  <a:srgbClr val="3366FF"/>
-                </a:solidFill>
-                <a:latin typeface="Courier New"/>
-                <a:cs typeface="Courier New"/>
-              </a:rPr>
-              <a:t>GL_ARB_cl_event</a:t>
-            </a:r>
-            <a:r>
-              <a:rPr lang="en-GB" dirty="0" smtClean="0"/>
-              <a:t> extension in OpenGL allows us to create GL sync objects from </a:t>
-            </a:r>
-            <a:r>
-              <a:rPr lang="en-GB" b="1" dirty="0" smtClean="0">
-                <a:solidFill>
-                  <a:srgbClr val="3366FF"/>
-                </a:solidFill>
-                <a:latin typeface="Courier New"/>
-                <a:cs typeface="Courier New"/>
-              </a:rPr>
-              <a:t>cl::Event</a:t>
-            </a:r>
-            <a:r>
-              <a:rPr lang="en-GB" dirty="0" smtClean="0"/>
-              <a:t> objects</a:t>
-            </a:r>
-            <a:endParaRPr lang="en-GB" dirty="0"/>
+              <a:t>clCreateFromGLTexture2D/3D</a:t>
+            </a:r>
           </a:p>
         </p:txBody>
       </p:sp>
     </p:spTree>
     <p:extLst>
       <p:ext uri="{BB962C8B-B14F-4D97-AF65-F5344CB8AC3E}">
-        <p14:creationId xmlns:p14="http://schemas.microsoft.com/office/powerpoint/2010/main" val="4093567555"/>
+        <p14:creationId xmlns:p14="http://schemas.microsoft.com/office/powerpoint/2010/main" val="1634667256"/>
       </p:ext>
     </p:extLst>
   </p:cSld>
   <p:clrMapOvr>
     <a:masterClrMapping/>
   </p:clrMapOvr>
-  <p:timing>
-    <p:tnLst>
-      <p:par>
-        <p:cTn xmlns:p14="http://schemas.microsoft.com/office/powerpoint/2010/main" id="1" dur="indefinite" restart="never" nodeType="tmRoot"/>
-      </p:par>
-    </p:tnLst>
-  </p:timing>
 </p:sld>
 </file>
 
 <file path=ppt/slides/slide12.xml><?xml version="1.0" encoding="utf-8"?>
-<p:sld xmlns:a="http://schemas.openxmlformats.org/drawingml/2006/main" xmlns:r="http://schemas.openxmlformats.org/officeDocument/2006/relationships" xmlns:p="http://schemas.openxmlformats.org/presentationml/2006/main">
+<p:sld xmlns:a="http://schemas.openxmlformats.org/drawingml/2006/main" xmlns:r="http://schemas.openxmlformats.org/officeDocument/2006/relationships" xmlns:p="http://schemas.openxmlformats.org/presentationml/2006/main" show="0">
   <p:cSld>
     <p:spTree>
       <p:nvGrpSpPr>
@@ -5144,7 +5964,7 @@
       </p:grpSpPr>
       <p:sp>
         <p:nvSpPr>
-          <p:cNvPr id="5" name="Title 4"/>
+          <p:cNvPr id="2" name="Title 1"/>
           <p:cNvSpPr>
             <a:spLocks noGrp="1"/>
           </p:cNvSpPr>
@@ -5158,198 +5978,581 @@
           <a:lstStyle/>
           <a:p>
             <a:r>
-              <a:rPr lang="en-US" dirty="0" err="1" smtClean="0"/>
-              <a:t>cl_khr_egl_image</a:t>
-            </a:r>
-            <a:endParaRPr lang="en-US" dirty="0"/>
-          </a:p>
-        </p:txBody>
-      </p:sp>
-      <p:sp>
-        <p:nvSpPr>
-          <p:cNvPr id="6" name="Content Placeholder 5"/>
-          <p:cNvSpPr>
-            <a:spLocks noGrp="1"/>
-          </p:cNvSpPr>
-          <p:nvPr>
-            <p:ph idx="1"/>
-          </p:nvPr>
-        </p:nvSpPr>
-        <p:spPr/>
+              <a:rPr lang="en-US" dirty="0"/>
+              <a:t>Using Shared Objects</a:t>
+            </a:r>
+          </a:p>
+        </p:txBody>
+      </p:sp>
+      <p:sp>
+        <p:nvSpPr>
+          <p:cNvPr id="4" name="Text Placeholder 3"/>
+          <p:cNvSpPr>
+            <a:spLocks noGrp="1"/>
+          </p:cNvSpPr>
+          <p:nvPr>
+            <p:ph type="body" sz="half" idx="2"/>
+          </p:nvPr>
+        </p:nvSpPr>
+        <p:spPr>
+          <a:xfrm>
+            <a:off x="236482" y="1435100"/>
+            <a:ext cx="3774965" cy="4691063"/>
+          </a:xfrm>
+        </p:spPr>
         <p:txBody>
           <a:bodyPr>
-            <a:normAutofit fontScale="77500" lnSpcReduction="20000"/>
+            <a:normAutofit/>
           </a:bodyPr>
           <a:lstStyle/>
           <a:p>
-            <a:r>
-              <a:rPr lang="en-US" dirty="0" smtClean="0"/>
-              <a:t>There may be some platforms which do not support the </a:t>
-            </a:r>
-            <a:r>
-              <a:rPr lang="en-US" b="1" dirty="0" err="1" smtClean="0">
+            <a:pPr marL="285750" indent="-285750">
+              <a:buFont typeface="Arial"/>
+              <a:buChar char="•"/>
+            </a:pPr>
+            <a:r>
+              <a:rPr lang="en-US" dirty="0"/>
+              <a:t>First, a call to </a:t>
+            </a:r>
+            <a:r>
+              <a:rPr lang="en-US" b="1" dirty="0" err="1">
                 <a:solidFill>
                   <a:srgbClr val="3366FF"/>
                 </a:solidFill>
                 <a:latin typeface="Courier New"/>
                 <a:cs typeface="Courier New"/>
               </a:rPr>
-              <a:t>cl_khr_gl_sharing</a:t>
-            </a:r>
-            <a:r>
-              <a:rPr lang="en-US" dirty="0" smtClean="0"/>
-              <a:t> extension, but might provide </a:t>
-            </a:r>
-            <a:r>
-              <a:rPr lang="en-US" b="1" dirty="0" err="1" smtClean="0">
+              <a:t>glFlush</a:t>
+            </a:r>
+            <a:r>
+              <a:rPr lang="en-US" b="1" dirty="0">
                 <a:solidFill>
                   <a:srgbClr val="3366FF"/>
                 </a:solidFill>
                 <a:latin typeface="Courier New"/>
                 <a:cs typeface="Courier New"/>
               </a:rPr>
-              <a:t>cl_khr_egl_image</a:t>
-            </a:r>
-            <a:r>
-              <a:rPr lang="en-US" dirty="0" smtClean="0"/>
-              <a:t> instead</a:t>
-            </a:r>
-          </a:p>
-          <a:p>
-            <a:r>
-              <a:rPr lang="en-US" dirty="0" smtClean="0"/>
-              <a:t>EGL is a </a:t>
-            </a:r>
-            <a:r>
-              <a:rPr lang="en-US" dirty="0" err="1" smtClean="0"/>
-              <a:t>Khronos</a:t>
-            </a:r>
-            <a:r>
-              <a:rPr lang="en-US" dirty="0" smtClean="0"/>
-              <a:t>-defined interface between OpenGL ES and the native windowing system</a:t>
-            </a:r>
-          </a:p>
-          <a:p>
-            <a:r>
-              <a:rPr lang="en-US" dirty="0" smtClean="0"/>
-              <a:t>This allows an EGL image to be shared as an OpenCL image</a:t>
-            </a:r>
-          </a:p>
-          <a:p>
-            <a:r>
-              <a:rPr lang="en-US" dirty="0" smtClean="0"/>
-              <a:t>This process is similar to sharing an OpenGL texture as an OpenCL image:</a:t>
-            </a:r>
-          </a:p>
-          <a:p>
-            <a:pPr lvl="1"/>
-            <a:r>
-              <a:rPr lang="en-US" dirty="0" smtClean="0"/>
-              <a:t>No special context creation</a:t>
-            </a:r>
-          </a:p>
-          <a:p>
-            <a:pPr lvl="1"/>
-            <a:r>
-              <a:rPr lang="en-US" b="1" dirty="0" err="1" smtClean="0">
+              <a:t>()</a:t>
+            </a:r>
+            <a:r>
+              <a:rPr lang="en-US" dirty="0"/>
+              <a:t> must be made to ensure all GL commands have been submitted to the device</a:t>
+            </a:r>
+          </a:p>
+          <a:p>
+            <a:pPr marL="285750" indent="-285750">
+              <a:buFont typeface="Arial"/>
+              <a:buChar char="•"/>
+            </a:pPr>
+            <a:r>
+              <a:rPr lang="en-US" dirty="0"/>
+              <a:t>Acquire ownership of shared objects using </a:t>
+            </a:r>
+            <a:r>
+              <a:rPr lang="en-US" b="1" dirty="0" err="1">
                 <a:solidFill>
                   <a:srgbClr val="3366FF"/>
                 </a:solidFill>
                 <a:latin typeface="Courier New"/>
                 <a:cs typeface="Courier New"/>
               </a:rPr>
-              <a:t>clCreateFromEGLImageKHR</a:t>
-            </a:r>
-            <a:endParaRPr lang="en-US" b="1" dirty="0" smtClean="0">
+              <a:t>queue.enqueueAcquireGLObjects</a:t>
+            </a:r>
+            <a:r>
+              <a:rPr lang="en-US" b="1" dirty="0">
+                <a:solidFill>
+                  <a:srgbClr val="3366FF"/>
+                </a:solidFill>
+                <a:latin typeface="Courier New"/>
+                <a:cs typeface="Courier New"/>
+              </a:rPr>
+              <a:t>()</a:t>
+            </a:r>
+            <a:r>
+              <a:rPr lang="en-US" dirty="0"/>
+              <a:t> to tell the runtime we want to use them from OpenCL</a:t>
+            </a:r>
+          </a:p>
+          <a:p>
+            <a:pPr marL="285750" indent="-285750">
+              <a:buFont typeface="Arial"/>
+              <a:buChar char="•"/>
+            </a:pPr>
+            <a:r>
+              <a:rPr lang="en-US" dirty="0"/>
+              <a:t>Operate on the objects using regular OpenCL </a:t>
+            </a:r>
+            <a:r>
+              <a:rPr lang="en-US" dirty="0" err="1"/>
+              <a:t>enqueue</a:t>
+            </a:r>
+            <a:r>
+              <a:rPr lang="en-US" dirty="0"/>
+              <a:t> commands</a:t>
+            </a:r>
+          </a:p>
+          <a:p>
+            <a:pPr marL="285750" indent="-285750">
+              <a:buFont typeface="Arial"/>
+              <a:buChar char="•"/>
+            </a:pPr>
+            <a:r>
+              <a:rPr lang="en-US" dirty="0"/>
+              <a:t>Release ownership of shared objects using </a:t>
+            </a:r>
+            <a:r>
+              <a:rPr lang="en-US" b="1" dirty="0" err="1">
+                <a:solidFill>
+                  <a:srgbClr val="3366FF"/>
+                </a:solidFill>
+                <a:latin typeface="Courier New"/>
+                <a:cs typeface="Courier New"/>
+              </a:rPr>
+              <a:t>queue.enqueueReleaseGLObjects</a:t>
+            </a:r>
+            <a:r>
+              <a:rPr lang="en-US" b="1" dirty="0">
+                <a:solidFill>
+                  <a:srgbClr val="3366FF"/>
+                </a:solidFill>
+                <a:latin typeface="Courier New"/>
+                <a:cs typeface="Courier New"/>
+              </a:rPr>
+              <a:t>()</a:t>
+            </a:r>
+          </a:p>
+          <a:p>
+            <a:pPr marL="285750" indent="-285750">
+              <a:buFont typeface="Arial"/>
+              <a:buChar char="•"/>
+            </a:pPr>
+            <a:r>
+              <a:rPr lang="en-US" dirty="0"/>
+              <a:t>Then render these objects using regular OpenGL commands</a:t>
+            </a:r>
+          </a:p>
+          <a:p>
+            <a:endParaRPr lang="en-US" dirty="0"/>
+          </a:p>
+        </p:txBody>
+      </p:sp>
+      <p:sp>
+        <p:nvSpPr>
+          <p:cNvPr id="6" name="Content Placeholder 3"/>
+          <p:cNvSpPr>
+            <a:spLocks noGrp="1"/>
+          </p:cNvSpPr>
+          <p:nvPr>
+            <p:ph idx="1"/>
+          </p:nvPr>
+        </p:nvSpPr>
+        <p:spPr>
+          <a:xfrm>
+            <a:off x="4103981" y="1081436"/>
+            <a:ext cx="4906888" cy="5044727"/>
+          </a:xfrm>
+        </p:spPr>
+        <p:txBody>
+          <a:bodyPr>
+            <a:normAutofit/>
+          </a:bodyPr>
+          <a:lstStyle/>
+          <a:p>
+            <a:pPr marL="0" indent="0">
+              <a:buNone/>
+            </a:pPr>
+            <a:r>
+              <a:rPr lang="en-US" sz="1200" b="1" dirty="0" err="1">
+                <a:latin typeface="Courier New"/>
+                <a:cs typeface="Courier New"/>
+              </a:rPr>
+              <a:t>std</a:t>
+            </a:r>
+            <a:r>
+              <a:rPr lang="en-US" sz="1200" b="1" dirty="0">
+                <a:latin typeface="Courier New"/>
+                <a:cs typeface="Courier New"/>
+              </a:rPr>
+              <a:t>::vector&lt;cl::Memory&gt; objects;</a:t>
+            </a:r>
+          </a:p>
+          <a:p>
+            <a:pPr marL="0" indent="0">
+              <a:buNone/>
+            </a:pPr>
+            <a:r>
+              <a:rPr lang="en-US" sz="1200" b="1" dirty="0" err="1">
+                <a:latin typeface="Courier New"/>
+                <a:cs typeface="Courier New"/>
+              </a:rPr>
+              <a:t>objects.</a:t>
+            </a:r>
+            <a:r>
+              <a:rPr lang="en-US" sz="1200" b="1" dirty="0" err="1">
+                <a:solidFill>
+                  <a:srgbClr val="3366FF"/>
+                </a:solidFill>
+                <a:latin typeface="Courier New"/>
+                <a:cs typeface="Courier New"/>
+              </a:rPr>
+              <a:t>push_back</a:t>
+            </a:r>
+            <a:r>
+              <a:rPr lang="en-US" sz="1200" b="1" dirty="0">
+                <a:latin typeface="Courier New"/>
+                <a:cs typeface="Courier New"/>
+              </a:rPr>
+              <a:t>(</a:t>
+            </a:r>
+            <a:r>
+              <a:rPr lang="en-US" sz="1200" b="1" dirty="0" err="1">
+                <a:latin typeface="Courier New"/>
+                <a:cs typeface="Courier New"/>
+              </a:rPr>
+              <a:t>texTargetCL</a:t>
+            </a:r>
+            <a:r>
+              <a:rPr lang="en-US" sz="1200" b="1" dirty="0">
+                <a:latin typeface="Courier New"/>
+                <a:cs typeface="Courier New"/>
+              </a:rPr>
+              <a:t>);</a:t>
+            </a:r>
+          </a:p>
+          <a:p>
+            <a:pPr marL="0" indent="0">
+              <a:buNone/>
+            </a:pPr>
+            <a:endParaRPr lang="en-US" sz="1200" b="1" dirty="0">
+              <a:latin typeface="Courier New"/>
+              <a:cs typeface="Courier New"/>
+            </a:endParaRPr>
+          </a:p>
+          <a:p>
+            <a:pPr marL="0" indent="0">
+              <a:buNone/>
+            </a:pPr>
+            <a:r>
+              <a:rPr lang="en-US" sz="1200" b="1" dirty="0">
+                <a:solidFill>
+                  <a:srgbClr val="008000"/>
+                </a:solidFill>
+                <a:latin typeface="Courier New"/>
+                <a:cs typeface="Courier New"/>
+              </a:rPr>
+              <a:t>// Flush GL pipeline and acquire shared objects</a:t>
+            </a:r>
+          </a:p>
+          <a:p>
+            <a:pPr marL="0" indent="0">
+              <a:buNone/>
+            </a:pPr>
+            <a:r>
+              <a:rPr lang="en-US" sz="1200" b="1" dirty="0" err="1">
+                <a:solidFill>
+                  <a:srgbClr val="3366FF"/>
+                </a:solidFill>
+                <a:latin typeface="Courier New"/>
+                <a:cs typeface="Courier New"/>
+              </a:rPr>
+              <a:t>glFlush</a:t>
+            </a:r>
+            <a:r>
+              <a:rPr lang="en-US" sz="1200" b="1" dirty="0">
+                <a:latin typeface="Courier New"/>
+                <a:cs typeface="Courier New"/>
+              </a:rPr>
+              <a:t>();</a:t>
+            </a:r>
+          </a:p>
+          <a:p>
+            <a:pPr marL="0" indent="0">
+              <a:buNone/>
+            </a:pPr>
+            <a:r>
+              <a:rPr lang="en-US" sz="1200" b="1" dirty="0" err="1">
+                <a:latin typeface="Courier New"/>
+                <a:cs typeface="Courier New"/>
+              </a:rPr>
+              <a:t>queue.</a:t>
+            </a:r>
+            <a:r>
+              <a:rPr lang="en-US" sz="1200" b="1" dirty="0" err="1">
+                <a:solidFill>
+                  <a:srgbClr val="3366FF"/>
+                </a:solidFill>
+                <a:latin typeface="Courier New"/>
+                <a:cs typeface="Courier New"/>
+              </a:rPr>
+              <a:t>enqueueAcquireGLObjects</a:t>
+            </a:r>
+            <a:r>
+              <a:rPr lang="en-US" sz="1200" b="1" dirty="0">
+                <a:latin typeface="Courier New"/>
+                <a:cs typeface="Courier New"/>
+              </a:rPr>
+              <a:t>(&amp;objects);</a:t>
+            </a:r>
+          </a:p>
+          <a:p>
+            <a:pPr marL="0" indent="0">
+              <a:buNone/>
+            </a:pPr>
+            <a:endParaRPr lang="en-US" sz="1200" b="1" dirty="0">
+              <a:latin typeface="Courier New"/>
+              <a:cs typeface="Courier New"/>
+            </a:endParaRPr>
+          </a:p>
+          <a:p>
+            <a:pPr marL="0" indent="0">
+              <a:buNone/>
+            </a:pPr>
+            <a:r>
+              <a:rPr lang="en-US" sz="1200" b="1" dirty="0">
+                <a:solidFill>
+                  <a:srgbClr val="008000"/>
+                </a:solidFill>
+                <a:latin typeface="Courier New"/>
+                <a:cs typeface="Courier New"/>
+              </a:rPr>
+              <a:t>// Perform OpenCL operations on objects</a:t>
+            </a:r>
+          </a:p>
+          <a:p>
+            <a:pPr marL="0" indent="0">
+              <a:buNone/>
+            </a:pPr>
+            <a:r>
+              <a:rPr lang="en-US" sz="1200" b="1" dirty="0">
+                <a:solidFill>
+                  <a:srgbClr val="008000"/>
+                </a:solidFill>
+                <a:latin typeface="Courier New"/>
+                <a:cs typeface="Courier New"/>
+              </a:rPr>
+              <a:t>// e.g.</a:t>
+            </a:r>
+          </a:p>
+          <a:p>
+            <a:pPr marL="0" indent="0">
+              <a:buNone/>
+            </a:pPr>
+            <a:r>
+              <a:rPr lang="en-US" sz="1200" b="1" dirty="0">
+                <a:solidFill>
+                  <a:srgbClr val="008000"/>
+                </a:solidFill>
+                <a:latin typeface="Courier New"/>
+                <a:cs typeface="Courier New"/>
+              </a:rPr>
+              <a:t>// - </a:t>
+            </a:r>
+            <a:r>
+              <a:rPr lang="en-US" sz="1200" b="1" dirty="0" err="1">
+                <a:solidFill>
+                  <a:srgbClr val="008000"/>
+                </a:solidFill>
+                <a:latin typeface="Courier New"/>
+                <a:cs typeface="Courier New"/>
+              </a:rPr>
+              <a:t>enqueueReadBuffer</a:t>
+            </a:r>
+            <a:r>
+              <a:rPr lang="en-US" sz="1200" b="1" dirty="0">
+                <a:solidFill>
+                  <a:srgbClr val="008000"/>
+                </a:solidFill>
+                <a:latin typeface="Courier New"/>
+                <a:cs typeface="Courier New"/>
+              </a:rPr>
+              <a:t>/Image</a:t>
+            </a:r>
+          </a:p>
+          <a:p>
+            <a:pPr marL="0" indent="0">
+              <a:buNone/>
+            </a:pPr>
+            <a:r>
+              <a:rPr lang="en-US" sz="1200" b="1" dirty="0">
+                <a:solidFill>
+                  <a:srgbClr val="008000"/>
+                </a:solidFill>
+                <a:latin typeface="Courier New"/>
+                <a:cs typeface="Courier New"/>
+              </a:rPr>
+              <a:t>// - </a:t>
+            </a:r>
+            <a:r>
+              <a:rPr lang="en-US" sz="1200" b="1" dirty="0" err="1">
+                <a:solidFill>
+                  <a:srgbClr val="008000"/>
+                </a:solidFill>
+                <a:latin typeface="Courier New"/>
+                <a:cs typeface="Courier New"/>
+              </a:rPr>
+              <a:t>enqueueWriteBuffer</a:t>
+            </a:r>
+            <a:r>
+              <a:rPr lang="en-US" sz="1200" b="1" dirty="0">
+                <a:solidFill>
+                  <a:srgbClr val="008000"/>
+                </a:solidFill>
+                <a:latin typeface="Courier New"/>
+                <a:cs typeface="Courier New"/>
+              </a:rPr>
+              <a:t>/Image</a:t>
+            </a:r>
+          </a:p>
+          <a:p>
+            <a:pPr marL="0" indent="0">
+              <a:buNone/>
+            </a:pPr>
+            <a:r>
+              <a:rPr lang="en-US" sz="1200" b="1" dirty="0">
+                <a:solidFill>
+                  <a:srgbClr val="008000"/>
+                </a:solidFill>
+                <a:latin typeface="Courier New"/>
+                <a:cs typeface="Courier New"/>
+              </a:rPr>
+              <a:t>// - </a:t>
+            </a:r>
+            <a:r>
+              <a:rPr lang="en-US" sz="1200" b="1" dirty="0" err="1">
+                <a:solidFill>
+                  <a:srgbClr val="008000"/>
+                </a:solidFill>
+                <a:latin typeface="Courier New"/>
+                <a:cs typeface="Courier New"/>
+              </a:rPr>
+              <a:t>enqueueNDRangeKernel</a:t>
+            </a:r>
+            <a:endParaRPr lang="en-US" sz="1200" b="1" dirty="0">
               <a:solidFill>
-                <a:srgbClr val="3366FF"/>
+                <a:srgbClr val="008000"/>
               </a:solidFill>
               <a:latin typeface="Courier New"/>
               <a:cs typeface="Courier New"/>
             </a:endParaRPr>
           </a:p>
           <a:p>
-            <a:pPr lvl="1"/>
-            <a:r>
-              <a:rPr lang="en-US" b="1" dirty="0" err="1" smtClean="0">
-                <a:solidFill>
-                  <a:srgbClr val="3366FF"/>
-                </a:solidFill>
-                <a:latin typeface="Courier New"/>
-                <a:cs typeface="Courier New"/>
-              </a:rPr>
-              <a:t>clEnqueueAcquireEGLObjectsKHR</a:t>
-            </a:r>
-            <a:endParaRPr lang="en-US" b="1" dirty="0" smtClean="0">
-              <a:solidFill>
-                <a:srgbClr val="3366FF"/>
-              </a:solidFill>
+            <a:pPr marL="0" indent="0">
+              <a:buNone/>
+            </a:pPr>
+            <a:endParaRPr lang="en-US" sz="1200" b="1" dirty="0">
               <a:latin typeface="Courier New"/>
               <a:cs typeface="Courier New"/>
             </a:endParaRPr>
           </a:p>
           <a:p>
-            <a:pPr lvl="1"/>
-            <a:r>
-              <a:rPr lang="en-US" b="1" dirty="0" err="1" smtClean="0">
+            <a:pPr marL="0" indent="0">
+              <a:buNone/>
+            </a:pPr>
+            <a:r>
+              <a:rPr lang="en-US" sz="1200" b="1" dirty="0">
+                <a:solidFill>
+                  <a:srgbClr val="008000"/>
+                </a:solidFill>
+                <a:latin typeface="Courier New"/>
+                <a:cs typeface="Courier New"/>
+              </a:rPr>
+              <a:t>// Release shared objects</a:t>
+            </a:r>
+          </a:p>
+          <a:p>
+            <a:pPr marL="0" indent="0">
+              <a:buNone/>
+            </a:pPr>
+            <a:r>
+              <a:rPr lang="en-US" sz="1200" b="1" dirty="0" err="1">
+                <a:latin typeface="Courier New"/>
+                <a:cs typeface="Courier New"/>
+              </a:rPr>
+              <a:t>queue.</a:t>
+            </a:r>
+            <a:r>
+              <a:rPr lang="en-US" sz="1200" b="1" dirty="0" err="1">
                 <a:solidFill>
                   <a:srgbClr val="3366FF"/>
                 </a:solidFill>
                 <a:latin typeface="Courier New"/>
                 <a:cs typeface="Courier New"/>
               </a:rPr>
-              <a:t>clEnqueueReleaseEGLObjectsKHR</a:t>
-            </a:r>
-            <a:endParaRPr lang="en-US" b="1" dirty="0" smtClean="0">
-              <a:solidFill>
-                <a:srgbClr val="3366FF"/>
-              </a:solidFill>
+              <a:t>enqueueReleaseGLObjects</a:t>
+            </a:r>
+            <a:r>
+              <a:rPr lang="en-US" sz="1200" b="1" dirty="0">
+                <a:latin typeface="Courier New"/>
+                <a:cs typeface="Courier New"/>
+              </a:rPr>
+              <a:t>(&amp;objects);</a:t>
+            </a:r>
+          </a:p>
+          <a:p>
+            <a:pPr marL="0" indent="0">
+              <a:buNone/>
+            </a:pPr>
+            <a:endParaRPr lang="en-US" sz="1200" b="1" dirty="0">
               <a:latin typeface="Courier New"/>
               <a:cs typeface="Courier New"/>
             </a:endParaRPr>
           </a:p>
           <a:p>
-            <a:pPr lvl="1"/>
-            <a:r>
-              <a:rPr lang="en-US" b="1" dirty="0" err="1" smtClean="0">
+            <a:pPr marL="0" indent="0">
+              <a:buNone/>
+            </a:pPr>
+            <a:r>
+              <a:rPr lang="en-US" sz="1200" b="1" dirty="0">
+                <a:solidFill>
+                  <a:srgbClr val="008000"/>
+                </a:solidFill>
+                <a:latin typeface="Courier New"/>
+                <a:cs typeface="Courier New"/>
+              </a:rPr>
+              <a:t>// Clear CL queue before using objects from OpenGL</a:t>
+            </a:r>
+          </a:p>
+          <a:p>
+            <a:pPr marL="0" indent="0">
+              <a:buNone/>
+            </a:pPr>
+            <a:r>
+              <a:rPr lang="en-US" sz="1200" b="1" dirty="0" err="1">
+                <a:latin typeface="Courier New"/>
+                <a:cs typeface="Courier New"/>
+              </a:rPr>
+              <a:t>queue.</a:t>
+            </a:r>
+            <a:r>
+              <a:rPr lang="en-US" sz="1200" b="1" dirty="0" err="1">
                 <a:solidFill>
                   <a:srgbClr val="3366FF"/>
                 </a:solidFill>
                 <a:latin typeface="Courier New"/>
                 <a:cs typeface="Courier New"/>
               </a:rPr>
-              <a:t>clCreateEventFromEGLSyncKHR</a:t>
-            </a:r>
-            <a:endParaRPr lang="en-US" b="1" dirty="0" smtClean="0">
-              <a:solidFill>
-                <a:srgbClr val="3366FF"/>
-              </a:solidFill>
-              <a:latin typeface="Courier New"/>
-              <a:cs typeface="Courier New"/>
-            </a:endParaRPr>
-          </a:p>
-          <a:p>
-            <a:endParaRPr lang="en-US" dirty="0"/>
+              <a:t>finish</a:t>
+            </a:r>
+            <a:r>
+              <a:rPr lang="en-US" sz="1200" b="1" dirty="0">
+                <a:latin typeface="Courier New"/>
+                <a:cs typeface="Courier New"/>
+              </a:rPr>
+              <a:t>();</a:t>
+            </a:r>
           </a:p>
         </p:txBody>
       </p:sp>
     </p:spTree>
     <p:extLst>
       <p:ext uri="{BB962C8B-B14F-4D97-AF65-F5344CB8AC3E}">
-        <p14:creationId xmlns:p14="http://schemas.microsoft.com/office/powerpoint/2010/main" val="2578037368"/>
+        <p14:creationId xmlns:p14="http://schemas.microsoft.com/office/powerpoint/2010/main" val="3147144417"/>
       </p:ext>
     </p:extLst>
   </p:cSld>
   <p:clrMapOvr>
     <a:masterClrMapping/>
   </p:clrMapOvr>
-  <p:timing>
-    <p:tnLst>
-      <p:par>
-        <p:cTn xmlns:p14="http://schemas.microsoft.com/office/powerpoint/2010/main" id="1" dur="indefinite" restart="never" nodeType="tmRoot"/>
-      </p:par>
-    </p:tnLst>
-  </p:timing>
 </p:sld>
 </file>
 
@@ -5386,15 +6589,1390 @@
           <a:lstStyle/>
           <a:p>
             <a:r>
-              <a:rPr lang="en-GB" smtClean="0"/>
+              <a:rPr lang="en-US" dirty="0"/>
+              <a:t>Using Shared Objects</a:t>
+            </a:r>
+          </a:p>
+        </p:txBody>
+      </p:sp>
+      <p:sp>
+        <p:nvSpPr>
+          <p:cNvPr id="4" name="Text Placeholder 3"/>
+          <p:cNvSpPr>
+            <a:spLocks noGrp="1"/>
+          </p:cNvSpPr>
+          <p:nvPr>
+            <p:ph type="body" sz="half" idx="2"/>
+          </p:nvPr>
+        </p:nvSpPr>
+        <p:spPr>
+          <a:xfrm>
+            <a:off x="236482" y="1435100"/>
+            <a:ext cx="3774965" cy="4691063"/>
+          </a:xfrm>
+        </p:spPr>
+        <p:txBody>
+          <a:bodyPr>
+            <a:normAutofit/>
+          </a:bodyPr>
+          <a:lstStyle/>
+          <a:p>
+            <a:pPr marL="285750" indent="-285750">
+              <a:buFont typeface="Arial"/>
+              <a:buChar char="•"/>
+            </a:pPr>
+            <a:r>
+              <a:rPr lang="en-US" dirty="0"/>
+              <a:t>First, a call to </a:t>
+            </a:r>
+            <a:r>
+              <a:rPr lang="en-US" b="1" dirty="0" err="1">
+                <a:solidFill>
+                  <a:srgbClr val="3366FF"/>
+                </a:solidFill>
+                <a:latin typeface="Courier New"/>
+                <a:cs typeface="Courier New"/>
+              </a:rPr>
+              <a:t>glFlush</a:t>
+            </a:r>
+            <a:r>
+              <a:rPr lang="en-US" b="1" dirty="0">
+                <a:solidFill>
+                  <a:srgbClr val="3366FF"/>
+                </a:solidFill>
+                <a:latin typeface="Courier New"/>
+                <a:cs typeface="Courier New"/>
+              </a:rPr>
+              <a:t>()</a:t>
+            </a:r>
+            <a:r>
+              <a:rPr lang="en-US" dirty="0"/>
+              <a:t> must be made to ensure all GL commands have been submitted to the device</a:t>
+            </a:r>
+          </a:p>
+          <a:p>
+            <a:pPr marL="285750" indent="-285750">
+              <a:buFont typeface="Arial"/>
+              <a:buChar char="•"/>
+            </a:pPr>
+            <a:r>
+              <a:rPr lang="en-US" dirty="0"/>
+              <a:t>Acquire ownership of shared objects using </a:t>
+            </a:r>
+            <a:r>
+              <a:rPr lang="en-US" b="1" dirty="0" err="1">
+                <a:solidFill>
+                  <a:srgbClr val="3366FF"/>
+                </a:solidFill>
+                <a:latin typeface="Courier New"/>
+                <a:cs typeface="Courier New"/>
+              </a:rPr>
+              <a:t>clEnqueueAcquireGLObjects</a:t>
+            </a:r>
+            <a:r>
+              <a:rPr lang="en-US" b="1" dirty="0">
+                <a:solidFill>
+                  <a:srgbClr val="3366FF"/>
+                </a:solidFill>
+                <a:latin typeface="Courier New"/>
+                <a:cs typeface="Courier New"/>
+              </a:rPr>
+              <a:t>()</a:t>
+            </a:r>
+            <a:r>
+              <a:rPr lang="en-US" dirty="0"/>
+              <a:t> to tell the runtime we want to use them from OpenCL</a:t>
+            </a:r>
+          </a:p>
+          <a:p>
+            <a:pPr marL="285750" indent="-285750">
+              <a:buFont typeface="Arial"/>
+              <a:buChar char="•"/>
+            </a:pPr>
+            <a:r>
+              <a:rPr lang="en-US" dirty="0"/>
+              <a:t>Operate on the objects using regular OpenCL </a:t>
+            </a:r>
+            <a:r>
+              <a:rPr lang="en-US" dirty="0" err="1"/>
+              <a:t>enqueue</a:t>
+            </a:r>
+            <a:r>
+              <a:rPr lang="en-US" dirty="0"/>
+              <a:t> commands</a:t>
+            </a:r>
+          </a:p>
+          <a:p>
+            <a:pPr marL="285750" indent="-285750">
+              <a:buFont typeface="Arial"/>
+              <a:buChar char="•"/>
+            </a:pPr>
+            <a:r>
+              <a:rPr lang="en-US" dirty="0"/>
+              <a:t>Release ownership of shared objects using </a:t>
+            </a:r>
+            <a:r>
+              <a:rPr lang="en-US" b="1" dirty="0" err="1">
+                <a:solidFill>
+                  <a:srgbClr val="3366FF"/>
+                </a:solidFill>
+                <a:latin typeface="Courier New"/>
+                <a:cs typeface="Courier New"/>
+              </a:rPr>
+              <a:t>clEnqueueReleaseGLObjects</a:t>
+            </a:r>
+            <a:r>
+              <a:rPr lang="en-US" b="1" dirty="0">
+                <a:solidFill>
+                  <a:srgbClr val="3366FF"/>
+                </a:solidFill>
+                <a:latin typeface="Courier New"/>
+                <a:cs typeface="Courier New"/>
+              </a:rPr>
+              <a:t>()</a:t>
+            </a:r>
+          </a:p>
+          <a:p>
+            <a:pPr marL="285750" indent="-285750">
+              <a:buFont typeface="Arial"/>
+              <a:buChar char="•"/>
+            </a:pPr>
+            <a:r>
+              <a:rPr lang="en-US" dirty="0"/>
+              <a:t>Then render these objects using regular OpenGL commands</a:t>
+            </a:r>
+          </a:p>
+          <a:p>
+            <a:endParaRPr lang="en-US" dirty="0"/>
+          </a:p>
+        </p:txBody>
+      </p:sp>
+      <p:sp>
+        <p:nvSpPr>
+          <p:cNvPr id="6" name="Content Placeholder 3"/>
+          <p:cNvSpPr>
+            <a:spLocks noGrp="1"/>
+          </p:cNvSpPr>
+          <p:nvPr>
+            <p:ph idx="1"/>
+          </p:nvPr>
+        </p:nvSpPr>
+        <p:spPr>
+          <a:xfrm>
+            <a:off x="4103981" y="1081436"/>
+            <a:ext cx="4906888" cy="5044727"/>
+          </a:xfrm>
+        </p:spPr>
+        <p:txBody>
+          <a:bodyPr>
+            <a:normAutofit/>
+          </a:bodyPr>
+          <a:lstStyle/>
+          <a:p>
+            <a:pPr marL="0" indent="0">
+              <a:buNone/>
+            </a:pPr>
+            <a:r>
+              <a:rPr lang="en-US" sz="1200" b="1" dirty="0" err="1">
+                <a:latin typeface="Courier New"/>
+                <a:cs typeface="Courier New"/>
+              </a:rPr>
+              <a:t>cl_mem</a:t>
+            </a:r>
+            <a:r>
+              <a:rPr lang="en-US" sz="1200" b="1" dirty="0">
+                <a:latin typeface="Courier New"/>
+                <a:cs typeface="Courier New"/>
+              </a:rPr>
+              <a:t> </a:t>
+            </a:r>
+            <a:r>
+              <a:rPr lang="en-US" sz="1200" b="1" dirty="0" err="1">
+                <a:latin typeface="Courier New"/>
+                <a:cs typeface="Courier New"/>
+              </a:rPr>
+              <a:t>clglObjects</a:t>
+            </a:r>
+            <a:r>
+              <a:rPr lang="en-US" sz="1200" b="1" dirty="0">
+                <a:latin typeface="Courier New"/>
+                <a:cs typeface="Courier New"/>
+              </a:rPr>
+              <a:t>[</a:t>
+            </a:r>
+            <a:r>
+              <a:rPr lang="en-US" sz="1200" b="1" dirty="0">
+                <a:solidFill>
+                  <a:srgbClr val="FF00FF"/>
+                </a:solidFill>
+                <a:latin typeface="Courier New"/>
+                <a:cs typeface="Courier New"/>
+              </a:rPr>
+              <a:t>1</a:t>
+            </a:r>
+            <a:r>
+              <a:rPr lang="en-US" sz="1200" b="1" dirty="0">
+                <a:latin typeface="Courier New"/>
+                <a:cs typeface="Courier New"/>
+              </a:rPr>
+              <a:t>];</a:t>
+            </a:r>
+          </a:p>
+          <a:p>
+            <a:pPr marL="0" indent="0">
+              <a:buNone/>
+            </a:pPr>
+            <a:r>
+              <a:rPr lang="en-US" sz="1200" b="1" dirty="0" err="1">
+                <a:latin typeface="Courier New"/>
+                <a:cs typeface="Courier New"/>
+              </a:rPr>
+              <a:t>clglObjects</a:t>
+            </a:r>
+            <a:r>
+              <a:rPr lang="en-US" sz="1200" b="1" dirty="0">
+                <a:latin typeface="Courier New"/>
+                <a:cs typeface="Courier New"/>
+              </a:rPr>
+              <a:t>[</a:t>
+            </a:r>
+            <a:r>
+              <a:rPr lang="en-US" sz="1200" b="1" dirty="0">
+                <a:solidFill>
+                  <a:srgbClr val="FF00FF"/>
+                </a:solidFill>
+                <a:latin typeface="Courier New"/>
+                <a:cs typeface="Courier New"/>
+              </a:rPr>
+              <a:t>0</a:t>
+            </a:r>
+            <a:r>
+              <a:rPr lang="en-US" sz="1200" b="1" dirty="0">
+                <a:latin typeface="Courier New"/>
+                <a:cs typeface="Courier New"/>
+              </a:rPr>
+              <a:t>] = </a:t>
+            </a:r>
+            <a:r>
+              <a:rPr lang="en-US" sz="1200" b="1" dirty="0" err="1">
+                <a:latin typeface="Courier New"/>
+                <a:cs typeface="Courier New"/>
+              </a:rPr>
+              <a:t>texTargetCL</a:t>
+            </a:r>
+            <a:r>
+              <a:rPr lang="en-US" sz="1200" b="1" dirty="0">
+                <a:latin typeface="Courier New"/>
+                <a:cs typeface="Courier New"/>
+              </a:rPr>
+              <a:t>;</a:t>
+            </a:r>
+          </a:p>
+          <a:p>
+            <a:pPr marL="0" indent="0">
+              <a:buNone/>
+            </a:pPr>
+            <a:endParaRPr lang="en-US" sz="1200" b="1" dirty="0">
+              <a:latin typeface="Courier New"/>
+              <a:cs typeface="Courier New"/>
+            </a:endParaRPr>
+          </a:p>
+          <a:p>
+            <a:pPr marL="0" indent="0">
+              <a:buNone/>
+            </a:pPr>
+            <a:r>
+              <a:rPr lang="en-US" sz="1200" b="1" dirty="0">
+                <a:solidFill>
+                  <a:srgbClr val="008000"/>
+                </a:solidFill>
+                <a:latin typeface="Courier New"/>
+                <a:cs typeface="Courier New"/>
+              </a:rPr>
+              <a:t>// Flush GL pipeline and acquire shared objects</a:t>
+            </a:r>
+          </a:p>
+          <a:p>
+            <a:pPr marL="0" indent="0">
+              <a:buNone/>
+            </a:pPr>
+            <a:r>
+              <a:rPr lang="en-US" sz="1200" b="1" dirty="0" err="1">
+                <a:solidFill>
+                  <a:srgbClr val="3366FF"/>
+                </a:solidFill>
+                <a:latin typeface="Courier New"/>
+                <a:cs typeface="Courier New"/>
+              </a:rPr>
+              <a:t>glFlush</a:t>
+            </a:r>
+            <a:r>
+              <a:rPr lang="en-US" sz="1200" b="1" dirty="0">
+                <a:latin typeface="Courier New"/>
+                <a:cs typeface="Courier New"/>
+              </a:rPr>
+              <a:t>();</a:t>
+            </a:r>
+          </a:p>
+          <a:p>
+            <a:pPr marL="0" indent="0">
+              <a:buNone/>
+            </a:pPr>
+            <a:r>
+              <a:rPr lang="en-US" sz="1200" b="1" dirty="0" err="1">
+                <a:solidFill>
+                  <a:srgbClr val="3366FF"/>
+                </a:solidFill>
+                <a:latin typeface="Courier New"/>
+                <a:cs typeface="Courier New"/>
+              </a:rPr>
+              <a:t>clEnqueueAcquireGLObjects</a:t>
+            </a:r>
+            <a:r>
+              <a:rPr lang="en-US" sz="1200" b="1" dirty="0">
+                <a:latin typeface="Courier New"/>
+                <a:cs typeface="Courier New"/>
+              </a:rPr>
+              <a:t>(</a:t>
+            </a:r>
+          </a:p>
+          <a:p>
+            <a:pPr marL="0" indent="0">
+              <a:buNone/>
+            </a:pPr>
+            <a:r>
+              <a:rPr lang="en-US" sz="1200" b="1" dirty="0">
+                <a:latin typeface="Courier New"/>
+                <a:cs typeface="Courier New"/>
+              </a:rPr>
+              <a:t>  queue, </a:t>
+            </a:r>
+            <a:r>
+              <a:rPr lang="en-US" sz="1200" b="1" dirty="0">
+                <a:solidFill>
+                  <a:srgbClr val="FF00FF"/>
+                </a:solidFill>
+                <a:latin typeface="Courier New"/>
+                <a:cs typeface="Courier New"/>
+              </a:rPr>
+              <a:t>1</a:t>
+            </a:r>
+            <a:r>
+              <a:rPr lang="en-US" sz="1200" b="1" dirty="0">
+                <a:latin typeface="Courier New"/>
+                <a:cs typeface="Courier New"/>
+              </a:rPr>
+              <a:t>, objects, </a:t>
+            </a:r>
+            <a:r>
+              <a:rPr lang="en-US" sz="1200" b="1" dirty="0">
+                <a:solidFill>
+                  <a:srgbClr val="FF00FF"/>
+                </a:solidFill>
+                <a:latin typeface="Courier New"/>
+                <a:cs typeface="Courier New"/>
+              </a:rPr>
+              <a:t>0</a:t>
+            </a:r>
+            <a:r>
+              <a:rPr lang="en-US" sz="1200" b="1" dirty="0">
+                <a:latin typeface="Courier New"/>
+                <a:cs typeface="Courier New"/>
+              </a:rPr>
+              <a:t>, NULL, NULL);</a:t>
+            </a:r>
+          </a:p>
+          <a:p>
+            <a:pPr marL="0" indent="0">
+              <a:buNone/>
+            </a:pPr>
+            <a:endParaRPr lang="en-US" sz="1200" b="1" dirty="0">
+              <a:latin typeface="Courier New"/>
+              <a:cs typeface="Courier New"/>
+            </a:endParaRPr>
+          </a:p>
+          <a:p>
+            <a:pPr marL="0" indent="0">
+              <a:buNone/>
+            </a:pPr>
+            <a:r>
+              <a:rPr lang="en-US" sz="1200" b="1" dirty="0">
+                <a:solidFill>
+                  <a:srgbClr val="008000"/>
+                </a:solidFill>
+                <a:latin typeface="Courier New"/>
+                <a:cs typeface="Courier New"/>
+              </a:rPr>
+              <a:t>// Perform OpenCL operations on objects</a:t>
+            </a:r>
+          </a:p>
+          <a:p>
+            <a:pPr marL="0" indent="0">
+              <a:buNone/>
+            </a:pPr>
+            <a:r>
+              <a:rPr lang="en-US" sz="1200" b="1" dirty="0">
+                <a:solidFill>
+                  <a:srgbClr val="008000"/>
+                </a:solidFill>
+                <a:latin typeface="Courier New"/>
+                <a:cs typeface="Courier New"/>
+              </a:rPr>
+              <a:t>// e.g.</a:t>
+            </a:r>
+          </a:p>
+          <a:p>
+            <a:pPr marL="0" indent="0">
+              <a:buNone/>
+            </a:pPr>
+            <a:r>
+              <a:rPr lang="en-US" sz="1200" b="1" dirty="0">
+                <a:solidFill>
+                  <a:srgbClr val="008000"/>
+                </a:solidFill>
+                <a:latin typeface="Courier New"/>
+                <a:cs typeface="Courier New"/>
+              </a:rPr>
+              <a:t>// - </a:t>
+            </a:r>
+            <a:r>
+              <a:rPr lang="en-US" sz="1200" b="1" dirty="0" err="1">
+                <a:solidFill>
+                  <a:srgbClr val="008000"/>
+                </a:solidFill>
+                <a:latin typeface="Courier New"/>
+                <a:cs typeface="Courier New"/>
+              </a:rPr>
+              <a:t>clEnqueueReadBuffer</a:t>
+            </a:r>
+            <a:r>
+              <a:rPr lang="en-US" sz="1200" b="1" dirty="0">
+                <a:solidFill>
+                  <a:srgbClr val="008000"/>
+                </a:solidFill>
+                <a:latin typeface="Courier New"/>
+                <a:cs typeface="Courier New"/>
+              </a:rPr>
+              <a:t>/Image</a:t>
+            </a:r>
+          </a:p>
+          <a:p>
+            <a:pPr marL="0" indent="0">
+              <a:buNone/>
+            </a:pPr>
+            <a:r>
+              <a:rPr lang="en-US" sz="1200" b="1" dirty="0">
+                <a:solidFill>
+                  <a:srgbClr val="008000"/>
+                </a:solidFill>
+                <a:latin typeface="Courier New"/>
+                <a:cs typeface="Courier New"/>
+              </a:rPr>
+              <a:t>// - </a:t>
+            </a:r>
+            <a:r>
+              <a:rPr lang="en-US" sz="1200" b="1" dirty="0" err="1">
+                <a:solidFill>
+                  <a:srgbClr val="008000"/>
+                </a:solidFill>
+                <a:latin typeface="Courier New"/>
+                <a:cs typeface="Courier New"/>
+              </a:rPr>
+              <a:t>clEnqueueWriteBuffer</a:t>
+            </a:r>
+            <a:r>
+              <a:rPr lang="en-US" sz="1200" b="1" dirty="0">
+                <a:solidFill>
+                  <a:srgbClr val="008000"/>
+                </a:solidFill>
+                <a:latin typeface="Courier New"/>
+                <a:cs typeface="Courier New"/>
+              </a:rPr>
+              <a:t>/Image</a:t>
+            </a:r>
+          </a:p>
+          <a:p>
+            <a:pPr marL="0" indent="0">
+              <a:buNone/>
+            </a:pPr>
+            <a:r>
+              <a:rPr lang="en-US" sz="1200" b="1" dirty="0">
+                <a:solidFill>
+                  <a:srgbClr val="008000"/>
+                </a:solidFill>
+                <a:latin typeface="Courier New"/>
+                <a:cs typeface="Courier New"/>
+              </a:rPr>
+              <a:t>// - </a:t>
+            </a:r>
+            <a:r>
+              <a:rPr lang="en-US" sz="1200" b="1" dirty="0" err="1">
+                <a:solidFill>
+                  <a:srgbClr val="008000"/>
+                </a:solidFill>
+                <a:latin typeface="Courier New"/>
+                <a:cs typeface="Courier New"/>
+              </a:rPr>
+              <a:t>clEnqueueNDRangeKernel</a:t>
+            </a:r>
+            <a:endParaRPr lang="en-US" sz="1200" b="1" dirty="0">
+              <a:solidFill>
+                <a:srgbClr val="008000"/>
+              </a:solidFill>
+              <a:latin typeface="Courier New"/>
+              <a:cs typeface="Courier New"/>
+            </a:endParaRPr>
+          </a:p>
+          <a:p>
+            <a:pPr marL="0" indent="0">
+              <a:buNone/>
+            </a:pPr>
+            <a:endParaRPr lang="en-US" sz="1200" b="1" dirty="0">
+              <a:latin typeface="Courier New"/>
+              <a:cs typeface="Courier New"/>
+            </a:endParaRPr>
+          </a:p>
+          <a:p>
+            <a:pPr marL="0" indent="0">
+              <a:buNone/>
+            </a:pPr>
+            <a:r>
+              <a:rPr lang="en-US" sz="1200" b="1" dirty="0">
+                <a:solidFill>
+                  <a:srgbClr val="008000"/>
+                </a:solidFill>
+                <a:latin typeface="Courier New"/>
+                <a:cs typeface="Courier New"/>
+              </a:rPr>
+              <a:t>// Release shared objects</a:t>
+            </a:r>
+          </a:p>
+          <a:p>
+            <a:pPr marL="0" indent="0">
+              <a:buNone/>
+            </a:pPr>
+            <a:r>
+              <a:rPr lang="en-US" sz="1200" b="1" dirty="0" err="1">
+                <a:solidFill>
+                  <a:srgbClr val="3366FF"/>
+                </a:solidFill>
+                <a:latin typeface="Courier New"/>
+                <a:cs typeface="Courier New"/>
+              </a:rPr>
+              <a:t>clEnqueueReleaseGLObjects</a:t>
+            </a:r>
+            <a:r>
+              <a:rPr lang="en-US" sz="1200" b="1" dirty="0">
+                <a:latin typeface="Courier New"/>
+                <a:cs typeface="Courier New"/>
+              </a:rPr>
+              <a:t>(</a:t>
+            </a:r>
+          </a:p>
+          <a:p>
+            <a:pPr marL="0" indent="0">
+              <a:buNone/>
+            </a:pPr>
+            <a:r>
+              <a:rPr lang="en-US" sz="1200" b="1" dirty="0">
+                <a:latin typeface="Courier New"/>
+                <a:cs typeface="Courier New"/>
+              </a:rPr>
+              <a:t>  queue, </a:t>
+            </a:r>
+            <a:r>
+              <a:rPr lang="en-US" sz="1200" b="1" dirty="0">
+                <a:solidFill>
+                  <a:srgbClr val="FF00FF"/>
+                </a:solidFill>
+                <a:latin typeface="Courier New"/>
+                <a:cs typeface="Courier New"/>
+              </a:rPr>
+              <a:t>1</a:t>
+            </a:r>
+            <a:r>
+              <a:rPr lang="en-US" sz="1200" b="1" dirty="0">
+                <a:latin typeface="Courier New"/>
+                <a:cs typeface="Courier New"/>
+              </a:rPr>
+              <a:t>, objects, </a:t>
+            </a:r>
+            <a:r>
+              <a:rPr lang="en-US" sz="1200" b="1" dirty="0">
+                <a:solidFill>
+                  <a:srgbClr val="FF00FF"/>
+                </a:solidFill>
+                <a:latin typeface="Courier New"/>
+                <a:cs typeface="Courier New"/>
+              </a:rPr>
+              <a:t>0</a:t>
+            </a:r>
+            <a:r>
+              <a:rPr lang="en-US" sz="1200" b="1" dirty="0">
+                <a:latin typeface="Courier New"/>
+                <a:cs typeface="Courier New"/>
+              </a:rPr>
+              <a:t>, NULL, NULL);</a:t>
+            </a:r>
+          </a:p>
+          <a:p>
+            <a:pPr marL="0" indent="0">
+              <a:buNone/>
+            </a:pPr>
+            <a:endParaRPr lang="en-US" sz="1200" b="1" dirty="0">
+              <a:latin typeface="Courier New"/>
+              <a:cs typeface="Courier New"/>
+            </a:endParaRPr>
+          </a:p>
+          <a:p>
+            <a:pPr marL="0" indent="0">
+              <a:buNone/>
+            </a:pPr>
+            <a:r>
+              <a:rPr lang="en-US" sz="1200" b="1" dirty="0">
+                <a:solidFill>
+                  <a:srgbClr val="008000"/>
+                </a:solidFill>
+                <a:latin typeface="Courier New"/>
+                <a:cs typeface="Courier New"/>
+              </a:rPr>
+              <a:t>// Clear CL queue before using objects from OpenGL</a:t>
+            </a:r>
+          </a:p>
+          <a:p>
+            <a:pPr marL="0" indent="0">
+              <a:buNone/>
+            </a:pPr>
+            <a:r>
+              <a:rPr lang="en-US" sz="1200" b="1" dirty="0" err="1">
+                <a:solidFill>
+                  <a:srgbClr val="3366FF"/>
+                </a:solidFill>
+                <a:latin typeface="Courier New"/>
+                <a:cs typeface="Courier New"/>
+              </a:rPr>
+              <a:t>clFinish</a:t>
+            </a:r>
+            <a:r>
+              <a:rPr lang="en-US" sz="1200" b="1" dirty="0">
+                <a:latin typeface="Courier New"/>
+                <a:cs typeface="Courier New"/>
+              </a:rPr>
+              <a:t>(queue);</a:t>
+            </a:r>
+          </a:p>
+        </p:txBody>
+      </p:sp>
+    </p:spTree>
+    <p:extLst>
+      <p:ext uri="{BB962C8B-B14F-4D97-AF65-F5344CB8AC3E}">
+        <p14:creationId xmlns:p14="http://schemas.microsoft.com/office/powerpoint/2010/main" val="1877814351"/>
+      </p:ext>
+    </p:extLst>
+  </p:cSld>
+  <p:clrMapOvr>
+    <a:masterClrMapping/>
+  </p:clrMapOvr>
+</p:sld>
+</file>
+
+<file path=ppt/slides/slide14.xml><?xml version="1.0" encoding="utf-8"?>
+<p:sld xmlns:a="http://schemas.openxmlformats.org/drawingml/2006/main" xmlns:r="http://schemas.openxmlformats.org/officeDocument/2006/relationships" xmlns:p="http://schemas.openxmlformats.org/presentationml/2006/main" show="0">
+  <p:cSld>
+    <p:spTree>
+      <p:nvGrpSpPr>
+        <p:cNvPr id="1" name=""/>
+        <p:cNvGrpSpPr/>
+        <p:nvPr/>
+      </p:nvGrpSpPr>
+      <p:grpSpPr>
+        <a:xfrm>
+          <a:off x="0" y="0"/>
+          <a:ext cx="0" cy="0"/>
+          <a:chOff x="0" y="0"/>
+          <a:chExt cx="0" cy="0"/>
+        </a:xfrm>
+      </p:grpSpPr>
+      <p:sp>
+        <p:nvSpPr>
+          <p:cNvPr id="2" name="Title 1"/>
+          <p:cNvSpPr>
+            <a:spLocks noGrp="1"/>
+          </p:cNvSpPr>
+          <p:nvPr>
+            <p:ph type="title"/>
+          </p:nvPr>
+        </p:nvSpPr>
+        <p:spPr/>
+        <p:txBody>
+          <a:bodyPr/>
+          <a:lstStyle/>
+          <a:p>
+            <a:r>
+              <a:rPr lang="en-GB" dirty="0" err="1"/>
+              <a:t>cl_khr_gl_event</a:t>
+            </a:r>
+            <a:endParaRPr lang="en-GB" dirty="0"/>
+          </a:p>
+        </p:txBody>
+      </p:sp>
+      <p:sp>
+        <p:nvSpPr>
+          <p:cNvPr id="3" name="Content Placeholder 2"/>
+          <p:cNvSpPr>
+            <a:spLocks noGrp="1"/>
+          </p:cNvSpPr>
+          <p:nvPr>
+            <p:ph idx="1"/>
+          </p:nvPr>
+        </p:nvSpPr>
+        <p:spPr>
+          <a:xfrm>
+            <a:off x="779517" y="1600200"/>
+            <a:ext cx="7506138" cy="4525963"/>
+          </a:xfrm>
+        </p:spPr>
+        <p:txBody>
+          <a:bodyPr>
+            <a:normAutofit fontScale="70000" lnSpcReduction="20000"/>
+          </a:bodyPr>
+          <a:lstStyle/>
+          <a:p>
+            <a:pPr>
+              <a:lnSpc>
+                <a:spcPct val="110000"/>
+              </a:lnSpc>
+            </a:pPr>
+            <a:r>
+              <a:rPr lang="en-GB" dirty="0"/>
+              <a:t>This extension potentially improves performance by removing some of the requirements for explicit synchronization</a:t>
+            </a:r>
+          </a:p>
+          <a:p>
+            <a:pPr>
+              <a:lnSpc>
+                <a:spcPct val="110000"/>
+              </a:lnSpc>
+            </a:pPr>
+            <a:r>
+              <a:rPr lang="en-GB" dirty="0"/>
+              <a:t>Provides guarantees that all pending OpenGL operations are complete upon calling </a:t>
+            </a:r>
+            <a:r>
+              <a:rPr lang="en-GB" b="1" dirty="0" err="1">
+                <a:solidFill>
+                  <a:srgbClr val="3366FF"/>
+                </a:solidFill>
+                <a:latin typeface="Courier New"/>
+                <a:cs typeface="Courier New"/>
+              </a:rPr>
+              <a:t>enqueueAcquireGLObjects</a:t>
+            </a:r>
+            <a:endParaRPr lang="en-GB" b="1" dirty="0">
+              <a:solidFill>
+                <a:srgbClr val="3366FF"/>
+              </a:solidFill>
+              <a:latin typeface="Courier New"/>
+              <a:cs typeface="Courier New"/>
+            </a:endParaRPr>
+          </a:p>
+          <a:p>
+            <a:pPr>
+              <a:lnSpc>
+                <a:spcPct val="110000"/>
+              </a:lnSpc>
+            </a:pPr>
+            <a:r>
+              <a:rPr lang="en-GB" dirty="0"/>
+              <a:t>Provides guarantees that all pending OpenCL operations are complete upon calling </a:t>
+            </a:r>
+            <a:r>
+              <a:rPr lang="en-GB" b="1" dirty="0" err="1">
+                <a:solidFill>
+                  <a:srgbClr val="3366FF"/>
+                </a:solidFill>
+                <a:latin typeface="Courier New"/>
+                <a:cs typeface="Courier New"/>
+              </a:rPr>
+              <a:t>enqueueReleaseGLObjects</a:t>
+            </a:r>
+            <a:endParaRPr lang="en-GB" b="1" dirty="0">
+              <a:solidFill>
+                <a:srgbClr val="3366FF"/>
+              </a:solidFill>
+              <a:latin typeface="Courier New"/>
+              <a:cs typeface="Courier New"/>
+            </a:endParaRPr>
+          </a:p>
+          <a:p>
+            <a:pPr>
+              <a:lnSpc>
+                <a:spcPct val="110000"/>
+              </a:lnSpc>
+            </a:pPr>
+            <a:r>
+              <a:rPr lang="en-GB" dirty="0"/>
+              <a:t>Also allows us to create </a:t>
+            </a:r>
+            <a:r>
+              <a:rPr lang="en-GB" b="1" dirty="0">
+                <a:solidFill>
+                  <a:srgbClr val="3366FF"/>
+                </a:solidFill>
+                <a:latin typeface="Courier New"/>
+                <a:cs typeface="Courier New"/>
+              </a:rPr>
+              <a:t>cl::Event</a:t>
+            </a:r>
+            <a:r>
+              <a:rPr lang="en-GB" b="1" dirty="0">
+                <a:solidFill>
+                  <a:srgbClr val="3366FF"/>
+                </a:solidFill>
+                <a:latin typeface="Calibri New"/>
+                <a:cs typeface="Calibri New"/>
+              </a:rPr>
+              <a:t> </a:t>
+            </a:r>
+            <a:r>
+              <a:rPr lang="en-GB" dirty="0"/>
+              <a:t>objects from GL sync objects, giving us more control over the synchronization process</a:t>
+            </a:r>
+          </a:p>
+          <a:p>
+            <a:pPr>
+              <a:lnSpc>
+                <a:spcPct val="110000"/>
+              </a:lnSpc>
+            </a:pPr>
+            <a:r>
+              <a:rPr lang="en-GB" dirty="0"/>
+              <a:t>A related </a:t>
+            </a:r>
+            <a:r>
+              <a:rPr lang="en-GB" b="1" dirty="0" err="1">
+                <a:solidFill>
+                  <a:srgbClr val="3366FF"/>
+                </a:solidFill>
+                <a:latin typeface="Courier New"/>
+                <a:cs typeface="Courier New"/>
+              </a:rPr>
+              <a:t>GL_ARB_cl_event</a:t>
+            </a:r>
+            <a:r>
+              <a:rPr lang="en-GB" dirty="0"/>
+              <a:t> extension in OpenGL allows us to create GL sync objects from </a:t>
+            </a:r>
+            <a:r>
+              <a:rPr lang="en-GB" b="1" dirty="0">
+                <a:solidFill>
+                  <a:srgbClr val="3366FF"/>
+                </a:solidFill>
+                <a:latin typeface="Courier New"/>
+                <a:cs typeface="Courier New"/>
+              </a:rPr>
+              <a:t>cl::Event</a:t>
+            </a:r>
+            <a:r>
+              <a:rPr lang="en-GB" dirty="0"/>
+              <a:t> objects</a:t>
+            </a:r>
+          </a:p>
+        </p:txBody>
+      </p:sp>
+    </p:spTree>
+    <p:extLst>
+      <p:ext uri="{BB962C8B-B14F-4D97-AF65-F5344CB8AC3E}">
+        <p14:creationId xmlns:p14="http://schemas.microsoft.com/office/powerpoint/2010/main" val="4093567555"/>
+      </p:ext>
+    </p:extLst>
+  </p:cSld>
+  <p:clrMapOvr>
+    <a:masterClrMapping/>
+  </p:clrMapOvr>
+</p:sld>
+</file>
+
+<file path=ppt/slides/slide15.xml><?xml version="1.0" encoding="utf-8"?>
+<p:sld xmlns:a="http://schemas.openxmlformats.org/drawingml/2006/main" xmlns:r="http://schemas.openxmlformats.org/officeDocument/2006/relationships" xmlns:p="http://schemas.openxmlformats.org/presentationml/2006/main">
+  <p:cSld>
+    <p:spTree>
+      <p:nvGrpSpPr>
+        <p:cNvPr id="1" name=""/>
+        <p:cNvGrpSpPr/>
+        <p:nvPr/>
+      </p:nvGrpSpPr>
+      <p:grpSpPr>
+        <a:xfrm>
+          <a:off x="0" y="0"/>
+          <a:ext cx="0" cy="0"/>
+          <a:chOff x="0" y="0"/>
+          <a:chExt cx="0" cy="0"/>
+        </a:xfrm>
+      </p:grpSpPr>
+      <p:sp>
+        <p:nvSpPr>
+          <p:cNvPr id="2" name="Title 1"/>
+          <p:cNvSpPr>
+            <a:spLocks noGrp="1"/>
+          </p:cNvSpPr>
+          <p:nvPr>
+            <p:ph type="title"/>
+          </p:nvPr>
+        </p:nvSpPr>
+        <p:spPr/>
+        <p:txBody>
+          <a:bodyPr/>
+          <a:lstStyle/>
+          <a:p>
+            <a:r>
+              <a:rPr lang="en-GB" dirty="0" err="1"/>
+              <a:t>cl_khr_gl_event</a:t>
+            </a:r>
+            <a:endParaRPr lang="en-GB" dirty="0"/>
+          </a:p>
+        </p:txBody>
+      </p:sp>
+      <p:sp>
+        <p:nvSpPr>
+          <p:cNvPr id="3" name="Content Placeholder 2"/>
+          <p:cNvSpPr>
+            <a:spLocks noGrp="1"/>
+          </p:cNvSpPr>
+          <p:nvPr>
+            <p:ph idx="1"/>
+          </p:nvPr>
+        </p:nvSpPr>
+        <p:spPr>
+          <a:xfrm>
+            <a:off x="779517" y="1600200"/>
+            <a:ext cx="7506138" cy="4525963"/>
+          </a:xfrm>
+        </p:spPr>
+        <p:txBody>
+          <a:bodyPr>
+            <a:normAutofit fontScale="70000" lnSpcReduction="20000"/>
+          </a:bodyPr>
+          <a:lstStyle/>
+          <a:p>
+            <a:pPr>
+              <a:lnSpc>
+                <a:spcPct val="110000"/>
+              </a:lnSpc>
+            </a:pPr>
+            <a:r>
+              <a:rPr lang="en-GB" dirty="0"/>
+              <a:t>This extension potentially improves performance by removing some of the requirements for explicit synchronization</a:t>
+            </a:r>
+          </a:p>
+          <a:p>
+            <a:pPr>
+              <a:lnSpc>
+                <a:spcPct val="110000"/>
+              </a:lnSpc>
+            </a:pPr>
+            <a:r>
+              <a:rPr lang="en-GB" dirty="0"/>
+              <a:t>Provides guarantees that all pending OpenGL operations are complete upon calling </a:t>
+            </a:r>
+            <a:r>
+              <a:rPr lang="en-GB" b="1" dirty="0" err="1">
+                <a:solidFill>
+                  <a:srgbClr val="3366FF"/>
+                </a:solidFill>
+                <a:latin typeface="Courier New"/>
+                <a:cs typeface="Courier New"/>
+              </a:rPr>
+              <a:t>clEnqueueAcquireGLObjects</a:t>
+            </a:r>
+            <a:endParaRPr lang="en-GB" b="1" dirty="0">
+              <a:solidFill>
+                <a:srgbClr val="3366FF"/>
+              </a:solidFill>
+              <a:latin typeface="Courier New"/>
+              <a:cs typeface="Courier New"/>
+            </a:endParaRPr>
+          </a:p>
+          <a:p>
+            <a:pPr>
+              <a:lnSpc>
+                <a:spcPct val="110000"/>
+              </a:lnSpc>
+            </a:pPr>
+            <a:r>
+              <a:rPr lang="en-GB" dirty="0"/>
+              <a:t>Provides guarantees that all pending OpenCL operations are complete upon calling </a:t>
+            </a:r>
+            <a:r>
+              <a:rPr lang="en-GB" b="1" dirty="0" err="1">
+                <a:solidFill>
+                  <a:srgbClr val="3366FF"/>
+                </a:solidFill>
+                <a:latin typeface="Courier New"/>
+                <a:cs typeface="Courier New"/>
+              </a:rPr>
+              <a:t>clEnqueueReleaseGLObjects</a:t>
+            </a:r>
+            <a:endParaRPr lang="en-GB" b="1" dirty="0">
+              <a:solidFill>
+                <a:srgbClr val="3366FF"/>
+              </a:solidFill>
+              <a:latin typeface="Courier New"/>
+              <a:cs typeface="Courier New"/>
+            </a:endParaRPr>
+          </a:p>
+          <a:p>
+            <a:pPr>
+              <a:lnSpc>
+                <a:spcPct val="110000"/>
+              </a:lnSpc>
+            </a:pPr>
+            <a:r>
+              <a:rPr lang="en-GB" dirty="0"/>
+              <a:t>Also allows us to create </a:t>
+            </a:r>
+            <a:r>
+              <a:rPr lang="en-GB" b="1" dirty="0" err="1">
+                <a:solidFill>
+                  <a:srgbClr val="3366FF"/>
+                </a:solidFill>
+                <a:latin typeface="Courier New"/>
+                <a:cs typeface="Courier New"/>
+              </a:rPr>
+              <a:t>cl_event</a:t>
+            </a:r>
+            <a:r>
+              <a:rPr lang="en-GB" b="1" dirty="0">
+                <a:solidFill>
+                  <a:srgbClr val="3366FF"/>
+                </a:solidFill>
+                <a:latin typeface="Calibri New"/>
+                <a:cs typeface="Calibri New"/>
+              </a:rPr>
+              <a:t> </a:t>
+            </a:r>
+            <a:r>
+              <a:rPr lang="en-GB" dirty="0"/>
+              <a:t>objects from GL sync objects, giving us more control over the synchronization process</a:t>
+            </a:r>
+          </a:p>
+          <a:p>
+            <a:pPr>
+              <a:lnSpc>
+                <a:spcPct val="110000"/>
+              </a:lnSpc>
+            </a:pPr>
+            <a:r>
+              <a:rPr lang="en-GB" dirty="0"/>
+              <a:t>A related </a:t>
+            </a:r>
+            <a:r>
+              <a:rPr lang="en-GB" b="1" dirty="0" err="1">
+                <a:solidFill>
+                  <a:srgbClr val="3366FF"/>
+                </a:solidFill>
+                <a:latin typeface="Courier New"/>
+                <a:cs typeface="Courier New"/>
+              </a:rPr>
+              <a:t>GL_ARB_cl_event</a:t>
+            </a:r>
+            <a:r>
+              <a:rPr lang="en-GB" dirty="0"/>
+              <a:t> extension in OpenGL allows us to create GL sync objects from </a:t>
+            </a:r>
+            <a:r>
+              <a:rPr lang="en-GB" b="1" dirty="0" err="1">
+                <a:solidFill>
+                  <a:srgbClr val="3366FF"/>
+                </a:solidFill>
+                <a:latin typeface="Courier New"/>
+                <a:cs typeface="Courier New"/>
+              </a:rPr>
+              <a:t>cl_event</a:t>
+            </a:r>
+            <a:r>
+              <a:rPr lang="en-GB" dirty="0"/>
+              <a:t> objects</a:t>
+            </a:r>
+          </a:p>
+        </p:txBody>
+      </p:sp>
+    </p:spTree>
+    <p:extLst>
+      <p:ext uri="{BB962C8B-B14F-4D97-AF65-F5344CB8AC3E}">
+        <p14:creationId xmlns:p14="http://schemas.microsoft.com/office/powerpoint/2010/main" val="338051241"/>
+      </p:ext>
+    </p:extLst>
+  </p:cSld>
+  <p:clrMapOvr>
+    <a:masterClrMapping/>
+  </p:clrMapOvr>
+</p:sld>
+</file>
+
+<file path=ppt/slides/slide16.xml><?xml version="1.0" encoding="utf-8"?>
+<p:sld xmlns:a="http://schemas.openxmlformats.org/drawingml/2006/main" xmlns:r="http://schemas.openxmlformats.org/officeDocument/2006/relationships" xmlns:p="http://schemas.openxmlformats.org/presentationml/2006/main">
+  <p:cSld>
+    <p:spTree>
+      <p:nvGrpSpPr>
+        <p:cNvPr id="1" name=""/>
+        <p:cNvGrpSpPr/>
+        <p:nvPr/>
+      </p:nvGrpSpPr>
+      <p:grpSpPr>
+        <a:xfrm>
+          <a:off x="0" y="0"/>
+          <a:ext cx="0" cy="0"/>
+          <a:chOff x="0" y="0"/>
+          <a:chExt cx="0" cy="0"/>
+        </a:xfrm>
+      </p:grpSpPr>
+      <p:sp>
+        <p:nvSpPr>
+          <p:cNvPr id="5" name="Title 4"/>
+          <p:cNvSpPr>
+            <a:spLocks noGrp="1"/>
+          </p:cNvSpPr>
+          <p:nvPr>
+            <p:ph type="title"/>
+          </p:nvPr>
+        </p:nvSpPr>
+        <p:spPr/>
+        <p:txBody>
+          <a:bodyPr/>
+          <a:lstStyle/>
+          <a:p>
+            <a:r>
+              <a:rPr lang="en-US" dirty="0" err="1"/>
+              <a:t>cl_khr_egl_image</a:t>
+            </a:r>
+            <a:endParaRPr lang="en-US" dirty="0"/>
+          </a:p>
+        </p:txBody>
+      </p:sp>
+      <p:sp>
+        <p:nvSpPr>
+          <p:cNvPr id="6" name="Content Placeholder 5"/>
+          <p:cNvSpPr>
+            <a:spLocks noGrp="1"/>
+          </p:cNvSpPr>
+          <p:nvPr>
+            <p:ph idx="1"/>
+          </p:nvPr>
+        </p:nvSpPr>
+        <p:spPr/>
+        <p:txBody>
+          <a:bodyPr>
+            <a:normAutofit fontScale="77500" lnSpcReduction="20000"/>
+          </a:bodyPr>
+          <a:lstStyle/>
+          <a:p>
+            <a:r>
+              <a:rPr lang="en-US" dirty="0"/>
+              <a:t>There may be some platforms which do not support the </a:t>
+            </a:r>
+            <a:r>
+              <a:rPr lang="en-US" b="1" dirty="0" err="1">
+                <a:solidFill>
+                  <a:srgbClr val="3366FF"/>
+                </a:solidFill>
+                <a:latin typeface="Courier New"/>
+                <a:cs typeface="Courier New"/>
+              </a:rPr>
+              <a:t>cl_khr_gl_sharing</a:t>
+            </a:r>
+            <a:r>
+              <a:rPr lang="en-US" dirty="0"/>
+              <a:t> extension, but might provide </a:t>
+            </a:r>
+            <a:r>
+              <a:rPr lang="en-US" b="1" dirty="0" err="1">
+                <a:solidFill>
+                  <a:srgbClr val="3366FF"/>
+                </a:solidFill>
+                <a:latin typeface="Courier New"/>
+                <a:cs typeface="Courier New"/>
+              </a:rPr>
+              <a:t>cl_khr_egl_image</a:t>
+            </a:r>
+            <a:r>
+              <a:rPr lang="en-US" dirty="0"/>
+              <a:t> instead</a:t>
+            </a:r>
+          </a:p>
+          <a:p>
+            <a:r>
+              <a:rPr lang="en-US" dirty="0"/>
+              <a:t>EGL is a </a:t>
+            </a:r>
+            <a:r>
+              <a:rPr lang="en-US" dirty="0" err="1"/>
+              <a:t>Khronos</a:t>
+            </a:r>
+            <a:r>
+              <a:rPr lang="en-US" dirty="0"/>
+              <a:t>-defined interface between OpenGL ES and the native windowing system</a:t>
+            </a:r>
+          </a:p>
+          <a:p>
+            <a:r>
+              <a:rPr lang="en-US" dirty="0"/>
+              <a:t>This allows an EGL image to be shared as an OpenCL image</a:t>
+            </a:r>
+          </a:p>
+          <a:p>
+            <a:r>
+              <a:rPr lang="en-US" dirty="0"/>
+              <a:t>This process is similar to sharing an OpenGL texture as an OpenCL image:</a:t>
+            </a:r>
+          </a:p>
+          <a:p>
+            <a:pPr lvl="1"/>
+            <a:r>
+              <a:rPr lang="en-US" dirty="0"/>
+              <a:t>No special context creation</a:t>
+            </a:r>
+          </a:p>
+          <a:p>
+            <a:pPr lvl="1"/>
+            <a:r>
+              <a:rPr lang="en-US" b="1" dirty="0" err="1">
+                <a:solidFill>
+                  <a:srgbClr val="3366FF"/>
+                </a:solidFill>
+                <a:latin typeface="Courier New"/>
+                <a:cs typeface="Courier New"/>
+              </a:rPr>
+              <a:t>clCreateFromEGLImageKHR</a:t>
+            </a:r>
+            <a:endParaRPr lang="en-US" b="1" dirty="0">
+              <a:solidFill>
+                <a:srgbClr val="3366FF"/>
+              </a:solidFill>
+              <a:latin typeface="Courier New"/>
+              <a:cs typeface="Courier New"/>
+            </a:endParaRPr>
+          </a:p>
+          <a:p>
+            <a:pPr lvl="1"/>
+            <a:r>
+              <a:rPr lang="en-US" b="1" dirty="0" err="1">
+                <a:solidFill>
+                  <a:srgbClr val="3366FF"/>
+                </a:solidFill>
+                <a:latin typeface="Courier New"/>
+                <a:cs typeface="Courier New"/>
+              </a:rPr>
+              <a:t>clEnqueueAcquireEGLObjectsKHR</a:t>
+            </a:r>
+            <a:endParaRPr lang="en-US" b="1" dirty="0">
+              <a:solidFill>
+                <a:srgbClr val="3366FF"/>
+              </a:solidFill>
+              <a:latin typeface="Courier New"/>
+              <a:cs typeface="Courier New"/>
+            </a:endParaRPr>
+          </a:p>
+          <a:p>
+            <a:pPr lvl="1"/>
+            <a:r>
+              <a:rPr lang="en-US" b="1" dirty="0" err="1">
+                <a:solidFill>
+                  <a:srgbClr val="3366FF"/>
+                </a:solidFill>
+                <a:latin typeface="Courier New"/>
+                <a:cs typeface="Courier New"/>
+              </a:rPr>
+              <a:t>clEnqueueReleaseEGLObjectsKHR</a:t>
+            </a:r>
+            <a:endParaRPr lang="en-US" b="1" dirty="0">
+              <a:solidFill>
+                <a:srgbClr val="3366FF"/>
+              </a:solidFill>
+              <a:latin typeface="Courier New"/>
+              <a:cs typeface="Courier New"/>
+            </a:endParaRPr>
+          </a:p>
+          <a:p>
+            <a:pPr lvl="1"/>
+            <a:r>
+              <a:rPr lang="en-US" b="1" dirty="0" err="1">
+                <a:solidFill>
+                  <a:srgbClr val="3366FF"/>
+                </a:solidFill>
+                <a:latin typeface="Courier New"/>
+                <a:cs typeface="Courier New"/>
+              </a:rPr>
+              <a:t>clCreateEventFromEGLSyncKHR</a:t>
+            </a:r>
+            <a:endParaRPr lang="en-US" b="1" dirty="0">
+              <a:solidFill>
+                <a:srgbClr val="3366FF"/>
+              </a:solidFill>
+              <a:latin typeface="Courier New"/>
+              <a:cs typeface="Courier New"/>
+            </a:endParaRPr>
+          </a:p>
+          <a:p>
+            <a:endParaRPr lang="en-US" dirty="0"/>
+          </a:p>
+        </p:txBody>
+      </p:sp>
+    </p:spTree>
+    <p:extLst>
+      <p:ext uri="{BB962C8B-B14F-4D97-AF65-F5344CB8AC3E}">
+        <p14:creationId xmlns:p14="http://schemas.microsoft.com/office/powerpoint/2010/main" val="2578037368"/>
+      </p:ext>
+    </p:extLst>
+  </p:cSld>
+  <p:clrMapOvr>
+    <a:masterClrMapping/>
+  </p:clrMapOvr>
+</p:sld>
+</file>
+
+<file path=ppt/slides/slide17.xml><?xml version="1.0" encoding="utf-8"?>
+<p:sld xmlns:a="http://schemas.openxmlformats.org/drawingml/2006/main" xmlns:r="http://schemas.openxmlformats.org/officeDocument/2006/relationships" xmlns:p="http://schemas.openxmlformats.org/presentationml/2006/main">
+  <p:cSld>
+    <p:spTree>
+      <p:nvGrpSpPr>
+        <p:cNvPr id="1" name=""/>
+        <p:cNvGrpSpPr/>
+        <p:nvPr/>
+      </p:nvGrpSpPr>
+      <p:grpSpPr>
+        <a:xfrm>
+          <a:off x="0" y="0"/>
+          <a:ext cx="0" cy="0"/>
+          <a:chOff x="0" y="0"/>
+          <a:chExt cx="0" cy="0"/>
+        </a:xfrm>
+      </p:grpSpPr>
+      <p:sp>
+        <p:nvSpPr>
+          <p:cNvPr id="2" name="Title 1"/>
+          <p:cNvSpPr>
+            <a:spLocks noGrp="1"/>
+          </p:cNvSpPr>
+          <p:nvPr>
+            <p:ph type="title"/>
+          </p:nvPr>
+        </p:nvSpPr>
+        <p:spPr/>
+        <p:txBody>
+          <a:bodyPr/>
+          <a:lstStyle/>
+          <a:p>
+            <a:r>
+              <a:rPr lang="en-GB"/>
               <a:t>Exercise: </a:t>
             </a:r>
             <a:r>
-              <a:rPr lang="en-GB" dirty="0" smtClean="0"/>
+              <a:rPr lang="en-GB" dirty="0"/>
               <a:t>CL/GL </a:t>
             </a:r>
             <a:r>
-              <a:rPr lang="en-GB" dirty="0" err="1" smtClean="0"/>
+              <a:rPr lang="en-GB" dirty="0" err="1"/>
               <a:t>Interop</a:t>
             </a:r>
             <a:endParaRPr lang="en-GB" dirty="0"/>
@@ -5429,18 +8007,18 @@
               </a:lnSpc>
             </a:pPr>
             <a:r>
-              <a:rPr lang="en-GB" dirty="0" smtClean="0"/>
+              <a:rPr lang="en-GB" dirty="0"/>
               <a:t>Use the code in </a:t>
             </a:r>
             <a:r>
-              <a:rPr lang="en-GB" dirty="0" err="1" smtClean="0">
+              <a:rPr lang="en-GB" dirty="0" err="1">
                 <a:latin typeface="Courier New"/>
                 <a:cs typeface="Courier New"/>
               </a:rPr>
               <a:t>NBody</a:t>
             </a:r>
             <a:r>
-              <a:rPr lang="en-GB" dirty="0" smtClean="0">
+              <a:rPr lang="en-GB" dirty="0">
                 <a:latin typeface="Courier New"/>
                 <a:cs typeface="Courier New"/>
               </a:rPr>
@@ -5454,7 +8032,7 @@
               </a:lnSpc>
             </a:pPr>
             <a:r>
-              <a:rPr lang="en-GB" dirty="0" smtClean="0">
+              <a:rPr lang="en-GB" dirty="0">
                 <a:latin typeface="Trebuchet MS"/>
                 <a:cs typeface="Trebuchet MS"/>
               </a:rPr>
@@ -5468,7 +8046,7 @@
               </a:lnSpc>
             </a:pPr>
             <a:r>
-              <a:rPr lang="en-GB" dirty="0" smtClean="0">
+              <a:rPr lang="en-GB" dirty="0">
                 <a:latin typeface="Trebuchet MS"/>
                 <a:cs typeface="Trebuchet MS"/>
               </a:rPr>
@@ -5482,7 +8060,7 @@
               </a:lnSpc>
             </a:pPr>
             <a:r>
-              <a:rPr lang="en-GB" dirty="0" smtClean="0">
+              <a:rPr lang="en-GB" dirty="0">
                 <a:latin typeface="Trebuchet MS"/>
                 <a:cs typeface="Trebuchet MS"/>
               </a:rPr>
@@ -5496,46 +8074,32 @@
               </a:lnSpc>
             </a:pPr>
             <a:r>
-              <a:rPr lang="en-GB" dirty="0" smtClean="0">
-                <a:latin typeface="Trebuchet MS"/>
-                <a:cs typeface="Trebuchet MS"/>
-              </a:rPr>
-              <a:t>Alternatively, work with the </a:t>
-            </a:r>
-            <a:r>
-              <a:rPr lang="en-GB" dirty="0" err="1">
-                <a:latin typeface="Courier New"/>
-                <a:cs typeface="Courier New"/>
-              </a:rPr>
-              <a:t>NBody</a:t>
-            </a:r>
-            <a:r>
-              <a:rPr lang="en-GB" dirty="0">
-                <a:latin typeface="Courier New"/>
-                <a:cs typeface="Courier New"/>
-              </a:rPr>
-              <a:t>-</a:t>
-            </a:r>
-            <a:r>
-              <a:rPr lang="en-GB" dirty="0" smtClean="0">
-                <a:latin typeface="Courier New"/>
-                <a:cs typeface="Courier New"/>
-              </a:rPr>
-              <a:t>GL-VBO</a:t>
-            </a:r>
-            <a:r>
               <a:rPr lang="en-GB" dirty="0">
                 <a:latin typeface="Trebuchet MS"/>
                 <a:cs typeface="Trebuchet MS"/>
               </a:rPr>
-              <a:t> </a:t>
-            </a:r>
-            <a:r>
-              <a:rPr lang="en-GB" dirty="0" smtClean="0">
+              <a:t>Alternatively, work with the </a:t>
+            </a:r>
+            <a:r>
+              <a:rPr lang="en-GB" dirty="0" err="1">
+                <a:latin typeface="Courier New"/>
+                <a:cs typeface="Courier New"/>
+              </a:rPr>
+              <a:t>NBody</a:t>
+            </a:r>
+            <a:r>
+              <a:rPr lang="en-GB" dirty="0">
+                <a:latin typeface="Courier New"/>
+                <a:cs typeface="Courier New"/>
+              </a:rPr>
+              <a:t>-GL-VBO</a:t>
+            </a:r>
+            <a:r>
+              <a:rPr lang="en-GB" dirty="0">
                 <a:latin typeface="Trebuchet MS"/>
                 <a:cs typeface="Trebuchet MS"/>
               </a:rPr>
-              <a:t>version, which shares the body positions as a GL vertex buffer, and renders using GLSL</a:t>
+              <a:t> version, which shares the body positions as a GL vertex buffer, and renders using GLSL</a:t>
             </a:r>
           </a:p>
           <a:p>
@@ -5545,7 +8109,7 @@
               </a:lnSpc>
             </a:pPr>
             <a:r>
-              <a:rPr lang="en-GB" dirty="0" smtClean="0">
+              <a:rPr lang="en-GB" dirty="0">
                 <a:latin typeface="Trebuchet MS"/>
                 <a:cs typeface="Trebuchet MS"/>
               </a:rPr>
@@ -5559,7 +8123,7 @@
               </a:lnSpc>
             </a:pPr>
             <a:r>
-              <a:rPr lang="en-GB" dirty="0" smtClean="0">
+              <a:rPr lang="en-GB" dirty="0">
                 <a:latin typeface="Trebuchet MS"/>
                 <a:cs typeface="Trebuchet MS"/>
               </a:rPr>
@@ -5573,7 +8137,7 @@
               </a:lnSpc>
             </a:pPr>
             <a:r>
-              <a:rPr lang="en-GB" dirty="0" smtClean="0">
+              <a:rPr lang="en-GB" dirty="0">
                 <a:latin typeface="Trebuchet MS"/>
                 <a:cs typeface="Trebuchet MS"/>
               </a:rPr>
@@ -5587,7 +8151,7 @@
               </a:lnSpc>
             </a:pPr>
             <a:r>
-              <a:rPr lang="en-GB" dirty="0" smtClean="0">
+              <a:rPr lang="en-GB" dirty="0">
                 <a:latin typeface="Trebuchet MS"/>
                 <a:cs typeface="Trebuchet MS"/>
               </a:rPr>
@@ -5601,7 +8165,7 @@
               </a:lnSpc>
             </a:pPr>
             <a:r>
-              <a:rPr lang="en-GB" dirty="0" smtClean="0">
+              <a:rPr lang="en-GB" dirty="0">
                 <a:latin typeface="Trebuchet MS"/>
                 <a:cs typeface="Trebuchet MS"/>
               </a:rPr>
@@ -5615,7 +8179,7 @@
               </a:lnSpc>
             </a:pPr>
             <a:r>
-              <a:rPr lang="en-GB" dirty="0" smtClean="0">
+              <a:rPr lang="en-GB" dirty="0">
                 <a:latin typeface="Trebuchet MS"/>
                 <a:cs typeface="Trebuchet MS"/>
               </a:rPr>
@@ -5629,7 +8193,7 @@
               </a:lnSpc>
             </a:pPr>
             <a:r>
-              <a:rPr lang="en-GB" b="1" dirty="0" smtClean="0">
+              <a:rPr lang="en-GB" b="1" dirty="0">
                 <a:solidFill>
                   <a:srgbClr val="FF0000"/>
                 </a:solidFill>
@@ -5639,7 +8203,7 @@
               <a:t>NOTE</a:t>
             </a:r>
             <a:r>
-              <a:rPr lang="en-GB" dirty="0" smtClean="0">
+              <a:rPr lang="en-GB" dirty="0">
                 <a:latin typeface="Trebuchet MS"/>
                 <a:cs typeface="Trebuchet MS"/>
               </a:rPr>
@@ -5658,13 +8222,6 @@
   <p:clrMapOvr>
     <a:masterClrMapping/>
   </p:clrMapOvr>
-  <p:timing>
-    <p:tnLst>
-      <p:par>
-        <p:cTn xmlns:p14="http://schemas.microsoft.com/office/powerpoint/2010/main" id="1" dur="indefinite" restart="never" nodeType="tmRoot"/>
-      </p:par>
-    </p:tnLst>
-  </p:timing>
 </p:sld>
 </file>
 
@@ -5701,10 +8258,9 @@
           <a:lstStyle/>
           <a:p>
             <a:r>
-              <a:rPr lang="en-US" dirty="0" smtClean="0"/>
+              <a:rPr lang="en-US" dirty="0"/>
               <a:t>OpenGL &amp; OpenCL</a:t>
             </a:r>
-            <a:endParaRPr lang="en-US" dirty="0"/>
           </a:p>
         </p:txBody>
       </p:sp>
@@ -5726,26 +8282,25 @@
           <a:lstStyle/>
           <a:p>
             <a:r>
-              <a:rPr lang="en-US" smtClean="0"/>
+              <a:rPr lang="en-US"/>
               <a:t>Khronos has specified </a:t>
             </a:r>
             <a:r>
-              <a:rPr lang="en-US" dirty="0" smtClean="0"/>
+              <a:rPr lang="en-US" dirty="0"/>
               <a:t>a method of interoperation between CL and GL</a:t>
             </a:r>
           </a:p>
           <a:p>
             <a:r>
-              <a:rPr lang="en-US" dirty="0" smtClean="0"/>
+              <a:rPr lang="en-US" dirty="0"/>
               <a:t>Some details are platform specific, because of OpenGL</a:t>
             </a:r>
           </a:p>
           <a:p>
             <a:r>
-              <a:rPr lang="en-US" dirty="0" smtClean="0"/>
+              <a:rPr lang="en-US" dirty="0"/>
               <a:t>It can be used to combine compute and visualization, without any data movement overheads (although it requires extra synchronization)</a:t>
             </a:r>
-            <a:endParaRPr lang="en-US" dirty="0"/>
           </a:p>
         </p:txBody>
       </p:sp>
@@ -5807,13 +8362,6 @@
   <p:clrMapOvr>
     <a:masterClrMapping/>
   </p:clrMapOvr>
-  <p:timing>
-    <p:tnLst>
-      <p:par>
-        <p:cTn xmlns:p14="http://schemas.microsoft.com/office/powerpoint/2010/main" id="1" dur="indefinite" restart="never" nodeType="tmRoot"/>
-      </p:par>
-    </p:tnLst>
-  </p:timing>
 </p:sld>
 </file>
 
@@ -5850,18 +8398,17 @@
           <a:lstStyle/>
           <a:p>
             <a:r>
-              <a:rPr lang="en-GB" dirty="0" smtClean="0"/>
+              <a:rPr lang="en-GB" dirty="0"/>
               <a:t>CL/GL </a:t>
             </a:r>
             <a:r>
-              <a:rPr lang="en-GB" dirty="0" err="1" smtClean="0"/>
+              <a:rPr lang="en-GB" dirty="0" err="1"/>
               <a:t>Interop</a:t>
             </a:r>
             <a:r>
-              <a:rPr lang="en-GB" dirty="0" smtClean="0"/>
+              <a:rPr lang="en-GB" dirty="0"/>
               <a:t>. Overview</a:t>
             </a:r>
-            <a:endParaRPr lang="en-GB" dirty="0"/>
           </a:p>
         </p:txBody>
       </p:sp>
@@ -5883,48 +8430,47 @@
           <a:lstStyle/>
           <a:p>
             <a:r>
-              <a:rPr lang="en-GB" dirty="0" smtClean="0"/>
+              <a:rPr lang="en-GB" dirty="0"/>
               <a:t>Initialize OpenGL as normal</a:t>
             </a:r>
           </a:p>
           <a:p>
             <a:r>
-              <a:rPr lang="en-GB" dirty="0" smtClean="0"/>
+              <a:rPr lang="en-GB" dirty="0"/>
               <a:t>Create an OpenCL context with OpenGL sharing enabled</a:t>
             </a:r>
           </a:p>
           <a:p>
             <a:r>
-              <a:rPr lang="en-GB" dirty="0" smtClean="0"/>
+              <a:rPr lang="en-GB" dirty="0"/>
               <a:t>Create OpenGL texture/buffer objects</a:t>
             </a:r>
           </a:p>
           <a:p>
             <a:r>
-              <a:rPr lang="en-GB" dirty="0" smtClean="0"/>
+              <a:rPr lang="en-GB" dirty="0"/>
               <a:t>Create </a:t>
             </a:r>
             <a:r>
-              <a:rPr lang="en-GB" dirty="0" err="1" smtClean="0"/>
+              <a:rPr lang="en-GB" dirty="0" err="1"/>
               <a:t>OpenCL</a:t>
             </a:r>
             <a:r>
-              <a:rPr lang="en-GB" dirty="0" smtClean="0"/>
+              <a:rPr lang="en-GB" dirty="0"/>
               <a:t> image/buffer objects from the OpenGL texture/buffer objects</a:t>
             </a:r>
           </a:p>
           <a:p>
             <a:r>
-              <a:rPr lang="en-GB" dirty="0" smtClean="0"/>
+              <a:rPr lang="en-GB" dirty="0"/>
               <a:t>Acquire ownership of the object in OpenCL before using it, and release ownership when finished</a:t>
             </a:r>
           </a:p>
           <a:p>
             <a:r>
-              <a:rPr lang="en-GB" dirty="0" smtClean="0"/>
+              <a:rPr lang="en-GB" dirty="0"/>
               <a:t>Render textures/buffers from GL as usual</a:t>
             </a:r>
-            <a:endParaRPr lang="en-GB" dirty="0"/>
           </a:p>
         </p:txBody>
       </p:sp>
@@ -5938,13 +8484,6 @@
   <p:clrMapOvr>
     <a:masterClrMapping/>
   </p:clrMapOvr>
-  <p:timing>
-    <p:tnLst>
-      <p:par>
-        <p:cTn xmlns:p14="http://schemas.microsoft.com/office/powerpoint/2010/main" id="1" dur="indefinite" restart="never" nodeType="tmRoot"/>
-      </p:par>
-    </p:tnLst>
-  </p:timing>
 </p:sld>
 </file>
 
@@ -5981,10 +8520,9 @@
           <a:lstStyle/>
           <a:p>
             <a:r>
-              <a:rPr lang="en-US" dirty="0" smtClean="0"/>
+              <a:rPr lang="en-US" dirty="0"/>
               <a:t>OpenGL Setup</a:t>
             </a:r>
-            <a:endParaRPr lang="en-US" dirty="0"/>
           </a:p>
         </p:txBody>
       </p:sp>
@@ -6006,43 +8544,35 @@
           <a:lstStyle/>
           <a:p>
             <a:r>
-              <a:rPr lang="en-US" dirty="0" smtClean="0"/>
-              <a:t>This is platform specific, </a:t>
-            </a:r>
-            <a:r>
               <a:rPr lang="en-US" dirty="0"/>
-              <a:t>a</a:t>
-            </a:r>
-            <a:r>
-              <a:rPr lang="en-US" dirty="0" smtClean="0"/>
-              <a:t>lthough libraries like SDL, </a:t>
-            </a:r>
-            <a:r>
-              <a:rPr lang="en-US" dirty="0" err="1" smtClean="0"/>
+              <a:t>This is platform specific, although libraries like SDL, </a:t>
+            </a:r>
+            <a:r>
+              <a:rPr lang="en-US" dirty="0" err="1"/>
               <a:t>glfw</a:t>
             </a:r>
             <a:r>
-              <a:rPr lang="en-US" dirty="0" smtClean="0"/>
+              <a:rPr lang="en-US" dirty="0"/>
               <a:t>, and glut can make this much simpler</a:t>
             </a:r>
           </a:p>
           <a:p>
             <a:r>
-              <a:rPr lang="en-US" dirty="0" smtClean="0"/>
+              <a:rPr lang="en-US" dirty="0"/>
               <a:t>OpenGL initialization needs nothing special</a:t>
             </a:r>
           </a:p>
           <a:p>
             <a:pPr lvl="1"/>
             <a:r>
-              <a:rPr lang="en-US" dirty="0" smtClean="0"/>
+              <a:rPr lang="en-US" dirty="0"/>
               <a:t>Create a rendering context</a:t>
             </a:r>
           </a:p>
           <a:p>
             <a:pPr lvl="1"/>
             <a:r>
-              <a:rPr lang="en-US" dirty="0" smtClean="0"/>
+              <a:rPr lang="en-US" dirty="0"/>
               <a:t>Create texture/buffer objects</a:t>
             </a:r>
           </a:p>
@@ -6082,13 +8612,6 @@
   <p:clrMapOvr>
     <a:masterClrMapping/>
   </p:clrMapOvr>
-  <p:timing>
-    <p:tnLst>
-      <p:par>
-        <p:cTn xmlns:p14="http://schemas.microsoft.com/office/powerpoint/2010/main" id="1" dur="indefinite" restart="never" nodeType="tmRoot"/>
-      </p:par>
-    </p:tnLst>
-  </p:timing>
 </p:sld>
 </file>
 
@@ -6125,10 +8648,9 @@
           <a:lstStyle/>
           <a:p>
             <a:r>
-              <a:rPr lang="en-US" dirty="0" smtClean="0"/>
+              <a:rPr lang="en-US" dirty="0"/>
               <a:t>Setting up SDL and OpenGL</a:t>
             </a:r>
-            <a:endParaRPr lang="en-US" dirty="0"/>
           </a:p>
         </p:txBody>
       </p:sp>
@@ -6152,7 +8674,7 @@
               <a:buChar char="•"/>
             </a:pPr>
             <a:r>
-              <a:rPr lang="en-US" dirty="0" smtClean="0"/>
+              <a:rPr lang="en-US" dirty="0"/>
               <a:t>The first snippet sets up SDL, creates a window, and initializes an OpenGL context for that window.</a:t>
             </a:r>
           </a:p>
@@ -6183,15 +8705,6 @@
             <a:pPr marL="0" indent="0">
               <a:buNone/>
             </a:pPr>
-            <a:endParaRPr lang="en-US" sz="1200" b="1" dirty="0" smtClean="0">
-              <a:latin typeface="Courier New"/>
-              <a:cs typeface="Courier New"/>
-            </a:endParaRPr>
-          </a:p>
-          <a:p>
-            <a:pPr marL="0" indent="0">
-              <a:buNone/>
-            </a:pPr>
             <a:endParaRPr lang="en-US" sz="1200" b="1" dirty="0">
               <a:latin typeface="Courier New"/>
               <a:cs typeface="Courier New"/>
@@ -6201,15 +8714,6 @@
             <a:pPr marL="0" indent="0">
               <a:buNone/>
             </a:pPr>
-            <a:endParaRPr lang="en-US" sz="1200" b="1" dirty="0" smtClean="0">
-              <a:latin typeface="Courier New"/>
-              <a:cs typeface="Courier New"/>
-            </a:endParaRPr>
-          </a:p>
-          <a:p>
-            <a:pPr marL="0" indent="0">
-              <a:buNone/>
-            </a:pPr>
             <a:endParaRPr lang="en-US" sz="1200" b="1" dirty="0">
               <a:latin typeface="Courier New"/>
               <a:cs typeface="Courier New"/>
@@ -6219,15 +8723,6 @@
             <a:pPr marL="0" indent="0">
               <a:buNone/>
             </a:pPr>
-            <a:endParaRPr lang="en-US" sz="1200" b="1" dirty="0" smtClean="0">
-              <a:latin typeface="Courier New"/>
-              <a:cs typeface="Courier New"/>
-            </a:endParaRPr>
-          </a:p>
-          <a:p>
-            <a:pPr marL="0" indent="0">
-              <a:buNone/>
-            </a:pPr>
             <a:endParaRPr lang="en-US" sz="1200" b="1" dirty="0">
               <a:latin typeface="Courier New"/>
               <a:cs typeface="Courier New"/>
@@ -6237,145 +8732,6 @@
             <a:pPr marL="0" indent="0">
               <a:buNone/>
             </a:pPr>
-            <a:r>
-              <a:rPr lang="en-US" sz="1200" b="1" dirty="0" err="1" smtClean="0">
-                <a:solidFill>
-                  <a:srgbClr val="3366FF"/>
-                </a:solidFill>
-                <a:latin typeface="Courier New"/>
-                <a:cs typeface="Courier New"/>
-              </a:rPr>
-              <a:t>SDL_Init</a:t>
-            </a:r>
-            <a:r>
-              <a:rPr lang="en-US" sz="1200" b="1" dirty="0">
-                <a:latin typeface="Courier New"/>
-                <a:cs typeface="Courier New"/>
-              </a:rPr>
-              <a:t>(SDL_INIT_VIDEO);</a:t>
-            </a:r>
-          </a:p>
-          <a:p>
-            <a:pPr marL="0" indent="0">
-              <a:buNone/>
-            </a:pPr>
-            <a:r>
-              <a:rPr lang="en-US" sz="1200" b="1" dirty="0" err="1" smtClean="0">
-                <a:solidFill>
-                  <a:srgbClr val="3366FF"/>
-                </a:solidFill>
-                <a:latin typeface="Courier New"/>
-                <a:cs typeface="Courier New"/>
-              </a:rPr>
-              <a:t>SDL_GL_SetAttribute</a:t>
-            </a:r>
-            <a:r>
-              <a:rPr lang="en-US" sz="1200" b="1" dirty="0">
-                <a:latin typeface="Courier New"/>
-                <a:cs typeface="Courier New"/>
-              </a:rPr>
-              <a:t>(SDL_GL_CONTEXT_MAJOR_VERSION, </a:t>
-            </a:r>
-            <a:r>
-              <a:rPr lang="en-US" sz="1200" b="1" dirty="0">
-                <a:solidFill>
-                  <a:srgbClr val="FF00FF"/>
-                </a:solidFill>
-                <a:latin typeface="Courier New"/>
-                <a:cs typeface="Courier New"/>
-              </a:rPr>
-              <a:t>2</a:t>
-            </a:r>
-            <a:r>
-              <a:rPr lang="en-US" sz="1200" b="1" dirty="0">
-                <a:latin typeface="Courier New"/>
-                <a:cs typeface="Courier New"/>
-              </a:rPr>
-              <a:t>);</a:t>
-            </a:r>
-          </a:p>
-          <a:p>
-            <a:pPr marL="0" indent="0">
-              <a:buNone/>
-            </a:pPr>
-            <a:r>
-              <a:rPr lang="en-US" sz="1200" b="1" dirty="0" err="1" smtClean="0">
-                <a:solidFill>
-                  <a:srgbClr val="3366FF"/>
-                </a:solidFill>
-                <a:latin typeface="Courier New"/>
-                <a:cs typeface="Courier New"/>
-              </a:rPr>
-              <a:t>SDL_GL_SetAttribute</a:t>
-            </a:r>
-            <a:r>
-              <a:rPr lang="en-US" sz="1200" b="1" dirty="0">
-                <a:latin typeface="Courier New"/>
-                <a:cs typeface="Courier New"/>
-              </a:rPr>
-              <a:t>(SDL_GL_CONTEXT_MINOR_VERSION, </a:t>
-            </a:r>
-            <a:r>
-              <a:rPr lang="en-US" sz="1200" b="1" dirty="0">
-                <a:solidFill>
-                  <a:srgbClr val="FF00FF"/>
-                </a:solidFill>
-                <a:latin typeface="Courier New"/>
-                <a:cs typeface="Courier New"/>
-              </a:rPr>
-              <a:t>1</a:t>
-            </a:r>
-            <a:r>
-              <a:rPr lang="en-US" sz="1200" b="1" dirty="0">
-                <a:latin typeface="Courier New"/>
-                <a:cs typeface="Courier New"/>
-              </a:rPr>
-              <a:t>);</a:t>
-            </a:r>
-          </a:p>
-          <a:p>
-            <a:pPr marL="0" indent="0">
-              <a:buNone/>
-            </a:pPr>
-            <a:r>
-              <a:rPr lang="en-US" sz="1200" b="1" dirty="0" err="1" smtClean="0">
-                <a:solidFill>
-                  <a:srgbClr val="3366FF"/>
-                </a:solidFill>
-                <a:latin typeface="Courier New"/>
-                <a:cs typeface="Courier New"/>
-              </a:rPr>
-              <a:t>SDL_GL_SetAttribute</a:t>
-            </a:r>
-            <a:r>
-              <a:rPr lang="en-US" sz="1200" b="1" dirty="0">
-                <a:latin typeface="Courier New"/>
-                <a:cs typeface="Courier New"/>
-              </a:rPr>
-              <a:t>(SDL_GL_DOUBLEBUFFER, </a:t>
-            </a:r>
-            <a:r>
-              <a:rPr lang="en-US" sz="1200" b="1" dirty="0">
-                <a:solidFill>
-                  <a:srgbClr val="FF00FF"/>
-                </a:solidFill>
-                <a:latin typeface="Courier New"/>
-                <a:cs typeface="Courier New"/>
-              </a:rPr>
-              <a:t>1</a:t>
-            </a:r>
-            <a:r>
-              <a:rPr lang="en-US" sz="1200" b="1" dirty="0">
-                <a:latin typeface="Courier New"/>
-                <a:cs typeface="Courier New"/>
-              </a:rPr>
-              <a:t>);</a:t>
-            </a:r>
-          </a:p>
-          <a:p>
-            <a:pPr marL="0" indent="0">
-              <a:buNone/>
-            </a:pPr>
             <a:endParaRPr lang="en-US" sz="1200" b="1" dirty="0">
               <a:latin typeface="Courier New"/>
               <a:cs typeface="Courier New"/>
@@ -6385,217 +8741,6 @@
             <a:pPr marL="0" indent="0">
               <a:buNone/>
             </a:pPr>
-            <a:r>
-              <a:rPr lang="en-US" sz="1200" b="1" dirty="0" err="1" smtClean="0">
-                <a:latin typeface="Courier New"/>
-                <a:cs typeface="Courier New"/>
-              </a:rPr>
-              <a:t>mainWindow</a:t>
-            </a:r>
-            <a:r>
-              <a:rPr lang="en-US" sz="1200" b="1" dirty="0" smtClean="0">
-                <a:latin typeface="Courier New"/>
-                <a:cs typeface="Courier New"/>
-              </a:rPr>
-              <a:t> </a:t>
-            </a:r>
-            <a:r>
-              <a:rPr lang="en-US" sz="1200" b="1" dirty="0">
-                <a:latin typeface="Courier New"/>
-                <a:cs typeface="Courier New"/>
-              </a:rPr>
-              <a:t>= </a:t>
-            </a:r>
-            <a:r>
-              <a:rPr lang="en-US" sz="1200" b="1" dirty="0" err="1" smtClean="0">
-                <a:solidFill>
-                  <a:srgbClr val="3366FF"/>
-                </a:solidFill>
-                <a:latin typeface="Courier New"/>
-                <a:cs typeface="Courier New"/>
-              </a:rPr>
-              <a:t>SDL_CreateWindow</a:t>
-            </a:r>
-            <a:r>
-              <a:rPr lang="en-US" sz="1200" b="1" dirty="0" smtClean="0">
-                <a:latin typeface="Courier New"/>
-                <a:cs typeface="Courier New"/>
-              </a:rPr>
-              <a:t>(</a:t>
-            </a:r>
-          </a:p>
-          <a:p>
-            <a:pPr marL="0" indent="0">
-              <a:buNone/>
-            </a:pPr>
-            <a:r>
-              <a:rPr lang="en-US" sz="1200" b="1" dirty="0" smtClean="0">
-                <a:latin typeface="Courier New"/>
-                <a:cs typeface="Courier New"/>
-              </a:rPr>
-              <a:t>  </a:t>
-            </a:r>
-            <a:r>
-              <a:rPr lang="en-US" sz="1200" b="1" dirty="0" smtClean="0">
-                <a:solidFill>
-                  <a:schemeClr val="accent5"/>
-                </a:solidFill>
-                <a:latin typeface="Courier New"/>
-                <a:cs typeface="Courier New"/>
-              </a:rPr>
-              <a:t>"</a:t>
-            </a:r>
-            <a:r>
-              <a:rPr lang="en-US" sz="1200" b="1" dirty="0" err="1">
-                <a:solidFill>
-                  <a:schemeClr val="accent5"/>
-                </a:solidFill>
-                <a:latin typeface="Courier New"/>
-                <a:cs typeface="Courier New"/>
-              </a:rPr>
-              <a:t>clgl</a:t>
-            </a:r>
-            <a:r>
-              <a:rPr lang="en-US" sz="1200" b="1" dirty="0">
-                <a:solidFill>
-                  <a:schemeClr val="accent5"/>
-                </a:solidFill>
-                <a:latin typeface="Courier New"/>
-                <a:cs typeface="Courier New"/>
-              </a:rPr>
-              <a:t>-example"</a:t>
-            </a:r>
-            <a:r>
-              <a:rPr lang="en-US" sz="1200" b="1" dirty="0">
-                <a:latin typeface="Courier New"/>
-                <a:cs typeface="Courier New"/>
-              </a:rPr>
-              <a:t>, </a:t>
-            </a:r>
-            <a:r>
-              <a:rPr lang="en-US" sz="1200" b="1" dirty="0">
-                <a:solidFill>
-                  <a:srgbClr val="FF00FF"/>
-                </a:solidFill>
-                <a:latin typeface="Courier New"/>
-                <a:cs typeface="Courier New"/>
-              </a:rPr>
-              <a:t>-1</a:t>
-            </a:r>
-            <a:r>
-              <a:rPr lang="en-US" sz="1200" b="1" dirty="0">
-                <a:latin typeface="Courier New"/>
-                <a:cs typeface="Courier New"/>
-              </a:rPr>
-              <a:t>, </a:t>
-            </a:r>
-            <a:r>
-              <a:rPr lang="en-US" sz="1200" b="1" dirty="0">
-                <a:solidFill>
-                  <a:srgbClr val="FF00FF"/>
-                </a:solidFill>
-                <a:latin typeface="Courier New"/>
-                <a:cs typeface="Courier New"/>
-              </a:rPr>
-              <a:t>-1</a:t>
-            </a:r>
-            <a:r>
-              <a:rPr lang="en-US" sz="1200" b="1" dirty="0">
-                <a:latin typeface="Courier New"/>
-                <a:cs typeface="Courier New"/>
-              </a:rPr>
-              <a:t>,</a:t>
-            </a:r>
-          </a:p>
-          <a:p>
-            <a:pPr marL="0" indent="0">
-              <a:buNone/>
-            </a:pPr>
-            <a:r>
-              <a:rPr lang="en-US" sz="1200" b="1" dirty="0" smtClean="0">
-                <a:latin typeface="Courier New"/>
-                <a:cs typeface="Courier New"/>
-              </a:rPr>
-              <a:t>  </a:t>
-            </a:r>
-            <a:r>
-              <a:rPr lang="en-US" sz="1200" b="1" dirty="0" err="1">
-                <a:latin typeface="Courier New"/>
-                <a:cs typeface="Courier New"/>
-              </a:rPr>
-              <a:t>windowWidth</a:t>
-            </a:r>
-            <a:r>
-              <a:rPr lang="en-US" sz="1200" b="1" dirty="0">
-                <a:latin typeface="Courier New"/>
-                <a:cs typeface="Courier New"/>
-              </a:rPr>
-              <a:t>, </a:t>
-            </a:r>
-            <a:r>
-              <a:rPr lang="en-US" sz="1200" b="1" dirty="0" err="1">
-                <a:latin typeface="Courier New"/>
-                <a:cs typeface="Courier New"/>
-              </a:rPr>
-              <a:t>windowHeight</a:t>
-            </a:r>
-            <a:r>
-              <a:rPr lang="en-US" sz="1200" b="1" dirty="0">
-                <a:latin typeface="Courier New"/>
-                <a:cs typeface="Courier New"/>
-              </a:rPr>
-              <a:t>, </a:t>
-            </a:r>
-          </a:p>
-          <a:p>
-            <a:pPr marL="0" indent="0">
-              <a:buNone/>
-            </a:pPr>
-            <a:r>
-              <a:rPr lang="en-US" sz="1200" b="1" dirty="0">
-                <a:latin typeface="Courier New"/>
-                <a:cs typeface="Courier New"/>
-              </a:rPr>
-              <a:t>  </a:t>
-            </a:r>
-            <a:r>
-              <a:rPr lang="en-US" sz="1200" b="1" dirty="0" smtClean="0">
-                <a:latin typeface="Courier New"/>
-                <a:cs typeface="Courier New"/>
-              </a:rPr>
-              <a:t>SDL_WINDOW_OPENGL </a:t>
-            </a:r>
-            <a:r>
-              <a:rPr lang="en-US" sz="1200" b="1" dirty="0">
-                <a:latin typeface="Courier New"/>
-                <a:cs typeface="Courier New"/>
-              </a:rPr>
-              <a:t>| SDL_WINDOW_SHOWN</a:t>
-            </a:r>
-          </a:p>
-          <a:p>
-            <a:pPr marL="0" indent="0">
-              <a:buNone/>
-            </a:pPr>
-            <a:r>
-              <a:rPr lang="en-US" sz="1200" b="1" dirty="0" smtClean="0">
-                <a:latin typeface="Courier New"/>
-                <a:cs typeface="Courier New"/>
-              </a:rPr>
-              <a:t>)</a:t>
-            </a:r>
-            <a:r>
-              <a:rPr lang="en-US" sz="1200" b="1" dirty="0">
-                <a:latin typeface="Courier New"/>
-                <a:cs typeface="Courier New"/>
-              </a:rPr>
-              <a:t>;</a:t>
-            </a:r>
-          </a:p>
-          <a:p>
-            <a:pPr marL="0" indent="0">
-              <a:buNone/>
-            </a:pPr>
             <a:endParaRPr lang="en-US" sz="1200" b="1" dirty="0">
               <a:latin typeface="Courier New"/>
               <a:cs typeface="Courier New"/>
@@ -6605,26 +8750,368 @@
             <a:pPr marL="0" indent="0">
               <a:buNone/>
             </a:pPr>
-            <a:r>
-              <a:rPr lang="en-US" sz="1200" b="1" dirty="0" err="1" smtClean="0">
+            <a:endParaRPr lang="en-US" sz="1200" b="1" dirty="0">
+              <a:latin typeface="Courier New"/>
+              <a:cs typeface="Courier New"/>
+            </a:endParaRPr>
+          </a:p>
+          <a:p>
+            <a:pPr marL="0" indent="0">
+              <a:buNone/>
+            </a:pPr>
+            <a:r>
+              <a:rPr lang="en-US" sz="1200" b="1" dirty="0" err="1">
+                <a:solidFill>
+                  <a:srgbClr val="3366FF"/>
+                </a:solidFill>
+                <a:latin typeface="Courier New"/>
+                <a:cs typeface="Courier New"/>
+              </a:rPr>
+              <a:t>SDL_Init</a:t>
+            </a:r>
+            <a:r>
+              <a:rPr lang="en-US" sz="1200" b="1" dirty="0">
+                <a:latin typeface="Courier New"/>
+                <a:cs typeface="Courier New"/>
+              </a:rPr>
+              <a:t>(SDL_INIT_VIDEO);</a:t>
+            </a:r>
+          </a:p>
+          <a:p>
+            <a:pPr marL="0" indent="0">
+              <a:buNone/>
+            </a:pPr>
+            <a:r>
+              <a:rPr lang="en-US" sz="1200" b="1" dirty="0" err="1">
+                <a:solidFill>
+                  <a:srgbClr val="3366FF"/>
+                </a:solidFill>
+                <a:latin typeface="Courier New"/>
+                <a:cs typeface="Courier New"/>
+              </a:rPr>
+              <a:t>SDL_GL_SetAttribute</a:t>
+            </a:r>
+            <a:r>
+              <a:rPr lang="en-US" sz="1200" b="1" dirty="0">
+                <a:latin typeface="Courier New"/>
+                <a:cs typeface="Courier New"/>
+              </a:rPr>
+              <a:t>(SDL_GL_CONTEXT_MAJOR_VERSION, </a:t>
+            </a:r>
+            <a:r>
+              <a:rPr lang="en-US" sz="1200" b="1" dirty="0">
+                <a:solidFill>
+                  <a:srgbClr val="FF00FF"/>
+                </a:solidFill>
+                <a:latin typeface="Courier New"/>
+                <a:cs typeface="Courier New"/>
+              </a:rPr>
+              <a:t>2</a:t>
+            </a:r>
+            <a:r>
+              <a:rPr lang="en-US" sz="1200" b="1" dirty="0">
+                <a:latin typeface="Courier New"/>
+                <a:cs typeface="Courier New"/>
+              </a:rPr>
+              <a:t>);</a:t>
+            </a:r>
+          </a:p>
+          <a:p>
+            <a:pPr marL="0" indent="0">
+              <a:buNone/>
+            </a:pPr>
+            <a:r>
+              <a:rPr lang="en-US" sz="1200" b="1" dirty="0" err="1">
+                <a:solidFill>
+                  <a:srgbClr val="3366FF"/>
+                </a:solidFill>
+                <a:latin typeface="Courier New"/>
+                <a:cs typeface="Courier New"/>
+              </a:rPr>
+              <a:t>SDL_GL_SetAttribute</a:t>
+            </a:r>
+            <a:r>
+              <a:rPr lang="en-US" sz="1200" b="1" dirty="0">
+                <a:latin typeface="Courier New"/>
+                <a:cs typeface="Courier New"/>
+              </a:rPr>
+              <a:t>(SDL_GL_CONTEXT_MINOR_VERSION, </a:t>
+            </a:r>
+            <a:r>
+              <a:rPr lang="en-US" sz="1200" b="1" dirty="0">
+                <a:solidFill>
+                  <a:srgbClr val="FF00FF"/>
+                </a:solidFill>
+                <a:latin typeface="Courier New"/>
+                <a:cs typeface="Courier New"/>
+              </a:rPr>
+              <a:t>1</a:t>
+            </a:r>
+            <a:r>
+              <a:rPr lang="en-US" sz="1200" b="1" dirty="0">
+                <a:latin typeface="Courier New"/>
+                <a:cs typeface="Courier New"/>
+              </a:rPr>
+              <a:t>);</a:t>
+            </a:r>
+          </a:p>
+          <a:p>
+            <a:pPr marL="0" indent="0">
+              <a:buNone/>
+            </a:pPr>
+            <a:r>
+              <a:rPr lang="en-US" sz="1200" b="1" dirty="0" err="1">
+                <a:solidFill>
+                  <a:srgbClr val="3366FF"/>
+                </a:solidFill>
+                <a:latin typeface="Courier New"/>
+                <a:cs typeface="Courier New"/>
+              </a:rPr>
+              <a:t>SDL_GL_SetAttribute</a:t>
+            </a:r>
+            <a:r>
+              <a:rPr lang="en-US" sz="1200" b="1" dirty="0">
+                <a:latin typeface="Courier New"/>
+                <a:cs typeface="Courier New"/>
+              </a:rPr>
+              <a:t>(SDL_GL_DOUBLEBUFFER, </a:t>
+            </a:r>
+            <a:r>
+              <a:rPr lang="en-US" sz="1200" b="1" dirty="0">
+                <a:solidFill>
+                  <a:srgbClr val="FF00FF"/>
+                </a:solidFill>
+                <a:latin typeface="Courier New"/>
+                <a:cs typeface="Courier New"/>
+              </a:rPr>
+              <a:t>1</a:t>
+            </a:r>
+            <a:r>
+              <a:rPr lang="en-US" sz="1200" b="1" dirty="0">
+                <a:latin typeface="Courier New"/>
+                <a:cs typeface="Courier New"/>
+              </a:rPr>
+              <a:t>);</a:t>
+            </a:r>
+          </a:p>
+          <a:p>
+            <a:pPr marL="0" indent="0">
+              <a:buNone/>
+            </a:pPr>
+            <a:endParaRPr lang="en-US" sz="1200" b="1" dirty="0">
+              <a:latin typeface="Courier New"/>
+              <a:cs typeface="Courier New"/>
+            </a:endParaRPr>
+          </a:p>
+          <a:p>
+            <a:pPr marL="0" indent="0">
+              <a:buNone/>
+            </a:pPr>
+            <a:r>
+              <a:rPr lang="en-US" sz="1200" b="1" dirty="0" err="1">
+                <a:latin typeface="Courier New"/>
+                <a:cs typeface="Courier New"/>
+              </a:rPr>
+              <a:t>mainWindow</a:t>
+            </a:r>
+            <a:r>
+              <a:rPr lang="en-US" sz="1200" b="1" dirty="0">
+                <a:latin typeface="Courier New"/>
+                <a:cs typeface="Courier New"/>
+              </a:rPr>
+              <a:t> = </a:t>
+            </a:r>
+            <a:r>
+              <a:rPr lang="en-US" sz="1200" b="1" dirty="0" err="1">
+                <a:solidFill>
+                  <a:srgbClr val="3366FF"/>
+                </a:solidFill>
+                <a:latin typeface="Courier New"/>
+                <a:cs typeface="Courier New"/>
+              </a:rPr>
+              <a:t>SDL_CreateWindow</a:t>
+            </a:r>
+            <a:r>
+              <a:rPr lang="en-US" sz="1200" b="1" dirty="0">
+                <a:latin typeface="Courier New"/>
+                <a:cs typeface="Courier New"/>
+              </a:rPr>
+              <a:t>(</a:t>
+            </a:r>
+          </a:p>
+          <a:p>
+            <a:pPr marL="0" indent="0">
+              <a:buNone/>
+            </a:pPr>
+            <a:r>
+              <a:rPr lang="en-US" sz="1200" b="1" dirty="0">
+                <a:latin typeface="Courier New"/>
+                <a:cs typeface="Courier New"/>
+              </a:rPr>
+              <a:t>  </a:t>
+            </a:r>
+            <a:r>
+              <a:rPr lang="en-US" sz="1200" b="1" dirty="0">
+                <a:solidFill>
+                  <a:schemeClr val="accent5"/>
+                </a:solidFill>
+                <a:latin typeface="Courier New"/>
+                <a:cs typeface="Courier New"/>
+              </a:rPr>
+              <a:t>"</a:t>
+            </a:r>
+            <a:r>
+              <a:rPr lang="en-US" sz="1200" b="1" dirty="0" err="1">
+                <a:solidFill>
+                  <a:schemeClr val="accent5"/>
+                </a:solidFill>
+                <a:latin typeface="Courier New"/>
+                <a:cs typeface="Courier New"/>
+              </a:rPr>
+              <a:t>clgl</a:t>
+            </a:r>
+            <a:r>
+              <a:rPr lang="en-US" sz="1200" b="1" dirty="0">
+                <a:solidFill>
+                  <a:schemeClr val="accent5"/>
+                </a:solidFill>
+                <a:latin typeface="Courier New"/>
+                <a:cs typeface="Courier New"/>
+              </a:rPr>
+              <a:t>-example"</a:t>
+            </a:r>
+            <a:r>
+              <a:rPr lang="en-US" sz="1200" b="1" dirty="0">
+                <a:latin typeface="Courier New"/>
+                <a:cs typeface="Courier New"/>
+              </a:rPr>
+              <a:t>, </a:t>
+            </a:r>
+            <a:r>
+              <a:rPr lang="en-US" sz="1200" b="1" dirty="0">
+                <a:solidFill>
+                  <a:srgbClr val="FF00FF"/>
+                </a:solidFill>
+                <a:latin typeface="Courier New"/>
+                <a:cs typeface="Courier New"/>
+              </a:rPr>
+              <a:t>-1</a:t>
+            </a:r>
+            <a:r>
+              <a:rPr lang="en-US" sz="1200" b="1" dirty="0">
+                <a:latin typeface="Courier New"/>
+                <a:cs typeface="Courier New"/>
+              </a:rPr>
+              <a:t>, </a:t>
+            </a:r>
+            <a:r>
+              <a:rPr lang="en-US" sz="1200" b="1" dirty="0">
+                <a:solidFill>
+                  <a:srgbClr val="FF00FF"/>
+                </a:solidFill>
+                <a:latin typeface="Courier New"/>
+                <a:cs typeface="Courier New"/>
+              </a:rPr>
+              <a:t>-1</a:t>
+            </a:r>
+            <a:r>
+              <a:rPr lang="en-US" sz="1200" b="1" dirty="0">
+                <a:latin typeface="Courier New"/>
+                <a:cs typeface="Courier New"/>
+              </a:rPr>
+              <a:t>,</a:t>
+            </a:r>
+          </a:p>
+          <a:p>
+            <a:pPr marL="0" indent="0">
+              <a:buNone/>
+            </a:pPr>
+            <a:r>
+              <a:rPr lang="en-US" sz="1200" b="1" dirty="0">
+                <a:latin typeface="Courier New"/>
+                <a:cs typeface="Courier New"/>
+              </a:rPr>
+              <a:t>  </a:t>
+            </a:r>
+            <a:r>
+              <a:rPr lang="en-US" sz="1200" b="1" dirty="0" err="1">
+                <a:latin typeface="Courier New"/>
+                <a:cs typeface="Courier New"/>
+              </a:rPr>
+              <a:t>windowWidth</a:t>
+            </a:r>
+            <a:r>
+              <a:rPr lang="en-US" sz="1200" b="1" dirty="0">
+                <a:latin typeface="Courier New"/>
+                <a:cs typeface="Courier New"/>
+              </a:rPr>
+              <a:t>, </a:t>
+            </a:r>
+            <a:r>
+              <a:rPr lang="en-US" sz="1200" b="1" dirty="0" err="1">
+                <a:latin typeface="Courier New"/>
+                <a:cs typeface="Courier New"/>
+              </a:rPr>
+              <a:t>windowHeight</a:t>
+            </a:r>
+            <a:r>
+              <a:rPr lang="en-US" sz="1200" b="1" dirty="0">
+                <a:latin typeface="Courier New"/>
+                <a:cs typeface="Courier New"/>
+              </a:rPr>
+              <a:t>, </a:t>
+            </a:r>
+          </a:p>
+          <a:p>
+            <a:pPr marL="0" indent="0">
+              <a:buNone/>
+            </a:pPr>
+            <a:r>
+              <a:rPr lang="en-US" sz="1200" b="1" dirty="0">
+                <a:latin typeface="Courier New"/>
+                <a:cs typeface="Courier New"/>
+              </a:rPr>
+              <a:t>  SDL_WINDOW_OPENGL | SDL_WINDOW_SHOWN</a:t>
+            </a:r>
+          </a:p>
+          <a:p>
+            <a:pPr marL="0" indent="0">
+              <a:buNone/>
+            </a:pPr>
+            <a:r>
+              <a:rPr lang="en-US" sz="1200" b="1" dirty="0">
+                <a:latin typeface="Courier New"/>
+                <a:cs typeface="Courier New"/>
+              </a:rPr>
+              <a:t>);</a:t>
+            </a:r>
+          </a:p>
+          <a:p>
+            <a:pPr marL="0" indent="0">
+              <a:buNone/>
+            </a:pPr>
+            <a:endParaRPr lang="en-US" sz="1200" b="1" dirty="0">
+              <a:latin typeface="Courier New"/>
+              <a:cs typeface="Courier New"/>
+            </a:endParaRPr>
+          </a:p>
+          <a:p>
+            <a:pPr marL="0" indent="0">
+              <a:buNone/>
+            </a:pPr>
+            <a:r>
+              <a:rPr lang="en-US" sz="1200" b="1" dirty="0" err="1">
                 <a:latin typeface="Courier New"/>
                 <a:cs typeface="Courier New"/>
               </a:rPr>
               <a:t>glContext</a:t>
             </a:r>
             <a:r>
-              <a:rPr lang="en-US" sz="1200" b="1" dirty="0" smtClean="0">
-                <a:latin typeface="Courier New"/>
-                <a:cs typeface="Courier New"/>
-              </a:rPr>
-              <a:t> </a:t>
-            </a:r>
-            <a:r>
-              <a:rPr lang="en-US" sz="1200" b="1" dirty="0">
-                <a:latin typeface="Courier New"/>
-                <a:cs typeface="Courier New"/>
-              </a:rPr>
-              <a:t>= </a:t>
+              <a:rPr lang="en-US" sz="1200" b="1" dirty="0">
+                <a:latin typeface="Courier New"/>
+                <a:cs typeface="Courier New"/>
+              </a:rPr>
+              <a:t> = </a:t>
             </a:r>
             <a:r>
               <a:rPr lang="en-US" sz="1200" b="1" dirty="0" err="1">
@@ -6670,13 +9157,6 @@
   <p:clrMapOvr>
     <a:masterClrMapping/>
   </p:clrMapOvr>
-  <p:timing>
-    <p:tnLst>
-      <p:par>
-        <p:cTn xmlns:p14="http://schemas.microsoft.com/office/powerpoint/2010/main" id="1" dur="indefinite" restart="never" nodeType="tmRoot"/>
-      </p:par>
-    </p:tnLst>
-  </p:timing>
 </p:sld>
 </file>
 
@@ -6713,10 +9193,9 @@
           <a:lstStyle/>
           <a:p>
             <a:r>
-              <a:rPr lang="en-US" dirty="0" smtClean="0"/>
+              <a:rPr lang="en-US" dirty="0"/>
               <a:t>Setting up SDL and OpenGL</a:t>
             </a:r>
-            <a:endParaRPr lang="en-US" dirty="0"/>
           </a:p>
         </p:txBody>
       </p:sp>
@@ -6740,7 +9219,7 @@
               <a:buChar char="•"/>
             </a:pPr>
             <a:r>
-              <a:rPr lang="en-US" dirty="0" smtClean="0">
+              <a:rPr lang="en-US" dirty="0">
                 <a:solidFill>
                   <a:schemeClr val="bg1">
                     <a:lumMod val="75000"/>
@@ -6755,7 +9234,7 @@
               <a:buFont typeface="Arial"/>
               <a:buChar char="•"/>
             </a:pPr>
-            <a:endParaRPr lang="en-US" dirty="0" smtClean="0"/>
+            <a:endParaRPr lang="en-US" dirty="0"/>
           </a:p>
           <a:p>
             <a:pPr marL="285750" indent="-285750">
@@ -6763,7 +9242,7 @@
               <a:buChar char="•"/>
             </a:pPr>
             <a:r>
-              <a:rPr lang="en-US" dirty="0" smtClean="0"/>
+              <a:rPr lang="en-US" dirty="0"/>
               <a:t>Now we create the OpenGL texture that we will share with OpenCL</a:t>
             </a:r>
           </a:p>
@@ -6773,7 +9252,7 @@
               <a:buChar char="•"/>
             </a:pPr>
             <a:r>
-              <a:rPr lang="en-US" dirty="0" smtClean="0"/>
+              <a:rPr lang="en-US" dirty="0"/>
               <a:t>This example uses OpenGL 2.1, so we need to specify these texture parameters (otherwise we can only use powers of 2 for dimensions)</a:t>
             </a:r>
           </a:p>
@@ -6783,10 +9262,9 @@
               <a:buChar char="•"/>
             </a:pPr>
             <a:r>
-              <a:rPr lang="en-US" dirty="0" smtClean="0"/>
+              <a:rPr lang="en-US" dirty="0"/>
               <a:t>Now we can initialize OpenCL</a:t>
             </a:r>
-            <a:endParaRPr lang="en-US" dirty="0"/>
           </a:p>
         </p:txBody>
       </p:sp>
@@ -6816,7 +9294,7 @@
               <a:buNone/>
             </a:pPr>
             <a:r>
-              <a:rPr lang="en-US" sz="1200" b="1" dirty="0" err="1" smtClean="0">
+              <a:rPr lang="en-US" sz="1200" b="1" dirty="0" err="1">
                 <a:solidFill>
                   <a:srgbClr val="3366FF"/>
                 </a:solidFill>
@@ -7056,7 +9534,7 @@
               <a:buNone/>
             </a:pPr>
             <a:r>
-              <a:rPr lang="en-US" sz="1200" b="1" dirty="0" err="1" smtClean="0">
+              <a:rPr lang="en-US" sz="1200" b="1" dirty="0" err="1">
                 <a:solidFill>
                   <a:srgbClr val="3366FF"/>
                 </a:solidFill>
@@ -7343,18 +9821,11 @@
   <p:clrMapOvr>
     <a:masterClrMapping/>
   </p:clrMapOvr>
-  <p:timing>
-    <p:tnLst>
-      <p:par>
-        <p:cTn xmlns:p14="http://schemas.microsoft.com/office/powerpoint/2010/main" id="1" dur="indefinite" restart="never" nodeType="tmRoot"/>
-      </p:par>
-    </p:tnLst>
-  </p:timing>
 </p:sld>
 </file>
 
 <file path=ppt/slides/slide7.xml><?xml version="1.0" encoding="utf-8"?>
-<p:sld xmlns:a="http://schemas.openxmlformats.org/drawingml/2006/main" xmlns:r="http://schemas.openxmlformats.org/officeDocument/2006/relationships" xmlns:p="http://schemas.openxmlformats.org/presentationml/2006/main">
+<p:sld xmlns:a="http://schemas.openxmlformats.org/drawingml/2006/main" xmlns:r="http://schemas.openxmlformats.org/officeDocument/2006/relationships" xmlns:p="http://schemas.openxmlformats.org/presentationml/2006/main" show="0">
   <p:cSld>
     <p:spTree>
       <p:nvGrpSpPr>
@@ -7386,10 +9857,9 @@
           <a:lstStyle/>
           <a:p>
             <a:r>
-              <a:rPr lang="en-US" dirty="0" smtClean="0"/>
+              <a:rPr lang="en-US" dirty="0"/>
               <a:t>Setting up OpenCL</a:t>
             </a:r>
-            <a:endParaRPr lang="en-US" dirty="0"/>
           </a:p>
         </p:txBody>
       </p:sp>
@@ -7413,7 +9883,7 @@
               <a:buChar char="•"/>
             </a:pPr>
             <a:r>
-              <a:rPr lang="en-US" dirty="0" smtClean="0"/>
+              <a:rPr lang="en-US" dirty="0"/>
               <a:t>All of the OpenCL setup is the same as normal, with the exception of context creation</a:t>
             </a:r>
           </a:p>
@@ -7444,10 +9914,10 @@
               <a:buChar char="•"/>
             </a:pPr>
             <a:r>
-              <a:rPr lang="en-US" dirty="0" err="1" smtClean="0"/>
+              <a:rPr lang="en-US" dirty="0" err="1"/>
               <a:t>cl_APPLE_gl_sharing</a:t>
             </a:r>
-            <a:endParaRPr lang="en-US" dirty="0" smtClean="0"/>
+            <a:endParaRPr lang="en-US" dirty="0"/>
           </a:p>
           <a:p>
             <a:pPr marL="285750" indent="-285750">
@@ -7455,11 +9925,11 @@
               <a:buChar char="•"/>
             </a:pPr>
             <a:r>
-              <a:rPr lang="en-US" dirty="0" smtClean="0"/>
+              <a:rPr lang="en-US" dirty="0"/>
               <a:t>Pass context properties to </a:t>
             </a:r>
             <a:r>
-              <a:rPr lang="en-US" b="1" dirty="0" smtClean="0">
+              <a:rPr lang="en-US" b="1" dirty="0">
                 <a:solidFill>
                   <a:srgbClr val="3366FF"/>
                 </a:solidFill>
@@ -7469,7 +9939,7 @@
               <a:t>cl::Context </a:t>
             </a:r>
             <a:r>
-              <a:rPr lang="en-US" dirty="0" smtClean="0"/>
+              <a:rPr lang="en-US" dirty="0"/>
               <a:t>to enable GL sharing (depends on platform)</a:t>
             </a:r>
           </a:p>
@@ -7479,7 +9949,7 @@
               <a:buChar char="•"/>
             </a:pPr>
             <a:r>
-              <a:rPr lang="en-US" dirty="0" smtClean="0"/>
+              <a:rPr lang="en-US" dirty="0"/>
               <a:t>Queue creation, kernel compilation, etc. is the same as before</a:t>
             </a:r>
           </a:p>
@@ -7510,7 +9980,7 @@
         </p:spPr>
         <p:txBody>
           <a:bodyPr>
-            <a:normAutofit fontScale="92500"/>
+            <a:normAutofit fontScale="92500" lnSpcReduction="10000"/>
           </a:bodyPr>
           <a:lstStyle/>
           <a:p>
@@ -7518,7 +9988,7 @@
               <a:buNone/>
             </a:pPr>
             <a:r>
-              <a:rPr lang="en-US" sz="1200" b="1" dirty="0" smtClean="0">
+              <a:rPr lang="en-US" sz="1200" b="1" dirty="0">
                 <a:solidFill>
                   <a:srgbClr val="008000"/>
                 </a:solidFill>
@@ -7533,25 +10003,18 @@
               <a:buNone/>
             </a:pPr>
             <a:r>
-              <a:rPr lang="en-US" sz="1200" b="1" dirty="0" err="1" smtClean="0">
+              <a:rPr lang="en-US" sz="1200" b="1" dirty="0" err="1">
                 <a:latin typeface="Courier New"/>
                 <a:cs typeface="Courier New"/>
               </a:rPr>
               <a:t>cl_context_properties</a:t>
             </a:r>
             <a:r>
-              <a:rPr lang="en-US" sz="1200" b="1" dirty="0" smtClean="0">
-                <a:latin typeface="Courier New"/>
-                <a:cs typeface="Courier New"/>
-              </a:rPr>
-              <a:t> </a:t>
-            </a:r>
-            <a:r>
-              <a:rPr lang="en-US" sz="1200" b="1" dirty="0">
-                <a:latin typeface="Courier New"/>
-                <a:cs typeface="Courier New"/>
-              </a:rPr>
-              <a:t>properties[] = { </a:t>
+              <a:rPr lang="en-US" sz="1200" b="1" dirty="0">
+                <a:latin typeface="Courier New"/>
+                <a:cs typeface="Courier New"/>
+              </a:rPr>
+              <a:t> properties[] = { </a:t>
             </a:r>
           </a:p>
           <a:p>
@@ -7585,14 +10048,14 @@
               <a:t>cl_context_properties</a:t>
             </a:r>
             <a:r>
-              <a:rPr lang="en-US" sz="1200" b="1" dirty="0" smtClean="0">
+              <a:rPr lang="en-US" sz="1200" b="1" dirty="0">
                 <a:latin typeface="Courier New"/>
                 <a:cs typeface="Courier New"/>
               </a:rPr>
               <a:t>) </a:t>
             </a:r>
             <a:r>
-              <a:rPr lang="en-US" sz="1200" b="1" dirty="0" err="1" smtClean="0">
+              <a:rPr lang="en-US" sz="1200" b="1" dirty="0" err="1">
                 <a:latin typeface="Courier New"/>
                 <a:cs typeface="Courier New"/>
               </a:rPr>
@@ -7644,14 +10107,7 @@
                 <a:latin typeface="Courier New"/>
                 <a:cs typeface="Courier New"/>
               </a:rPr>
-              <a:t>}</a:t>
-            </a:r>
-            <a:r>
-              <a:rPr lang="en-US" sz="1200" b="1" dirty="0" smtClean="0">
-                <a:latin typeface="Courier New"/>
-                <a:cs typeface="Courier New"/>
-              </a:rPr>
-              <a:t>;</a:t>
+              <a:t>};</a:t>
             </a:r>
           </a:p>
           <a:p>
@@ -7668,7 +10124,7 @@
               <a:buNone/>
             </a:pPr>
             <a:r>
-              <a:rPr lang="en-US" sz="1200" b="1" dirty="0" smtClean="0">
+              <a:rPr lang="en-US" sz="1200" b="1" dirty="0">
                 <a:solidFill>
                   <a:srgbClr val="008000"/>
                 </a:solidFill>
@@ -7706,31 +10162,24 @@
                 <a:latin typeface="Courier New"/>
                 <a:cs typeface="Courier New"/>
               </a:rPr>
-              <a:t>  </a:t>
-            </a:r>
-            <a:r>
-              <a:rPr lang="en-US" sz="1200" b="1" dirty="0" smtClean="0">
-                <a:latin typeface="Courier New"/>
-                <a:cs typeface="Courier New"/>
-              </a:rPr>
-              <a:t>CL_GL_CONTEXT_KHR, (</a:t>
-            </a:r>
-            <a:r>
-              <a:rPr lang="en-US" sz="1200" b="1" dirty="0" err="1" smtClean="0">
+              <a:t>  CL_GL_CONTEXT_KHR, (</a:t>
+            </a:r>
+            <a:r>
+              <a:rPr lang="en-US" sz="1200" b="1" dirty="0" err="1">
                 <a:latin typeface="Courier New"/>
                 <a:cs typeface="Courier New"/>
               </a:rPr>
               <a:t>cl_context_properties</a:t>
             </a:r>
             <a:r>
-              <a:rPr lang="en-US" sz="1200" b="1" dirty="0" smtClean="0">
+              <a:rPr lang="en-US" sz="1200" b="1" dirty="0">
                 <a:latin typeface="Courier New"/>
                 <a:cs typeface="Courier New"/>
               </a:rPr>
               <a:t>)</a:t>
             </a:r>
             <a:r>
-              <a:rPr lang="en-US" sz="1200" b="1" dirty="0" err="1" smtClean="0">
+              <a:rPr lang="en-US" sz="1200" b="1" dirty="0" err="1">
                 <a:solidFill>
                   <a:srgbClr val="3366FF"/>
                 </a:solidFill>
@@ -7740,7 +10189,7 @@
               <a:t>glXGetCurrentContext</a:t>
             </a:r>
             <a:r>
-              <a:rPr lang="en-US" sz="1200" b="1" dirty="0" smtClean="0">
+              <a:rPr lang="en-US" sz="1200" b="1" dirty="0">
                 <a:latin typeface="Courier New"/>
                 <a:cs typeface="Courier New"/>
               </a:rPr>
@@ -7752,7 +10201,7 @@
               <a:buNone/>
             </a:pPr>
             <a:r>
-              <a:rPr lang="en-US" sz="1200" b="1" dirty="0" smtClean="0">
+              <a:rPr lang="en-US" sz="1200" b="1" dirty="0">
                 <a:latin typeface="Courier New"/>
                 <a:cs typeface="Courier New"/>
               </a:rPr>
@@ -7799,14 +10248,7 @@
                 <a:latin typeface="Courier New"/>
                 <a:cs typeface="Courier New"/>
               </a:rPr>
-              <a:t>  </a:t>
-            </a:r>
-            <a:r>
-              <a:rPr lang="en-US" sz="1200" b="1" dirty="0" smtClean="0">
-                <a:latin typeface="Courier New"/>
-                <a:cs typeface="Courier New"/>
-              </a:rPr>
-              <a:t>CL_CONTEXT_PLATFORM, (</a:t>
+              <a:t>  CL_CONTEXT_PLATFORM, (</a:t>
             </a:r>
             <a:r>
               <a:rPr lang="en-US" sz="1200" b="1" dirty="0" err="1">
@@ -7832,15 +10274,25 @@
                 <a:latin typeface="Courier New"/>
                 <a:cs typeface="Courier New"/>
               </a:rPr>
-              <a:t>  </a:t>
-            </a:r>
-            <a:r>
-              <a:rPr lang="en-US" sz="1200" b="1" dirty="0" smtClean="0">
-                <a:latin typeface="Courier New"/>
-                <a:cs typeface="Courier New"/>
-              </a:rPr>
-              <a:t>0</a:t>
-            </a:r>
+              <a:t>  0</a:t>
+            </a:r>
+          </a:p>
+          <a:p>
+            <a:pPr marL="0" indent="0">
+              <a:buNone/>
+            </a:pPr>
+            <a:r>
+              <a:rPr lang="en-US" sz="1200" b="1" dirty="0">
+                <a:latin typeface="Courier New"/>
+                <a:cs typeface="Courier New"/>
+              </a:rPr>
+              <a:t>};</a:t>
+            </a:r>
+          </a:p>
+          <a:p>
+            <a:pPr marL="0" indent="0">
+              <a:buNone/>
+            </a:pPr>
             <a:endParaRPr lang="en-US" sz="1200" b="1" dirty="0">
               <a:latin typeface="Courier New"/>
               <a:cs typeface="Courier New"/>
@@ -7851,7 +10303,165 @@
               <a:buNone/>
             </a:pPr>
             <a:r>
-              <a:rPr lang="en-US" sz="1200" b="1" dirty="0" smtClean="0">
+              <a:rPr lang="en-US" sz="1200" b="1" dirty="0">
+                <a:solidFill>
+                  <a:srgbClr val="008000"/>
+                </a:solidFill>
+                <a:latin typeface="Courier New"/>
+                <a:cs typeface="Courier New"/>
+              </a:rPr>
+              <a:t>// Windows</a:t>
+            </a:r>
+          </a:p>
+          <a:p>
+            <a:pPr marL="0" indent="0">
+              <a:buNone/>
+            </a:pPr>
+            <a:r>
+              <a:rPr lang="en-US" sz="1200" b="1" dirty="0" err="1">
+                <a:latin typeface="Courier New"/>
+                <a:cs typeface="Courier New"/>
+              </a:rPr>
+              <a:t>cl_context_properties</a:t>
+            </a:r>
+            <a:r>
+              <a:rPr lang="en-US" sz="1200" b="1" dirty="0">
+                <a:latin typeface="Courier New"/>
+                <a:cs typeface="Courier New"/>
+              </a:rPr>
+              <a:t> properties[] = {</a:t>
+            </a:r>
+          </a:p>
+          <a:p>
+            <a:pPr marL="0" indent="0">
+              <a:buNone/>
+            </a:pPr>
+            <a:r>
+              <a:rPr lang="en-US" sz="1200" b="1" dirty="0">
+                <a:latin typeface="Courier New"/>
+                <a:cs typeface="Courier New"/>
+              </a:rPr>
+              <a:t>  CL_GL_CONTEXT_KHR, (</a:t>
+            </a:r>
+            <a:r>
+              <a:rPr lang="en-US" sz="1200" b="1" dirty="0" err="1">
+                <a:latin typeface="Courier New"/>
+                <a:cs typeface="Courier New"/>
+              </a:rPr>
+              <a:t>cl_context_properties</a:t>
+            </a:r>
+            <a:r>
+              <a:rPr lang="en-US" sz="1200" b="1" dirty="0">
+                <a:latin typeface="Courier New"/>
+                <a:cs typeface="Courier New"/>
+              </a:rPr>
+              <a:t>)</a:t>
+            </a:r>
+            <a:r>
+              <a:rPr lang="en-US" sz="1200" b="1" dirty="0" err="1">
+                <a:solidFill>
+                  <a:srgbClr val="3366FF"/>
+                </a:solidFill>
+                <a:latin typeface="Courier New"/>
+                <a:cs typeface="Courier New"/>
+              </a:rPr>
+              <a:t>wglGetCurrentContext</a:t>
+            </a:r>
+            <a:r>
+              <a:rPr lang="en-US" sz="1200" b="1" dirty="0">
+                <a:latin typeface="Courier New"/>
+                <a:cs typeface="Courier New"/>
+              </a:rPr>
+              <a:t>(), </a:t>
+            </a:r>
+          </a:p>
+          <a:p>
+            <a:pPr marL="0" indent="0">
+              <a:buNone/>
+            </a:pPr>
+            <a:r>
+              <a:rPr lang="en-US" sz="1200" b="1" dirty="0">
+                <a:latin typeface="Courier New"/>
+                <a:cs typeface="Courier New"/>
+              </a:rPr>
+              <a:t>  CL_WGL_HDC_KHR, (</a:t>
+            </a:r>
+            <a:r>
+              <a:rPr lang="en-US" sz="1200" b="1" dirty="0" err="1">
+                <a:latin typeface="Courier New"/>
+                <a:cs typeface="Courier New"/>
+              </a:rPr>
+              <a:t>cl_context_properties</a:t>
+            </a:r>
+            <a:r>
+              <a:rPr lang="en-US" sz="1200" b="1" dirty="0">
+                <a:latin typeface="Courier New"/>
+                <a:cs typeface="Courier New"/>
+              </a:rPr>
+              <a:t>)</a:t>
+            </a:r>
+            <a:r>
+              <a:rPr lang="en-US" sz="1200" b="1" dirty="0" err="1">
+                <a:solidFill>
+                  <a:srgbClr val="3366FF"/>
+                </a:solidFill>
+                <a:latin typeface="Courier New"/>
+                <a:cs typeface="Courier New"/>
+              </a:rPr>
+              <a:t>wglGetCurrentDC</a:t>
+            </a:r>
+            <a:r>
+              <a:rPr lang="en-US" sz="1200" b="1" dirty="0">
+                <a:latin typeface="Courier New"/>
+                <a:cs typeface="Courier New"/>
+              </a:rPr>
+              <a:t>(),</a:t>
+            </a:r>
+          </a:p>
+          <a:p>
+            <a:pPr marL="0" indent="0">
+              <a:buNone/>
+            </a:pPr>
+            <a:r>
+              <a:rPr lang="en-US" sz="1200" b="1" dirty="0">
+                <a:latin typeface="Courier New"/>
+                <a:cs typeface="Courier New"/>
+              </a:rPr>
+              <a:t>  CL_CONTEXT_PLATFORM, (</a:t>
+            </a:r>
+            <a:r>
+              <a:rPr lang="en-US" sz="1200" b="1" dirty="0" err="1">
+                <a:latin typeface="Courier New"/>
+                <a:cs typeface="Courier New"/>
+              </a:rPr>
+              <a:t>cl_context_properties</a:t>
+            </a:r>
+            <a:r>
+              <a:rPr lang="en-US" sz="1200" b="1" dirty="0">
+                <a:latin typeface="Courier New"/>
+                <a:cs typeface="Courier New"/>
+              </a:rPr>
+              <a:t>)platform,</a:t>
+            </a:r>
+          </a:p>
+          <a:p>
+            <a:pPr marL="0" indent="0">
+              <a:buNone/>
+            </a:pPr>
+            <a:r>
+              <a:rPr lang="en-US" sz="1200" b="1" dirty="0">
+                <a:latin typeface="Courier New"/>
+                <a:cs typeface="Courier New"/>
+              </a:rPr>
+              <a:t>  0</a:t>
+            </a:r>
+          </a:p>
+          <a:p>
+            <a:pPr marL="0" indent="0">
+              <a:buNone/>
+            </a:pPr>
+            <a:r>
+              <a:rPr lang="en-US" sz="1200" b="1" dirty="0">
                 <a:latin typeface="Courier New"/>
                 <a:cs typeface="Courier New"/>
               </a:rPr>
@@ -7871,194 +10481,6 @@
             <a:pPr marL="0" indent="0">
               <a:buNone/>
             </a:pPr>
-            <a:r>
-              <a:rPr lang="en-US" sz="1200" b="1" dirty="0" smtClean="0">
-                <a:solidFill>
-                  <a:srgbClr val="008000"/>
-                </a:solidFill>
-                <a:latin typeface="Courier New"/>
-                <a:cs typeface="Courier New"/>
-              </a:rPr>
-              <a:t>// Windows</a:t>
-            </a:r>
-          </a:p>
-          <a:p>
-            <a:pPr marL="0" indent="0">
-              <a:buNone/>
-            </a:pPr>
-            <a:r>
-              <a:rPr lang="en-US" sz="1200" b="1" dirty="0" err="1">
-                <a:latin typeface="Courier New"/>
-                <a:cs typeface="Courier New"/>
-              </a:rPr>
-              <a:t>cl_context_properties</a:t>
-            </a:r>
-            <a:r>
-              <a:rPr lang="en-US" sz="1200" b="1" dirty="0">
-                <a:latin typeface="Courier New"/>
-                <a:cs typeface="Courier New"/>
-              </a:rPr>
-              <a:t> properties[] = {</a:t>
-            </a:r>
-          </a:p>
-          <a:p>
-            <a:pPr marL="0" indent="0">
-              <a:buNone/>
-            </a:pPr>
-            <a:r>
-              <a:rPr lang="en-US" sz="1200" b="1" dirty="0">
-                <a:latin typeface="Courier New"/>
-                <a:cs typeface="Courier New"/>
-              </a:rPr>
-              <a:t> </a:t>
-            </a:r>
-            <a:r>
-              <a:rPr lang="en-US" sz="1200" b="1" dirty="0" smtClean="0">
-                <a:latin typeface="Courier New"/>
-                <a:cs typeface="Courier New"/>
-              </a:rPr>
-              <a:t> CL_GL_CONTEXT_KHR, (</a:t>
-            </a:r>
-            <a:r>
-              <a:rPr lang="en-US" sz="1200" b="1" dirty="0" err="1">
-                <a:latin typeface="Courier New"/>
-                <a:cs typeface="Courier New"/>
-              </a:rPr>
-              <a:t>cl_context_properties</a:t>
-            </a:r>
-            <a:r>
-              <a:rPr lang="en-US" sz="1200" b="1" dirty="0">
-                <a:latin typeface="Courier New"/>
-                <a:cs typeface="Courier New"/>
-              </a:rPr>
-              <a:t>)</a:t>
-            </a:r>
-            <a:r>
-              <a:rPr lang="en-US" sz="1200" b="1" dirty="0" err="1">
-                <a:solidFill>
-                  <a:srgbClr val="3366FF"/>
-                </a:solidFill>
-                <a:latin typeface="Courier New"/>
-                <a:cs typeface="Courier New"/>
-              </a:rPr>
-              <a:t>wglGetCurrentContext</a:t>
-            </a:r>
-            <a:r>
-              <a:rPr lang="en-US" sz="1200" b="1" dirty="0">
-                <a:latin typeface="Courier New"/>
-                <a:cs typeface="Courier New"/>
-              </a:rPr>
-              <a:t>(</a:t>
-            </a:r>
-            <a:r>
-              <a:rPr lang="en-US" sz="1200" b="1" dirty="0" smtClean="0">
-                <a:latin typeface="Courier New"/>
-                <a:cs typeface="Courier New"/>
-              </a:rPr>
-              <a:t>), </a:t>
-            </a:r>
-          </a:p>
-          <a:p>
-            <a:pPr marL="0" indent="0">
-              <a:buNone/>
-            </a:pPr>
-            <a:r>
-              <a:rPr lang="en-US" sz="1200" b="1" dirty="0">
-                <a:latin typeface="Courier New"/>
-                <a:cs typeface="Courier New"/>
-              </a:rPr>
-              <a:t> </a:t>
-            </a:r>
-            <a:r>
-              <a:rPr lang="en-US" sz="1200" b="1" dirty="0" smtClean="0">
-                <a:latin typeface="Courier New"/>
-                <a:cs typeface="Courier New"/>
-              </a:rPr>
-              <a:t> CL_WGL_HDC_KHR, (</a:t>
-            </a:r>
-            <a:r>
-              <a:rPr lang="en-US" sz="1200" b="1" dirty="0" err="1">
-                <a:latin typeface="Courier New"/>
-                <a:cs typeface="Courier New"/>
-              </a:rPr>
-              <a:t>cl_context_properties</a:t>
-            </a:r>
-            <a:r>
-              <a:rPr lang="en-US" sz="1200" b="1" dirty="0">
-                <a:latin typeface="Courier New"/>
-                <a:cs typeface="Courier New"/>
-              </a:rPr>
-              <a:t>)</a:t>
-            </a:r>
-            <a:r>
-              <a:rPr lang="en-US" sz="1200" b="1" dirty="0" err="1">
-                <a:solidFill>
-                  <a:srgbClr val="3366FF"/>
-                </a:solidFill>
-                <a:latin typeface="Courier New"/>
-                <a:cs typeface="Courier New"/>
-              </a:rPr>
-              <a:t>wglGetCurrentDC</a:t>
-            </a:r>
-            <a:r>
-              <a:rPr lang="en-US" sz="1200" b="1" dirty="0">
-                <a:latin typeface="Courier New"/>
-                <a:cs typeface="Courier New"/>
-              </a:rPr>
-              <a:t>(</a:t>
-            </a:r>
-            <a:r>
-              <a:rPr lang="en-US" sz="1200" b="1" dirty="0" smtClean="0">
-                <a:latin typeface="Courier New"/>
-                <a:cs typeface="Courier New"/>
-              </a:rPr>
-              <a:t>),</a:t>
-            </a:r>
-          </a:p>
-          <a:p>
-            <a:pPr marL="0" indent="0">
-              <a:buNone/>
-            </a:pPr>
-            <a:r>
-              <a:rPr lang="en-US" sz="1200" b="1" dirty="0" smtClean="0">
-                <a:latin typeface="Courier New"/>
-                <a:cs typeface="Courier New"/>
-              </a:rPr>
-              <a:t>  CL_CONTEXT_PLATFORM, (</a:t>
-            </a:r>
-            <a:r>
-              <a:rPr lang="en-US" sz="1200" b="1" dirty="0" err="1">
-                <a:latin typeface="Courier New"/>
-                <a:cs typeface="Courier New"/>
-              </a:rPr>
-              <a:t>cl_context_properties</a:t>
-            </a:r>
-            <a:r>
-              <a:rPr lang="en-US" sz="1200" b="1" dirty="0">
-                <a:latin typeface="Courier New"/>
-                <a:cs typeface="Courier New"/>
-              </a:rPr>
-              <a:t>)platform,</a:t>
-            </a:r>
-          </a:p>
-          <a:p>
-            <a:pPr marL="0" indent="0">
-              <a:buNone/>
-            </a:pPr>
-            <a:r>
-              <a:rPr lang="en-US" sz="1200" b="1" dirty="0">
-                <a:latin typeface="Courier New"/>
-                <a:cs typeface="Courier New"/>
-              </a:rPr>
-              <a:t>  </a:t>
-            </a:r>
-            <a:r>
-              <a:rPr lang="en-US" sz="1200" b="1" dirty="0" smtClean="0">
-                <a:latin typeface="Courier New"/>
-                <a:cs typeface="Courier New"/>
-              </a:rPr>
-              <a:t>0</a:t>
-            </a:r>
             <a:endParaRPr lang="en-US" sz="1200" b="1" dirty="0">
               <a:latin typeface="Courier New"/>
               <a:cs typeface="Courier New"/>
@@ -8069,41 +10491,7 @@
               <a:buNone/>
             </a:pPr>
             <a:r>
-              <a:rPr lang="en-US" sz="1200" b="1" dirty="0" smtClean="0">
-                <a:latin typeface="Courier New"/>
-                <a:cs typeface="Courier New"/>
-              </a:rPr>
-              <a:t>};</a:t>
-            </a:r>
-            <a:endParaRPr lang="en-US" sz="1200" b="1" dirty="0">
-              <a:latin typeface="Courier New"/>
-              <a:cs typeface="Courier New"/>
-            </a:endParaRPr>
-          </a:p>
-          <a:p>
-            <a:pPr marL="0" indent="0">
-              <a:buNone/>
-            </a:pPr>
-            <a:endParaRPr lang="en-US" sz="1200" b="1" dirty="0" smtClean="0">
-              <a:latin typeface="Courier New"/>
-              <a:cs typeface="Courier New"/>
-            </a:endParaRPr>
-          </a:p>
-          <a:p>
-            <a:pPr marL="0" indent="0">
-              <a:buNone/>
-            </a:pPr>
-            <a:endParaRPr lang="en-US" sz="1200" b="1" dirty="0">
-              <a:latin typeface="Courier New"/>
-              <a:cs typeface="Courier New"/>
-            </a:endParaRPr>
-          </a:p>
-          <a:p>
-            <a:pPr marL="0" indent="0">
-              <a:buNone/>
-            </a:pPr>
-            <a:r>
-              <a:rPr lang="en-US" sz="1200" b="1" dirty="0" smtClean="0">
+              <a:rPr lang="en-US" sz="1200" b="1" dirty="0">
                 <a:solidFill>
                   <a:srgbClr val="008000"/>
                 </a:solidFill>
@@ -8118,14 +10506,14 @@
               <a:buNone/>
             </a:pPr>
             <a:r>
-              <a:rPr lang="en-US" sz="1200" b="1" dirty="0" smtClean="0">
+              <a:rPr lang="en-US" sz="1200" b="1" dirty="0">
                 <a:latin typeface="Courier New"/>
                 <a:cs typeface="Courier New"/>
               </a:rPr>
               <a:t>cl::Context </a:t>
             </a:r>
             <a:r>
-              <a:rPr lang="en-US" sz="1200" b="1" dirty="0" smtClean="0">
+              <a:rPr lang="en-US" sz="1200" b="1" dirty="0">
                 <a:solidFill>
                   <a:schemeClr val="accent4"/>
                 </a:solidFill>
@@ -8135,7 +10523,7 @@
               <a:t>context</a:t>
             </a:r>
             <a:r>
-              <a:rPr lang="en-US" sz="1200" b="1" dirty="0" smtClean="0">
+              <a:rPr lang="en-US" sz="1200" b="1" dirty="0">
                 <a:latin typeface="Courier New"/>
                 <a:cs typeface="Courier New"/>
               </a:rPr>
@@ -8154,13 +10542,6 @@
   <p:clrMapOvr>
     <a:masterClrMapping/>
   </p:clrMapOvr>
-  <p:timing>
-    <p:tnLst>
-      <p:par>
-        <p:cTn xmlns:p14="http://schemas.microsoft.com/office/powerpoint/2010/main" id="1" dur="indefinite" restart="never" nodeType="tmRoot"/>
-      </p:par>
-    </p:tnLst>
-  </p:timing>
 </p:sld>
 </file>
 
@@ -8197,16 +10578,124 @@
           <a:lstStyle/>
           <a:p>
             <a:r>
-              <a:rPr lang="en-GB" dirty="0" smtClean="0"/>
-              <a:t>Shared CL/GL objects</a:t>
-            </a:r>
-            <a:endParaRPr lang="en-GB" dirty="0"/>
-          </a:p>
-        </p:txBody>
-      </p:sp>
-      <p:sp>
-        <p:nvSpPr>
-          <p:cNvPr id="3" name="Content Placeholder 2"/>
+              <a:rPr lang="en-US" dirty="0"/>
+              <a:t>Setting up OpenCL</a:t>
+            </a:r>
+          </a:p>
+        </p:txBody>
+      </p:sp>
+      <p:sp>
+        <p:nvSpPr>
+          <p:cNvPr id="4" name="Text Placeholder 3"/>
+          <p:cNvSpPr>
+            <a:spLocks noGrp="1"/>
+          </p:cNvSpPr>
+          <p:nvPr>
+            <p:ph type="body" sz="half" idx="2"/>
+          </p:nvPr>
+        </p:nvSpPr>
+        <p:spPr/>
+        <p:txBody>
+          <a:bodyPr/>
+          <a:lstStyle/>
+          <a:p>
+            <a:pPr marL="285750" indent="-285750">
+              <a:buFont typeface="Arial"/>
+              <a:buChar char="•"/>
+            </a:pPr>
+            <a:r>
+              <a:rPr lang="en-US" dirty="0"/>
+              <a:t>All of the OpenCL setup is the same as normal, with the exception of context creation</a:t>
+            </a:r>
+          </a:p>
+          <a:p>
+            <a:pPr marL="285750" indent="-285750">
+              <a:buFont typeface="Arial"/>
+              <a:buChar char="•"/>
+            </a:pPr>
+            <a:r>
+              <a:rPr lang="en-US" dirty="0"/>
+              <a:t>You should check that the platform supports the CL/GL sharing extension (not all do!)</a:t>
+            </a:r>
+          </a:p>
+          <a:p>
+            <a:pPr marL="742950" lvl="1" indent="-285750">
+              <a:buFont typeface="Arial"/>
+              <a:buChar char="•"/>
+            </a:pPr>
+            <a:r>
+              <a:rPr lang="en-US" dirty="0" err="1"/>
+              <a:t>cl_khr_gl_sharing</a:t>
+            </a:r>
+            <a:endParaRPr lang="en-US" dirty="0"/>
+          </a:p>
+          <a:p>
+            <a:pPr marL="742950" lvl="1" indent="-285750">
+              <a:buFont typeface="Arial"/>
+              <a:buChar char="•"/>
+            </a:pPr>
+            <a:r>
+              <a:rPr lang="en-US" dirty="0" err="1"/>
+              <a:t>cl_APPLE_gl_sharing</a:t>
+            </a:r>
+            <a:endParaRPr lang="en-US" dirty="0"/>
+          </a:p>
+          <a:p>
+            <a:pPr marL="285750" indent="-285750">
+              <a:buFont typeface="Arial"/>
+              <a:buChar char="•"/>
+            </a:pPr>
+            <a:r>
+              <a:rPr lang="en-US" dirty="0"/>
+              <a:t>Pass context properties to </a:t>
+            </a:r>
+            <a:r>
+              <a:rPr lang="en-US" b="1" dirty="0" err="1">
+                <a:solidFill>
+                  <a:srgbClr val="3366FF"/>
+                </a:solidFill>
+                <a:latin typeface="Courier New"/>
+                <a:cs typeface="Courier New"/>
+              </a:rPr>
+              <a:t>clCreateContext</a:t>
+            </a:r>
+            <a:r>
+              <a:rPr lang="en-US" b="1" dirty="0">
+                <a:solidFill>
+                  <a:srgbClr val="3366FF"/>
+                </a:solidFill>
+                <a:latin typeface="Courier New"/>
+                <a:cs typeface="Courier New"/>
+              </a:rPr>
+              <a:t> </a:t>
+            </a:r>
+            <a:r>
+              <a:rPr lang="en-US" dirty="0"/>
+              <a:t>to enable GL sharing (depends on platform)</a:t>
+            </a:r>
+          </a:p>
+          <a:p>
+            <a:pPr marL="285750" indent="-285750">
+              <a:buFont typeface="Arial"/>
+              <a:buChar char="•"/>
+            </a:pPr>
+            <a:r>
+              <a:rPr lang="en-US" dirty="0"/>
+              <a:t>Queue creation, kernel compilation, etc. is the same as before</a:t>
+            </a:r>
+          </a:p>
+          <a:p>
+            <a:pPr marL="285750" indent="-285750">
+              <a:buFont typeface="Arial"/>
+              <a:buChar char="•"/>
+            </a:pPr>
+            <a:endParaRPr lang="en-US" dirty="0"/>
+          </a:p>
+        </p:txBody>
+      </p:sp>
+      <p:sp>
+        <p:nvSpPr>
+          <p:cNvPr id="6" name="Content Placeholder 3"/>
           <p:cNvSpPr>
             <a:spLocks noGrp="1"/>
           </p:cNvSpPr>
@@ -8214,57 +10703,600 @@
             <p:ph idx="1"/>
           </p:nvPr>
         </p:nvSpPr>
-        <p:spPr/>
+        <p:spPr>
+          <a:xfrm>
+            <a:off x="3347864" y="273050"/>
+            <a:ext cx="5796136" cy="5853113"/>
+          </a:xfrm>
+        </p:spPr>
         <p:txBody>
           <a:bodyPr>
-            <a:normAutofit lnSpcReduction="10000"/>
+            <a:normAutofit fontScale="92500" lnSpcReduction="10000"/>
           </a:bodyPr>
           <a:lstStyle/>
           <a:p>
-            <a:r>
-              <a:rPr lang="en-GB" dirty="0" smtClean="0"/>
-              <a:t>OpenGL textures can be shared as OpenCL image objects</a:t>
-            </a:r>
-          </a:p>
-          <a:p>
-            <a:pPr lvl="1"/>
-            <a:r>
-              <a:rPr lang="en-GB" dirty="0" smtClean="0"/>
-              <a:t>There are some limitations about which GL texture formats are supported</a:t>
-            </a:r>
-          </a:p>
-          <a:p>
-            <a:r>
-              <a:rPr lang="en-GB" dirty="0" smtClean="0"/>
-              <a:t>OpenGL buffer-objects (PBO / VBO) can be shared as OpenCL buffer objects</a:t>
-            </a:r>
-          </a:p>
-          <a:p>
-            <a:r>
-              <a:rPr lang="en-GB" dirty="0" smtClean="0"/>
-              <a:t>If the device doesn’t support CL/GL sharing, a GL buffer can be mapped to a host pointer and wrapped by an OpenCL buffer</a:t>
-            </a:r>
-            <a:endParaRPr lang="en-GB" dirty="0"/>
+            <a:pPr marL="0" indent="0">
+              <a:buNone/>
+            </a:pPr>
+            <a:r>
+              <a:rPr lang="en-US" sz="1200" b="1" dirty="0">
+                <a:solidFill>
+                  <a:srgbClr val="008000"/>
+                </a:solidFill>
+                <a:latin typeface="Courier New"/>
+                <a:cs typeface="Courier New"/>
+              </a:rPr>
+              <a:t>// Apple</a:t>
+            </a:r>
+          </a:p>
+          <a:p>
+            <a:pPr marL="0" indent="0">
+              <a:buNone/>
+            </a:pPr>
+            <a:r>
+              <a:rPr lang="en-US" sz="1200" b="1" dirty="0" err="1">
+                <a:latin typeface="Courier New"/>
+                <a:cs typeface="Courier New"/>
+              </a:rPr>
+              <a:t>cl_context_properties</a:t>
+            </a:r>
+            <a:r>
+              <a:rPr lang="en-US" sz="1200" b="1" dirty="0">
+                <a:latin typeface="Courier New"/>
+                <a:cs typeface="Courier New"/>
+              </a:rPr>
+              <a:t> properties[] = { </a:t>
+            </a:r>
+          </a:p>
+          <a:p>
+            <a:pPr marL="0" indent="0">
+              <a:buNone/>
+            </a:pPr>
+            <a:r>
+              <a:rPr lang="en-US" sz="1200" b="1" dirty="0">
+                <a:latin typeface="Courier New"/>
+                <a:cs typeface="Courier New"/>
+              </a:rPr>
+              <a:t>  CL_CONTEXT_PROPERTY_USE_CGL_SHAREGROUP_APPLE, </a:t>
+            </a:r>
+          </a:p>
+          <a:p>
+            <a:pPr marL="0" indent="0">
+              <a:buNone/>
+            </a:pPr>
+            <a:r>
+              <a:rPr lang="en-US" sz="1200" b="1" dirty="0">
+                <a:latin typeface="Courier New"/>
+                <a:cs typeface="Courier New"/>
+              </a:rPr>
+              <a:t>  (</a:t>
+            </a:r>
+            <a:r>
+              <a:rPr lang="en-US" sz="1200" b="1" dirty="0" err="1">
+                <a:latin typeface="Courier New"/>
+                <a:cs typeface="Courier New"/>
+              </a:rPr>
+              <a:t>cl_context_properties</a:t>
+            </a:r>
+            <a:r>
+              <a:rPr lang="en-US" sz="1200" b="1" dirty="0">
+                <a:latin typeface="Courier New"/>
+                <a:cs typeface="Courier New"/>
+              </a:rPr>
+              <a:t>) </a:t>
+            </a:r>
+            <a:r>
+              <a:rPr lang="en-US" sz="1200" b="1" dirty="0" err="1">
+                <a:latin typeface="Courier New"/>
+                <a:cs typeface="Courier New"/>
+              </a:rPr>
+              <a:t>CGLGetShareGroup</a:t>
+            </a:r>
+            <a:r>
+              <a:rPr lang="en-US" sz="1200" b="1" dirty="0">
+                <a:latin typeface="Courier New"/>
+                <a:cs typeface="Courier New"/>
+              </a:rPr>
+              <a:t>(</a:t>
+            </a:r>
+            <a:r>
+              <a:rPr lang="en-US" sz="1200" b="1" dirty="0" err="1">
+                <a:solidFill>
+                  <a:srgbClr val="3366FF"/>
+                </a:solidFill>
+                <a:latin typeface="Courier New"/>
+                <a:cs typeface="Courier New"/>
+              </a:rPr>
+              <a:t>CGLGetCurrentContext</a:t>
+            </a:r>
+            <a:r>
+              <a:rPr lang="en-US" sz="1200" b="1" dirty="0">
+                <a:latin typeface="Courier New"/>
+                <a:cs typeface="Courier New"/>
+              </a:rPr>
+              <a:t>()), </a:t>
+            </a:r>
+          </a:p>
+          <a:p>
+            <a:pPr marL="0" indent="0">
+              <a:buNone/>
+            </a:pPr>
+            <a:r>
+              <a:rPr lang="en-US" sz="1200" b="1" dirty="0">
+                <a:latin typeface="Courier New"/>
+                <a:cs typeface="Courier New"/>
+              </a:rPr>
+              <a:t>  0</a:t>
+            </a:r>
+          </a:p>
+          <a:p>
+            <a:pPr marL="0" indent="0">
+              <a:buNone/>
+            </a:pPr>
+            <a:r>
+              <a:rPr lang="en-US" sz="1200" b="1" dirty="0">
+                <a:latin typeface="Courier New"/>
+                <a:cs typeface="Courier New"/>
+              </a:rPr>
+              <a:t>};</a:t>
+            </a:r>
+          </a:p>
+          <a:p>
+            <a:pPr marL="0" indent="0">
+              <a:buNone/>
+            </a:pPr>
+            <a:endParaRPr lang="en-US" sz="1200" b="1" dirty="0">
+              <a:latin typeface="Courier New"/>
+              <a:cs typeface="Courier New"/>
+            </a:endParaRPr>
+          </a:p>
+          <a:p>
+            <a:pPr marL="0" indent="0">
+              <a:buNone/>
+            </a:pPr>
+            <a:r>
+              <a:rPr lang="en-US" sz="1200" b="1" dirty="0">
+                <a:solidFill>
+                  <a:srgbClr val="008000"/>
+                </a:solidFill>
+                <a:latin typeface="Courier New"/>
+                <a:cs typeface="Courier New"/>
+              </a:rPr>
+              <a:t>// Linux</a:t>
+            </a:r>
+          </a:p>
+          <a:p>
+            <a:pPr marL="0" indent="0">
+              <a:buNone/>
+            </a:pPr>
+            <a:r>
+              <a:rPr lang="en-US" sz="1200" b="1" dirty="0" err="1">
+                <a:latin typeface="Courier New"/>
+                <a:cs typeface="Courier New"/>
+              </a:rPr>
+              <a:t>cl_context_properties</a:t>
+            </a:r>
+            <a:r>
+              <a:rPr lang="en-US" sz="1200" b="1" dirty="0">
+                <a:latin typeface="Courier New"/>
+                <a:cs typeface="Courier New"/>
+              </a:rPr>
+              <a:t> properties[] = {</a:t>
+            </a:r>
+          </a:p>
+          <a:p>
+            <a:pPr marL="0" indent="0">
+              <a:buNone/>
+            </a:pPr>
+            <a:r>
+              <a:rPr lang="en-US" sz="1200" b="1" dirty="0">
+                <a:latin typeface="Courier New"/>
+                <a:cs typeface="Courier New"/>
+              </a:rPr>
+              <a:t>  CL_GL_CONTEXT_KHR, (</a:t>
+            </a:r>
+            <a:r>
+              <a:rPr lang="en-US" sz="1200" b="1" dirty="0" err="1">
+                <a:latin typeface="Courier New"/>
+                <a:cs typeface="Courier New"/>
+              </a:rPr>
+              <a:t>cl_context_properties</a:t>
+            </a:r>
+            <a:r>
+              <a:rPr lang="en-US" sz="1200" b="1" dirty="0">
+                <a:latin typeface="Courier New"/>
+                <a:cs typeface="Courier New"/>
+              </a:rPr>
+              <a:t>)</a:t>
+            </a:r>
+            <a:r>
+              <a:rPr lang="en-US" sz="1200" b="1" dirty="0" err="1">
+                <a:solidFill>
+                  <a:srgbClr val="3366FF"/>
+                </a:solidFill>
+                <a:latin typeface="Courier New"/>
+                <a:cs typeface="Courier New"/>
+              </a:rPr>
+              <a:t>glXGetCurrentContext</a:t>
+            </a:r>
+            <a:r>
+              <a:rPr lang="en-US" sz="1200" b="1" dirty="0">
+                <a:latin typeface="Courier New"/>
+                <a:cs typeface="Courier New"/>
+              </a:rPr>
+              <a:t>(),</a:t>
+            </a:r>
+          </a:p>
+          <a:p>
+            <a:pPr marL="0" indent="0">
+              <a:buNone/>
+            </a:pPr>
+            <a:r>
+              <a:rPr lang="en-US" sz="1200" b="1" dirty="0">
+                <a:latin typeface="Courier New"/>
+                <a:cs typeface="Courier New"/>
+              </a:rPr>
+              <a:t>  CL_GLX_DISPLAY_KHR,(</a:t>
+            </a:r>
+            <a:r>
+              <a:rPr lang="en-US" sz="1200" b="1" dirty="0" err="1">
+                <a:latin typeface="Courier New"/>
+                <a:cs typeface="Courier New"/>
+              </a:rPr>
+              <a:t>cl_context_properties</a:t>
+            </a:r>
+            <a:r>
+              <a:rPr lang="en-US" sz="1200" b="1" dirty="0">
+                <a:latin typeface="Courier New"/>
+                <a:cs typeface="Courier New"/>
+              </a:rPr>
+              <a:t>)</a:t>
+            </a:r>
+            <a:r>
+              <a:rPr lang="en-US" sz="1200" b="1" dirty="0" err="1">
+                <a:solidFill>
+                  <a:srgbClr val="3366FF"/>
+                </a:solidFill>
+                <a:latin typeface="Courier New"/>
+                <a:cs typeface="Courier New"/>
+              </a:rPr>
+              <a:t>glXGetCurrentDisplay</a:t>
+            </a:r>
+            <a:r>
+              <a:rPr lang="en-US" sz="1200" b="1" dirty="0">
+                <a:latin typeface="Courier New"/>
+                <a:cs typeface="Courier New"/>
+              </a:rPr>
+              <a:t>(),</a:t>
+            </a:r>
+          </a:p>
+          <a:p>
+            <a:pPr marL="0" indent="0">
+              <a:buNone/>
+            </a:pPr>
+            <a:r>
+              <a:rPr lang="en-US" sz="1200" b="1" dirty="0">
+                <a:latin typeface="Courier New"/>
+                <a:cs typeface="Courier New"/>
+              </a:rPr>
+              <a:t>  CL_CONTEXT_PLATFORM, (</a:t>
+            </a:r>
+            <a:r>
+              <a:rPr lang="en-US" sz="1200" b="1" dirty="0" err="1">
+                <a:latin typeface="Courier New"/>
+                <a:cs typeface="Courier New"/>
+              </a:rPr>
+              <a:t>cl_context_properties</a:t>
+            </a:r>
+            <a:r>
+              <a:rPr lang="en-US" sz="1200" b="1" dirty="0">
+                <a:latin typeface="Courier New"/>
+                <a:cs typeface="Courier New"/>
+              </a:rPr>
+              <a:t>)platform,</a:t>
+            </a:r>
+          </a:p>
+          <a:p>
+            <a:pPr marL="0" indent="0">
+              <a:buNone/>
+            </a:pPr>
+            <a:r>
+              <a:rPr lang="en-US" sz="1200" b="1" dirty="0">
+                <a:latin typeface="Courier New"/>
+                <a:cs typeface="Courier New"/>
+              </a:rPr>
+              <a:t>  0</a:t>
+            </a:r>
+          </a:p>
+          <a:p>
+            <a:pPr marL="0" indent="0">
+              <a:buNone/>
+            </a:pPr>
+            <a:r>
+              <a:rPr lang="en-US" sz="1200" b="1" dirty="0">
+                <a:latin typeface="Courier New"/>
+                <a:cs typeface="Courier New"/>
+              </a:rPr>
+              <a:t>};</a:t>
+            </a:r>
+          </a:p>
+          <a:p>
+            <a:pPr marL="0" indent="0">
+              <a:buNone/>
+            </a:pPr>
+            <a:endParaRPr lang="en-US" sz="1200" b="1" dirty="0">
+              <a:latin typeface="Courier New"/>
+              <a:cs typeface="Courier New"/>
+            </a:endParaRPr>
+          </a:p>
+          <a:p>
+            <a:pPr marL="0" indent="0">
+              <a:buNone/>
+            </a:pPr>
+            <a:r>
+              <a:rPr lang="en-US" sz="1200" b="1" dirty="0">
+                <a:solidFill>
+                  <a:srgbClr val="008000"/>
+                </a:solidFill>
+                <a:latin typeface="Courier New"/>
+                <a:cs typeface="Courier New"/>
+              </a:rPr>
+              <a:t>// Windows</a:t>
+            </a:r>
+          </a:p>
+          <a:p>
+            <a:pPr marL="0" indent="0">
+              <a:buNone/>
+            </a:pPr>
+            <a:r>
+              <a:rPr lang="en-US" sz="1200" b="1" dirty="0" err="1">
+                <a:latin typeface="Courier New"/>
+                <a:cs typeface="Courier New"/>
+              </a:rPr>
+              <a:t>cl_context_properties</a:t>
+            </a:r>
+            <a:r>
+              <a:rPr lang="en-US" sz="1200" b="1" dirty="0">
+                <a:latin typeface="Courier New"/>
+                <a:cs typeface="Courier New"/>
+              </a:rPr>
+              <a:t> properties[] = {</a:t>
+            </a:r>
+          </a:p>
+          <a:p>
+            <a:pPr marL="0" indent="0">
+              <a:buNone/>
+            </a:pPr>
+            <a:r>
+              <a:rPr lang="en-US" sz="1200" b="1" dirty="0">
+                <a:latin typeface="Courier New"/>
+                <a:cs typeface="Courier New"/>
+              </a:rPr>
+              <a:t>  CL_GL_CONTEXT_KHR, (</a:t>
+            </a:r>
+            <a:r>
+              <a:rPr lang="en-US" sz="1200" b="1" dirty="0" err="1">
+                <a:latin typeface="Courier New"/>
+                <a:cs typeface="Courier New"/>
+              </a:rPr>
+              <a:t>cl_context_properties</a:t>
+            </a:r>
+            <a:r>
+              <a:rPr lang="en-US" sz="1200" b="1" dirty="0">
+                <a:latin typeface="Courier New"/>
+                <a:cs typeface="Courier New"/>
+              </a:rPr>
+              <a:t>)</a:t>
+            </a:r>
+            <a:r>
+              <a:rPr lang="en-US" sz="1200" b="1" dirty="0" err="1">
+                <a:solidFill>
+                  <a:srgbClr val="3366FF"/>
+                </a:solidFill>
+                <a:latin typeface="Courier New"/>
+                <a:cs typeface="Courier New"/>
+              </a:rPr>
+              <a:t>wglGetCurrentContext</a:t>
+            </a:r>
+            <a:r>
+              <a:rPr lang="en-US" sz="1200" b="1" dirty="0">
+                <a:latin typeface="Courier New"/>
+                <a:cs typeface="Courier New"/>
+              </a:rPr>
+              <a:t>(), </a:t>
+            </a:r>
+          </a:p>
+          <a:p>
+            <a:pPr marL="0" indent="0">
+              <a:buNone/>
+            </a:pPr>
+            <a:r>
+              <a:rPr lang="en-US" sz="1200" b="1" dirty="0">
+                <a:latin typeface="Courier New"/>
+                <a:cs typeface="Courier New"/>
+              </a:rPr>
+              <a:t>  CL_WGL_HDC_KHR, (</a:t>
+            </a:r>
+            <a:r>
+              <a:rPr lang="en-US" sz="1200" b="1" dirty="0" err="1">
+                <a:latin typeface="Courier New"/>
+                <a:cs typeface="Courier New"/>
+              </a:rPr>
+              <a:t>cl_context_properties</a:t>
+            </a:r>
+            <a:r>
+              <a:rPr lang="en-US" sz="1200" b="1" dirty="0">
+                <a:latin typeface="Courier New"/>
+                <a:cs typeface="Courier New"/>
+              </a:rPr>
+              <a:t>)</a:t>
+            </a:r>
+            <a:r>
+              <a:rPr lang="en-US" sz="1200" b="1" dirty="0" err="1">
+                <a:solidFill>
+                  <a:srgbClr val="3366FF"/>
+                </a:solidFill>
+                <a:latin typeface="Courier New"/>
+                <a:cs typeface="Courier New"/>
+              </a:rPr>
+              <a:t>wglGetCurrentDC</a:t>
+            </a:r>
+            <a:r>
+              <a:rPr lang="en-US" sz="1200" b="1" dirty="0">
+                <a:latin typeface="Courier New"/>
+                <a:cs typeface="Courier New"/>
+              </a:rPr>
+              <a:t>(),</a:t>
+            </a:r>
+          </a:p>
+          <a:p>
+            <a:pPr marL="0" indent="0">
+              <a:buNone/>
+            </a:pPr>
+            <a:r>
+              <a:rPr lang="en-US" sz="1200" b="1" dirty="0">
+                <a:latin typeface="Courier New"/>
+                <a:cs typeface="Courier New"/>
+              </a:rPr>
+              <a:t>  CL_CONTEXT_PLATFORM, (</a:t>
+            </a:r>
+            <a:r>
+              <a:rPr lang="en-US" sz="1200" b="1" dirty="0" err="1">
+                <a:latin typeface="Courier New"/>
+                <a:cs typeface="Courier New"/>
+              </a:rPr>
+              <a:t>cl_context_properties</a:t>
+            </a:r>
+            <a:r>
+              <a:rPr lang="en-US" sz="1200" b="1" dirty="0">
+                <a:latin typeface="Courier New"/>
+                <a:cs typeface="Courier New"/>
+              </a:rPr>
+              <a:t>)platform,</a:t>
+            </a:r>
+          </a:p>
+          <a:p>
+            <a:pPr marL="0" indent="0">
+              <a:buNone/>
+            </a:pPr>
+            <a:r>
+              <a:rPr lang="en-US" sz="1200" b="1" dirty="0">
+                <a:latin typeface="Courier New"/>
+                <a:cs typeface="Courier New"/>
+              </a:rPr>
+              <a:t>  0</a:t>
+            </a:r>
+          </a:p>
+          <a:p>
+            <a:pPr marL="0" indent="0">
+              <a:buNone/>
+            </a:pPr>
+            <a:r>
+              <a:rPr lang="en-US" sz="1200" b="1" dirty="0">
+                <a:latin typeface="Courier New"/>
+                <a:cs typeface="Courier New"/>
+              </a:rPr>
+              <a:t>};</a:t>
+            </a:r>
+          </a:p>
+          <a:p>
+            <a:pPr marL="0" indent="0">
+              <a:buNone/>
+            </a:pPr>
+            <a:endParaRPr lang="en-US" sz="1200" b="1" dirty="0">
+              <a:latin typeface="Courier New"/>
+              <a:cs typeface="Courier New"/>
+            </a:endParaRPr>
+          </a:p>
+          <a:p>
+            <a:pPr marL="0" indent="0">
+              <a:buNone/>
+            </a:pPr>
+            <a:endParaRPr lang="en-US" sz="1200" b="1" dirty="0">
+              <a:latin typeface="Courier New"/>
+              <a:cs typeface="Courier New"/>
+            </a:endParaRPr>
+          </a:p>
+          <a:p>
+            <a:pPr marL="0" indent="0">
+              <a:buNone/>
+            </a:pPr>
+            <a:r>
+              <a:rPr lang="en-US" sz="1200" b="1" dirty="0">
+                <a:solidFill>
+                  <a:srgbClr val="008000"/>
+                </a:solidFill>
+                <a:latin typeface="Courier New"/>
+                <a:cs typeface="Courier New"/>
+              </a:rPr>
+              <a:t>// Create context with properties</a:t>
+            </a:r>
+          </a:p>
+          <a:p>
+            <a:pPr marL="0" indent="0">
+              <a:buNone/>
+            </a:pPr>
+            <a:r>
+              <a:rPr lang="en-US" sz="1200" b="1" dirty="0" err="1">
+                <a:latin typeface="Courier New"/>
+                <a:cs typeface="Courier New"/>
+              </a:rPr>
+              <a:t>cl_context</a:t>
+            </a:r>
+            <a:r>
+              <a:rPr lang="en-US" sz="1200" b="1" dirty="0">
+                <a:latin typeface="Courier New"/>
+                <a:cs typeface="Courier New"/>
+              </a:rPr>
+              <a:t> context = </a:t>
+            </a:r>
+            <a:r>
+              <a:rPr lang="en-US" sz="1200" b="1" dirty="0" err="1">
+                <a:solidFill>
+                  <a:srgbClr val="3A6CF6"/>
+                </a:solidFill>
+                <a:latin typeface="Courier New"/>
+                <a:cs typeface="Courier New"/>
+              </a:rPr>
+              <a:t>clCreateContext</a:t>
+            </a:r>
+            <a:r>
+              <a:rPr lang="en-US" sz="1200" b="1" dirty="0">
+                <a:latin typeface="Courier New"/>
+                <a:cs typeface="Courier New"/>
+              </a:rPr>
+              <a:t>(properties, </a:t>
+            </a:r>
+            <a:r>
+              <a:rPr lang="en-US" sz="1200" b="1" dirty="0">
+                <a:solidFill>
+                  <a:srgbClr val="FF00FF"/>
+                </a:solidFill>
+                <a:latin typeface="Courier New"/>
+                <a:cs typeface="Courier New"/>
+              </a:rPr>
+              <a:t>1</a:t>
+            </a:r>
+            <a:r>
+              <a:rPr lang="en-US" sz="1200" b="1" dirty="0">
+                <a:latin typeface="Courier New"/>
+                <a:cs typeface="Courier New"/>
+              </a:rPr>
+              <a:t>, &amp;device, ...);</a:t>
+            </a:r>
           </a:p>
         </p:txBody>
       </p:sp>
     </p:spTree>
     <p:extLst>
       <p:ext uri="{BB962C8B-B14F-4D97-AF65-F5344CB8AC3E}">
-        <p14:creationId xmlns:p14="http://schemas.microsoft.com/office/powerpoint/2010/main" val="4002924520"/>
+        <p14:creationId xmlns:p14="http://schemas.microsoft.com/office/powerpoint/2010/main" val="3027147723"/>
       </p:ext>
     </p:extLst>
   </p:cSld>
   <p:clrMapOvr>
     <a:masterClrMapping/>
   </p:clrMapOvr>
-  <p:timing>
-    <p:tnLst>
-      <p:par>
-        <p:cTn xmlns:p14="http://schemas.microsoft.com/office/powerpoint/2010/main" id="1" dur="indefinite" restart="never" nodeType="tmRoot"/>
-      </p:par>
-    </p:tnLst>
-  </p:timing>
 </p:sld>
 </file>
 
@@ -8301,946 +11333,65 @@
           <a:lstStyle/>
           <a:p>
             <a:r>
-              <a:rPr lang="en-US" dirty="0" smtClean="0"/>
-              <a:t>Setting up OpenCL</a:t>
-            </a:r>
-            <a:endParaRPr lang="en-US" dirty="0"/>
-          </a:p>
-        </p:txBody>
-      </p:sp>
-      <p:sp>
-        <p:nvSpPr>
-          <p:cNvPr id="4" name="Text Placeholder 3"/>
-          <p:cNvSpPr>
-            <a:spLocks noGrp="1"/>
-          </p:cNvSpPr>
-          <p:nvPr>
-            <p:ph type="body" sz="half" idx="2"/>
+              <a:rPr lang="en-GB" dirty="0"/>
+              <a:t>Shared CL/GL objects</a:t>
+            </a:r>
+          </a:p>
+        </p:txBody>
+      </p:sp>
+      <p:sp>
+        <p:nvSpPr>
+          <p:cNvPr id="3" name="Content Placeholder 2"/>
+          <p:cNvSpPr>
+            <a:spLocks noGrp="1"/>
+          </p:cNvSpPr>
+          <p:nvPr>
+            <p:ph idx="1"/>
           </p:nvPr>
         </p:nvSpPr>
         <p:spPr/>
         <p:txBody>
-          <a:bodyPr/>
-          <a:lstStyle/>
-          <a:p>
-            <a:pPr marL="285750" indent="-285750">
-              <a:buFont typeface="Arial"/>
-              <a:buChar char="•"/>
-            </a:pPr>
-            <a:r>
-              <a:rPr lang="en-US" dirty="0" smtClean="0">
-                <a:solidFill>
-                  <a:schemeClr val="bg1">
-                    <a:lumMod val="75000"/>
-                  </a:schemeClr>
-                </a:solidFill>
-              </a:rPr>
-              <a:t>All of the OpenCL setup is the same as normal, with the exception of context creation</a:t>
-            </a:r>
-          </a:p>
-          <a:p>
-            <a:pPr marL="285750" indent="-285750">
-              <a:buFont typeface="Arial"/>
-              <a:buChar char="•"/>
-            </a:pPr>
-            <a:r>
-              <a:rPr lang="en-US" dirty="0">
-                <a:solidFill>
-                  <a:schemeClr val="bg1">
-                    <a:lumMod val="75000"/>
-                  </a:schemeClr>
-                </a:solidFill>
-              </a:rPr>
-              <a:t>You should check that the platform supports the CL/GL sharing extension (not all do!)</a:t>
-            </a:r>
-          </a:p>
-          <a:p>
-            <a:pPr marL="742950" lvl="1" indent="-285750">
-              <a:buFont typeface="Arial"/>
-              <a:buChar char="•"/>
-            </a:pPr>
-            <a:r>
-              <a:rPr lang="en-US" dirty="0" err="1">
-                <a:solidFill>
-                  <a:schemeClr val="bg1">
-                    <a:lumMod val="75000"/>
-                  </a:schemeClr>
-                </a:solidFill>
-              </a:rPr>
-              <a:t>cl_khr_gl_sharing</a:t>
-            </a:r>
-            <a:endParaRPr lang="en-US" dirty="0">
-              <a:solidFill>
-                <a:schemeClr val="bg1">
-                  <a:lumMod val="75000"/>
-                </a:schemeClr>
-              </a:solidFill>
-            </a:endParaRPr>
-          </a:p>
-          <a:p>
-            <a:pPr marL="742950" lvl="1" indent="-285750">
-              <a:buFont typeface="Arial"/>
-              <a:buChar char="•"/>
-            </a:pPr>
-            <a:r>
-              <a:rPr lang="en-US" dirty="0" err="1">
-                <a:solidFill>
-                  <a:schemeClr val="bg1">
-                    <a:lumMod val="75000"/>
-                  </a:schemeClr>
-                </a:solidFill>
-              </a:rPr>
-              <a:t>cl_APPLE_gl_sharing</a:t>
-            </a:r>
-            <a:endParaRPr lang="en-US" dirty="0">
-              <a:solidFill>
-                <a:schemeClr val="bg1">
-                  <a:lumMod val="75000"/>
-                </a:schemeClr>
-              </a:solidFill>
-            </a:endParaRPr>
-          </a:p>
-          <a:p>
-            <a:pPr marL="285750" indent="-285750">
-              <a:buFont typeface="Arial"/>
-              <a:buChar char="•"/>
-            </a:pPr>
-            <a:r>
-              <a:rPr lang="en-US" dirty="0">
-                <a:solidFill>
-                  <a:schemeClr val="bg1">
-                    <a:lumMod val="75000"/>
-                  </a:schemeClr>
-                </a:solidFill>
-              </a:rPr>
-              <a:t>Queue creation, kernel compilation, etc. is the same as </a:t>
-            </a:r>
-            <a:r>
-              <a:rPr lang="en-US" dirty="0" smtClean="0">
-                <a:solidFill>
-                  <a:schemeClr val="bg1">
-                    <a:lumMod val="75000"/>
-                  </a:schemeClr>
-                </a:solidFill>
-              </a:rPr>
-              <a:t>before</a:t>
-            </a:r>
-            <a:endParaRPr lang="en-US" dirty="0">
-              <a:solidFill>
-                <a:schemeClr val="bg1">
-                  <a:lumMod val="75000"/>
-                </a:schemeClr>
-              </a:solidFill>
-            </a:endParaRPr>
-          </a:p>
-          <a:p>
-            <a:pPr marL="285750" indent="-285750">
-              <a:buFont typeface="Arial"/>
-              <a:buChar char="•"/>
-            </a:pPr>
-            <a:endParaRPr lang="en-US" dirty="0"/>
-          </a:p>
-          <a:p>
-            <a:pPr marL="285750" indent="-285750">
-              <a:buFont typeface="Arial"/>
-              <a:buChar char="•"/>
-            </a:pPr>
-            <a:r>
-              <a:rPr lang="en-US" dirty="0" smtClean="0"/>
-              <a:t>Finally, we can create our shared object between OpenCL and OpenGL</a:t>
-            </a:r>
-            <a:endParaRPr lang="en-US" dirty="0"/>
-          </a:p>
-          <a:p>
-            <a:pPr marL="285750" indent="-285750">
-              <a:buFont typeface="Arial"/>
-              <a:buChar char="•"/>
-            </a:pPr>
-            <a:r>
-              <a:rPr lang="en-US" dirty="0" smtClean="0"/>
-              <a:t>This is a </a:t>
-            </a:r>
-            <a:r>
-              <a:rPr lang="en-US" b="1" dirty="0" smtClean="0">
-                <a:solidFill>
-                  <a:srgbClr val="3366FF"/>
-                </a:solidFill>
-                <a:latin typeface="Courier New"/>
-                <a:cs typeface="Courier New"/>
-              </a:rPr>
-              <a:t>cl::</a:t>
-            </a:r>
-            <a:r>
-              <a:rPr lang="en-US" b="1" dirty="0" err="1" smtClean="0">
-                <a:solidFill>
-                  <a:srgbClr val="3366FF"/>
-                </a:solidFill>
-                <a:latin typeface="Courier New"/>
-                <a:cs typeface="Courier New"/>
-              </a:rPr>
-              <a:t>ImageGL</a:t>
-            </a:r>
-            <a:r>
-              <a:rPr lang="en-US" dirty="0" smtClean="0">
-                <a:latin typeface="Trebuchet MS"/>
-                <a:cs typeface="Trebuchet MS"/>
-              </a:rPr>
-              <a:t> * or </a:t>
-            </a:r>
-            <a:r>
-              <a:rPr lang="en-US" b="1" dirty="0" smtClean="0">
-                <a:solidFill>
-                  <a:srgbClr val="3366FF"/>
-                </a:solidFill>
-                <a:latin typeface="Courier New"/>
-                <a:cs typeface="Courier New"/>
-              </a:rPr>
-              <a:t>cl::</a:t>
-            </a:r>
-            <a:r>
-              <a:rPr lang="en-US" b="1" dirty="0" err="1" smtClean="0">
-                <a:solidFill>
-                  <a:srgbClr val="3366FF"/>
-                </a:solidFill>
-                <a:latin typeface="Courier New"/>
-                <a:cs typeface="Courier New"/>
-              </a:rPr>
-              <a:t>BufferGL</a:t>
-            </a:r>
-            <a:r>
-              <a:rPr lang="en-US" b="1" dirty="0" smtClean="0">
-                <a:solidFill>
-                  <a:srgbClr val="3366FF"/>
-                </a:solidFill>
-                <a:latin typeface="Courier New"/>
-                <a:cs typeface="Courier New"/>
-              </a:rPr>
-              <a:t> </a:t>
-            </a:r>
-            <a:r>
-              <a:rPr lang="en-US" dirty="0" smtClean="0"/>
-              <a:t>object, which is used in the same fashion as other memory objects</a:t>
-            </a:r>
-          </a:p>
-          <a:p>
-            <a:pPr marL="285750" indent="-285750">
-              <a:buFont typeface="Arial"/>
-              <a:buChar char="•"/>
-            </a:pPr>
-            <a:endParaRPr lang="en-US" dirty="0" smtClean="0"/>
-          </a:p>
-        </p:txBody>
-      </p:sp>
-      <p:sp>
-        <p:nvSpPr>
-          <p:cNvPr id="6" name="Content Placeholder 3"/>
-          <p:cNvSpPr>
-            <a:spLocks noGrp="1"/>
-          </p:cNvSpPr>
-          <p:nvPr>
-            <p:ph idx="1"/>
-          </p:nvPr>
-        </p:nvSpPr>
-        <p:spPr>
-          <a:xfrm>
-            <a:off x="3575050" y="273050"/>
-            <a:ext cx="5111750" cy="5853113"/>
-          </a:xfrm>
-        </p:spPr>
-        <p:txBody>
           <a:bodyPr>
-            <a:normAutofit/>
+            <a:normAutofit lnSpcReduction="10000"/>
           </a:bodyPr>
           <a:lstStyle/>
           <a:p>
-            <a:pPr marL="0" indent="0">
-              <a:buNone/>
-            </a:pPr>
-            <a:r>
-              <a:rPr lang="en-US" sz="1200" b="1" dirty="0" smtClean="0">
-                <a:solidFill>
-                  <a:srgbClr val="008000"/>
-                </a:solidFill>
-                <a:latin typeface="Courier New"/>
-                <a:cs typeface="Courier New"/>
-              </a:rPr>
-              <a:t>// Create an OpenCL image from an OpenGL texture</a:t>
-            </a:r>
-          </a:p>
-          <a:p>
-            <a:pPr marL="0" indent="0">
-              <a:buNone/>
-            </a:pPr>
-            <a:r>
-              <a:rPr lang="en-US" sz="1200" b="1" dirty="0" smtClean="0">
-                <a:latin typeface="Courier New"/>
-                <a:cs typeface="Courier New"/>
-              </a:rPr>
-              <a:t>cl::</a:t>
-            </a:r>
-            <a:r>
-              <a:rPr lang="en-US" sz="1200" b="1" dirty="0" err="1" smtClean="0">
-                <a:latin typeface="Courier New"/>
-                <a:cs typeface="Courier New"/>
-              </a:rPr>
-              <a:t>ImageGL</a:t>
-            </a:r>
-            <a:r>
-              <a:rPr lang="en-US" sz="1200" b="1" dirty="0" smtClean="0">
-                <a:latin typeface="Courier New"/>
-                <a:cs typeface="Courier New"/>
-              </a:rPr>
-              <a:t> </a:t>
-            </a:r>
-            <a:r>
-              <a:rPr lang="en-US" sz="1200" b="1" dirty="0" err="1" smtClean="0">
-                <a:solidFill>
-                  <a:schemeClr val="accent4"/>
-                </a:solidFill>
-                <a:latin typeface="Courier New"/>
-                <a:cs typeface="Courier New"/>
-              </a:rPr>
-              <a:t>texTargetCL</a:t>
-            </a:r>
-            <a:r>
-              <a:rPr lang="en-US" sz="1200" b="1" dirty="0" smtClean="0">
-                <a:latin typeface="Courier New"/>
-                <a:cs typeface="Courier New"/>
-              </a:rPr>
-              <a:t>(</a:t>
-            </a:r>
-          </a:p>
-          <a:p>
-            <a:pPr marL="0" indent="0">
-              <a:buNone/>
-            </a:pPr>
-            <a:r>
-              <a:rPr lang="en-US" sz="1200" b="1" dirty="0" smtClean="0">
-                <a:latin typeface="Courier New"/>
-                <a:cs typeface="Courier New"/>
-              </a:rPr>
-              <a:t>  context</a:t>
-            </a:r>
-            <a:r>
-              <a:rPr lang="en-US" sz="1200" b="1" dirty="0">
-                <a:latin typeface="Courier New"/>
-                <a:cs typeface="Courier New"/>
-              </a:rPr>
-              <a:t>, </a:t>
-            </a:r>
-            <a:endParaRPr lang="en-US" sz="1200" b="1" dirty="0" smtClean="0">
-              <a:latin typeface="Courier New"/>
-              <a:cs typeface="Courier New"/>
-            </a:endParaRPr>
-          </a:p>
-          <a:p>
-            <a:pPr marL="0" indent="0">
-              <a:buNone/>
-            </a:pPr>
-            <a:r>
-              <a:rPr lang="en-US" sz="1200" b="1" dirty="0" smtClean="0">
-                <a:latin typeface="Courier New"/>
-                <a:cs typeface="Courier New"/>
-              </a:rPr>
-              <a:t>  CL_MEM_WRITE_ONLY, </a:t>
-            </a:r>
-          </a:p>
-          <a:p>
-            <a:pPr marL="0" indent="0">
-              <a:buNone/>
-            </a:pPr>
-            <a:r>
-              <a:rPr lang="en-US" sz="1200" b="1" dirty="0" smtClean="0">
-                <a:latin typeface="Courier New"/>
-                <a:cs typeface="Courier New"/>
-              </a:rPr>
-              <a:t>  GL_TEXTURE_2D</a:t>
-            </a:r>
-            <a:r>
-              <a:rPr lang="en-US" sz="1200" b="1" dirty="0">
-                <a:latin typeface="Courier New"/>
-                <a:cs typeface="Courier New"/>
-              </a:rPr>
-              <a:t>, </a:t>
-            </a:r>
-            <a:endParaRPr lang="en-US" sz="1200" b="1" dirty="0" smtClean="0">
-              <a:latin typeface="Courier New"/>
-              <a:cs typeface="Courier New"/>
-            </a:endParaRPr>
-          </a:p>
-          <a:p>
-            <a:pPr marL="0" indent="0">
-              <a:buNone/>
-            </a:pPr>
-            <a:r>
-              <a:rPr lang="en-US" sz="1200" b="1" dirty="0" smtClean="0">
-                <a:latin typeface="Courier New"/>
-                <a:cs typeface="Courier New"/>
-              </a:rPr>
-              <a:t>  </a:t>
-            </a:r>
-            <a:r>
-              <a:rPr lang="en-US" sz="1200" b="1" dirty="0" smtClean="0">
-                <a:solidFill>
-                  <a:srgbClr val="FF00FF"/>
-                </a:solidFill>
-                <a:latin typeface="Courier New"/>
-                <a:cs typeface="Courier New"/>
-              </a:rPr>
-              <a:t>0</a:t>
-            </a:r>
-            <a:r>
-              <a:rPr lang="en-US" sz="1200" b="1" dirty="0">
-                <a:latin typeface="Courier New"/>
-                <a:cs typeface="Courier New"/>
-              </a:rPr>
-              <a:t>, </a:t>
-            </a:r>
-            <a:endParaRPr lang="en-US" sz="1200" b="1" dirty="0" smtClean="0">
-              <a:latin typeface="Courier New"/>
-              <a:cs typeface="Courier New"/>
-            </a:endParaRPr>
-          </a:p>
-          <a:p>
-            <a:pPr marL="0" indent="0">
-              <a:buNone/>
-            </a:pPr>
-            <a:r>
-              <a:rPr lang="en-US" sz="1200" b="1" dirty="0" smtClean="0">
-                <a:latin typeface="Courier New"/>
-                <a:cs typeface="Courier New"/>
-              </a:rPr>
-              <a:t>  </a:t>
-            </a:r>
-            <a:r>
-              <a:rPr lang="en-US" sz="1200" b="1" dirty="0" err="1" smtClean="0">
-                <a:latin typeface="Courier New"/>
-                <a:cs typeface="Courier New"/>
-              </a:rPr>
-              <a:t>texTargetGL</a:t>
-            </a:r>
-            <a:endParaRPr lang="en-US" sz="1200" b="1" dirty="0">
-              <a:latin typeface="Courier New"/>
-              <a:cs typeface="Courier New"/>
-            </a:endParaRPr>
-          </a:p>
-          <a:p>
-            <a:pPr marL="0" indent="0">
-              <a:buNone/>
-            </a:pPr>
-            <a:r>
-              <a:rPr lang="en-US" sz="1200" b="1" dirty="0" smtClean="0">
-                <a:latin typeface="Courier New"/>
-                <a:cs typeface="Courier New"/>
-              </a:rPr>
-              <a:t>);</a:t>
-            </a:r>
-          </a:p>
-          <a:p>
-            <a:pPr marL="0" indent="0">
-              <a:buNone/>
-            </a:pPr>
-            <a:endParaRPr lang="en-US" sz="1200" dirty="0">
-              <a:latin typeface="Menlo"/>
-            </a:endParaRPr>
-          </a:p>
-          <a:p>
-            <a:pPr marL="0" indent="0">
-              <a:buNone/>
-            </a:pPr>
-            <a:r>
-              <a:rPr lang="en-US" sz="1200" b="1" dirty="0">
-                <a:solidFill>
-                  <a:srgbClr val="008000"/>
-                </a:solidFill>
-                <a:latin typeface="Courier New"/>
-                <a:cs typeface="Courier New"/>
-              </a:rPr>
-              <a:t>// Create an OpenCL image from an OpenGL </a:t>
-            </a:r>
-            <a:r>
-              <a:rPr lang="en-US" sz="1200" b="1" dirty="0" smtClean="0">
-                <a:solidFill>
-                  <a:srgbClr val="008000"/>
-                </a:solidFill>
-                <a:latin typeface="Courier New"/>
-                <a:cs typeface="Courier New"/>
-              </a:rPr>
-              <a:t>buffer</a:t>
-            </a:r>
-            <a:endParaRPr lang="en-US" sz="1200" b="1" dirty="0">
-              <a:solidFill>
-                <a:srgbClr val="008000"/>
-              </a:solidFill>
-              <a:latin typeface="Courier New"/>
-              <a:cs typeface="Courier New"/>
-            </a:endParaRPr>
-          </a:p>
-          <a:p>
-            <a:pPr marL="0" indent="0">
-              <a:buNone/>
-            </a:pPr>
-            <a:r>
-              <a:rPr lang="en-US" sz="1200" b="1" dirty="0" smtClean="0">
-                <a:latin typeface="Courier New"/>
-                <a:cs typeface="Courier New"/>
-              </a:rPr>
-              <a:t>cl::</a:t>
-            </a:r>
-            <a:r>
-              <a:rPr lang="en-US" sz="1200" b="1" dirty="0" err="1" smtClean="0">
-                <a:latin typeface="Courier New"/>
-                <a:cs typeface="Courier New"/>
-              </a:rPr>
-              <a:t>BufferGL</a:t>
-            </a:r>
-            <a:r>
-              <a:rPr lang="en-US" sz="1200" b="1" dirty="0" smtClean="0">
-                <a:latin typeface="Courier New"/>
-                <a:cs typeface="Courier New"/>
-              </a:rPr>
-              <a:t> </a:t>
-            </a:r>
-            <a:r>
-              <a:rPr lang="en-US" sz="1200" b="1" dirty="0" err="1" smtClean="0">
-                <a:solidFill>
-                  <a:schemeClr val="accent4"/>
-                </a:solidFill>
-                <a:latin typeface="Courier New"/>
-                <a:cs typeface="Courier New"/>
-              </a:rPr>
-              <a:t>bufTargetCL</a:t>
-            </a:r>
-            <a:r>
-              <a:rPr lang="en-US" sz="1200" b="1" dirty="0" smtClean="0">
-                <a:latin typeface="Courier New"/>
-                <a:cs typeface="Courier New"/>
-              </a:rPr>
-              <a:t>(</a:t>
-            </a:r>
-            <a:endParaRPr lang="en-US" sz="1200" b="1" dirty="0">
-              <a:latin typeface="Courier New"/>
-              <a:cs typeface="Courier New"/>
-            </a:endParaRPr>
-          </a:p>
-          <a:p>
-            <a:pPr marL="0" indent="0">
-              <a:buNone/>
-            </a:pPr>
-            <a:r>
-              <a:rPr lang="en-US" sz="1200" b="1" dirty="0">
-                <a:latin typeface="Courier New"/>
-                <a:cs typeface="Courier New"/>
-              </a:rPr>
-              <a:t>  context, </a:t>
-            </a:r>
-          </a:p>
-          <a:p>
-            <a:pPr marL="0" indent="0">
-              <a:buNone/>
-            </a:pPr>
-            <a:r>
-              <a:rPr lang="en-US" sz="1200" b="1" dirty="0">
-                <a:latin typeface="Courier New"/>
-                <a:cs typeface="Courier New"/>
-              </a:rPr>
-              <a:t>  </a:t>
-            </a:r>
-            <a:r>
-              <a:rPr lang="en-US" sz="1200" b="1" dirty="0" smtClean="0">
-                <a:latin typeface="Courier New"/>
-                <a:cs typeface="Courier New"/>
-              </a:rPr>
-              <a:t>CL_MEM_WRITE_ONLY, </a:t>
-            </a:r>
-            <a:endParaRPr lang="en-US" sz="1200" b="1" dirty="0">
-              <a:latin typeface="Courier New"/>
-              <a:cs typeface="Courier New"/>
-            </a:endParaRPr>
-          </a:p>
-          <a:p>
-            <a:pPr marL="0" indent="0">
-              <a:buNone/>
-            </a:pPr>
-            <a:r>
-              <a:rPr lang="en-US" sz="1200" b="1" dirty="0">
-                <a:latin typeface="Courier New"/>
-                <a:cs typeface="Courier New"/>
-              </a:rPr>
-              <a:t>  </a:t>
-            </a:r>
-            <a:r>
-              <a:rPr lang="en-US" sz="1200" b="1" dirty="0" err="1" smtClean="0">
-                <a:latin typeface="Courier New"/>
-                <a:cs typeface="Courier New"/>
-              </a:rPr>
-              <a:t>bufTargetGL</a:t>
-            </a:r>
-            <a:endParaRPr lang="en-US" sz="1200" b="1" dirty="0">
-              <a:latin typeface="Courier New"/>
-              <a:cs typeface="Courier New"/>
-            </a:endParaRPr>
-          </a:p>
-          <a:p>
-            <a:pPr marL="0" indent="0">
-              <a:buNone/>
-            </a:pPr>
-            <a:r>
-              <a:rPr lang="en-US" sz="1200" b="1" dirty="0">
-                <a:latin typeface="Courier New"/>
-                <a:cs typeface="Courier New"/>
-              </a:rPr>
-              <a:t>);</a:t>
-            </a:r>
-          </a:p>
-          <a:p>
-            <a:pPr marL="0" indent="0">
-              <a:buNone/>
-            </a:pPr>
-            <a:endParaRPr lang="en-US" sz="1200" b="1" dirty="0" smtClean="0">
-              <a:latin typeface="Courier New"/>
-              <a:cs typeface="Courier New"/>
-            </a:endParaRPr>
-          </a:p>
-          <a:p>
-            <a:pPr marL="0" indent="0">
-              <a:buNone/>
-            </a:pPr>
-            <a:r>
-              <a:rPr lang="en-US" sz="1200" b="1" dirty="0" smtClean="0">
-                <a:solidFill>
-                  <a:srgbClr val="008000"/>
-                </a:solidFill>
-                <a:latin typeface="Courier New"/>
-                <a:cs typeface="Courier New"/>
-              </a:rPr>
-              <a:t>// Create an OpenCL buffer from a mapped PBO</a:t>
-            </a:r>
-          </a:p>
-          <a:p>
-            <a:pPr marL="0" indent="0">
-              <a:buNone/>
-            </a:pPr>
-            <a:r>
-              <a:rPr lang="en-US" sz="1200" b="1" dirty="0" smtClean="0">
-                <a:latin typeface="Courier New"/>
-                <a:cs typeface="Courier New"/>
-              </a:rPr>
-              <a:t>cl::Buffer </a:t>
-            </a:r>
-            <a:r>
-              <a:rPr lang="en-US" sz="1200" b="1" dirty="0" err="1" smtClean="0">
-                <a:solidFill>
-                  <a:schemeClr val="accent4"/>
-                </a:solidFill>
-                <a:latin typeface="Courier New"/>
-                <a:cs typeface="Courier New"/>
-              </a:rPr>
-              <a:t>bufTargetCL</a:t>
-            </a:r>
-            <a:r>
-              <a:rPr lang="en-US" sz="1200" b="1" dirty="0" smtClean="0">
-                <a:latin typeface="Courier New"/>
-                <a:cs typeface="Courier New"/>
-              </a:rPr>
-              <a:t>(</a:t>
-            </a:r>
-          </a:p>
-          <a:p>
-            <a:pPr marL="0" indent="0">
-              <a:buNone/>
-            </a:pPr>
-            <a:r>
-              <a:rPr lang="en-US" sz="1200" b="1" dirty="0">
-                <a:latin typeface="Courier New"/>
-                <a:cs typeface="Courier New"/>
-              </a:rPr>
-              <a:t> </a:t>
-            </a:r>
-            <a:r>
-              <a:rPr lang="en-US" sz="1200" b="1" dirty="0" smtClean="0">
-                <a:latin typeface="Courier New"/>
-                <a:cs typeface="Courier New"/>
-              </a:rPr>
-              <a:t> context,</a:t>
-            </a:r>
-          </a:p>
-          <a:p>
-            <a:pPr marL="0" indent="0">
-              <a:buNone/>
-            </a:pPr>
-            <a:r>
-              <a:rPr lang="en-US" sz="1200" b="1" dirty="0">
-                <a:latin typeface="Courier New"/>
-                <a:cs typeface="Courier New"/>
-              </a:rPr>
-              <a:t> </a:t>
-            </a:r>
-            <a:r>
-              <a:rPr lang="en-US" sz="1200" b="1" dirty="0" smtClean="0">
-                <a:latin typeface="Courier New"/>
-                <a:cs typeface="Courier New"/>
-              </a:rPr>
-              <a:t> CL_MEM_WRITE_ONLY | CL_MEM_USE_HOST_PTR</a:t>
-            </a:r>
-            <a:r>
-              <a:rPr lang="en-US" sz="1200" b="1" dirty="0">
-                <a:latin typeface="Courier New"/>
-                <a:cs typeface="Courier New"/>
-              </a:rPr>
-              <a:t>, </a:t>
-            </a:r>
-          </a:p>
-          <a:p>
-            <a:pPr marL="0" indent="0">
-              <a:buNone/>
-            </a:pPr>
-            <a:r>
-              <a:rPr lang="en-US" sz="1200" b="1" dirty="0" smtClean="0">
-                <a:latin typeface="Courier New"/>
-                <a:cs typeface="Courier New"/>
-              </a:rPr>
-              <a:t>  width</a:t>
-            </a:r>
-            <a:r>
-              <a:rPr lang="en-US" sz="1200" b="1" dirty="0">
-                <a:latin typeface="Courier New"/>
-                <a:cs typeface="Courier New"/>
-              </a:rPr>
-              <a:t>*height*</a:t>
-            </a:r>
-            <a:r>
-              <a:rPr lang="en-US" sz="1200" b="1" dirty="0" err="1">
-                <a:latin typeface="Courier New"/>
-                <a:cs typeface="Courier New"/>
-              </a:rPr>
-              <a:t>sizeof</a:t>
-            </a:r>
-            <a:r>
-              <a:rPr lang="en-US" sz="1200" b="1" dirty="0">
-                <a:latin typeface="Courier New"/>
-                <a:cs typeface="Courier New"/>
-              </a:rPr>
-              <a:t>(</a:t>
-            </a:r>
-            <a:r>
-              <a:rPr lang="en-US" sz="1200" b="1" i="1" dirty="0">
-                <a:solidFill>
-                  <a:srgbClr val="3366FF"/>
-                </a:solidFill>
-                <a:latin typeface="Courier New"/>
-                <a:cs typeface="Courier New"/>
-              </a:rPr>
-              <a:t>cl_uchar4</a:t>
-            </a:r>
-            <a:r>
-              <a:rPr lang="en-US" sz="1200" b="1" dirty="0">
-                <a:latin typeface="Courier New"/>
-                <a:cs typeface="Courier New"/>
-              </a:rPr>
-              <a:t>)</a:t>
-            </a:r>
-            <a:r>
-              <a:rPr lang="en-US" sz="1200" b="1" dirty="0" smtClean="0">
-                <a:latin typeface="Courier New"/>
-                <a:cs typeface="Courier New"/>
-              </a:rPr>
-              <a:t>,</a:t>
-            </a:r>
-          </a:p>
-          <a:p>
-            <a:pPr marL="0" indent="0">
-              <a:buNone/>
-            </a:pPr>
-            <a:r>
-              <a:rPr lang="en-US" sz="1200" b="1" dirty="0">
-                <a:latin typeface="Courier New"/>
-                <a:cs typeface="Courier New"/>
-              </a:rPr>
-              <a:t> </a:t>
-            </a:r>
-            <a:r>
-              <a:rPr lang="en-US" sz="1200" b="1" dirty="0" smtClean="0">
-                <a:latin typeface="Courier New"/>
-                <a:cs typeface="Courier New"/>
-              </a:rPr>
-              <a:t> </a:t>
-            </a:r>
-            <a:r>
-              <a:rPr lang="en-US" sz="1200" b="1" dirty="0" err="1" smtClean="0">
-                <a:latin typeface="Courier New"/>
-                <a:cs typeface="Courier New"/>
-              </a:rPr>
-              <a:t>ptr</a:t>
-            </a:r>
-            <a:r>
-              <a:rPr lang="en-US" sz="1200" b="1" dirty="0" smtClean="0">
-                <a:latin typeface="Courier New"/>
-                <a:cs typeface="Courier New"/>
-              </a:rPr>
-              <a:t>,   </a:t>
-            </a:r>
-            <a:r>
-              <a:rPr lang="en-US" sz="1200" b="1" dirty="0" smtClean="0">
-                <a:solidFill>
-                  <a:srgbClr val="008000"/>
-                </a:solidFill>
-                <a:latin typeface="Courier New"/>
-                <a:cs typeface="Courier New"/>
-              </a:rPr>
-              <a:t>// mapped GL buffer</a:t>
-            </a:r>
-          </a:p>
-          <a:p>
-            <a:pPr marL="0" indent="0">
-              <a:buNone/>
-            </a:pPr>
-            <a:r>
-              <a:rPr lang="en-US" sz="1200" b="1" dirty="0" smtClean="0">
-                <a:latin typeface="Courier New"/>
-                <a:cs typeface="Courier New"/>
-              </a:rPr>
-              <a:t>)</a:t>
-            </a:r>
-            <a:r>
-              <a:rPr lang="en-US" sz="1200" b="1" dirty="0">
-                <a:latin typeface="Courier New"/>
-                <a:cs typeface="Courier New"/>
-              </a:rPr>
-              <a:t>;</a:t>
-            </a:r>
-            <a:endParaRPr lang="en-US" sz="1200" b="1" dirty="0" smtClean="0">
-              <a:latin typeface="Courier New"/>
-              <a:cs typeface="Courier New"/>
-            </a:endParaRPr>
-          </a:p>
-        </p:txBody>
-      </p:sp>
-      <p:sp>
-        <p:nvSpPr>
-          <p:cNvPr id="5" name="TextBox 4"/>
-          <p:cNvSpPr txBox="1"/>
-          <p:nvPr/>
-        </p:nvSpPr>
-        <p:spPr>
-          <a:xfrm>
-            <a:off x="467544" y="6381328"/>
-            <a:ext cx="8280920" cy="276999"/>
-          </a:xfrm>
-          <a:prstGeom prst="rect">
-            <a:avLst/>
-          </a:prstGeom>
-          <a:noFill/>
-        </p:spPr>
-        <p:txBody>
-          <a:bodyPr wrap="square" rtlCol="0">
-            <a:spAutoFit/>
-          </a:bodyPr>
-          <a:lstStyle/>
-          <a:p>
-            <a:r>
-              <a:rPr lang="en-GB" sz="1200" dirty="0" smtClean="0"/>
-              <a:t>*</a:t>
-            </a:r>
-            <a:r>
-              <a:rPr lang="en-GB" sz="1200" dirty="0" err="1" smtClean="0"/>
-              <a:t>OpenCL</a:t>
-            </a:r>
-            <a:r>
-              <a:rPr lang="en-GB" sz="1200" dirty="0" smtClean="0"/>
-              <a:t> 1.2: </a:t>
-            </a:r>
-            <a:r>
-              <a:rPr lang="en-GB" sz="1200" b="1" dirty="0" smtClean="0">
-                <a:solidFill>
-                  <a:srgbClr val="3366FF"/>
-                </a:solidFill>
-                <a:latin typeface="Courier New"/>
-                <a:cs typeface="Courier New"/>
-              </a:rPr>
-              <a:t>cl::</a:t>
-            </a:r>
-            <a:r>
-              <a:rPr lang="en-GB" sz="1200" b="1" dirty="0" err="1" smtClean="0">
-                <a:solidFill>
-                  <a:srgbClr val="3366FF"/>
-                </a:solidFill>
-                <a:latin typeface="Courier New"/>
-                <a:cs typeface="Courier New"/>
-              </a:rPr>
-              <a:t>ImageGL</a:t>
-            </a:r>
-            <a:r>
-              <a:rPr lang="en-GB" sz="1200" dirty="0" smtClean="0">
-                <a:solidFill>
-                  <a:srgbClr val="3366FF"/>
-                </a:solidFill>
-              </a:rPr>
-              <a:t> </a:t>
-            </a:r>
-            <a:r>
-              <a:rPr lang="en-GB" sz="1200" dirty="0" smtClean="0"/>
-              <a:t>; </a:t>
-            </a:r>
-            <a:r>
-              <a:rPr lang="en-GB" sz="1200" dirty="0" err="1" smtClean="0"/>
-              <a:t>OpenCL</a:t>
-            </a:r>
-            <a:r>
-              <a:rPr lang="en-GB" sz="1200" dirty="0" smtClean="0"/>
-              <a:t> 1.1: </a:t>
-            </a:r>
-            <a:r>
-              <a:rPr lang="en-GB" sz="1200" b="1" dirty="0" smtClean="0">
-                <a:solidFill>
-                  <a:srgbClr val="3366FF"/>
-                </a:solidFill>
-                <a:latin typeface="Courier New"/>
-                <a:cs typeface="Courier New"/>
-              </a:rPr>
-              <a:t>cl::Image2DGL</a:t>
-            </a:r>
-            <a:r>
-              <a:rPr lang="en-GB" sz="1200" dirty="0" smtClean="0"/>
-              <a:t> and </a:t>
-            </a:r>
-            <a:r>
-              <a:rPr lang="en-GB" sz="1200" b="1" dirty="0" smtClean="0">
-                <a:solidFill>
-                  <a:srgbClr val="3366FF"/>
-                </a:solidFill>
-                <a:latin typeface="Courier New"/>
-                <a:cs typeface="Courier New"/>
-              </a:rPr>
-              <a:t>cl::Image3DGL</a:t>
-            </a:r>
-            <a:endParaRPr lang="en-GB" sz="1200" b="1" dirty="0">
-              <a:solidFill>
-                <a:srgbClr val="3366FF"/>
-              </a:solidFill>
-              <a:latin typeface="Courier New"/>
-              <a:cs typeface="Courier New"/>
-            </a:endParaRPr>
+            <a:r>
+              <a:rPr lang="en-GB" dirty="0"/>
+              <a:t>OpenGL textures can be shared as OpenCL image objects</a:t>
+            </a:r>
+          </a:p>
+          <a:p>
+            <a:pPr lvl="1"/>
+            <a:r>
+              <a:rPr lang="en-GB" dirty="0"/>
+              <a:t>There are some limitations about which GL texture formats are supported</a:t>
+            </a:r>
+          </a:p>
+          <a:p>
+            <a:r>
+              <a:rPr lang="en-GB" dirty="0"/>
+              <a:t>OpenGL buffer-objects (PBO / VBO) can be shared as OpenCL buffer objects</a:t>
+            </a:r>
+          </a:p>
+          <a:p>
+            <a:r>
+              <a:rPr lang="en-GB" dirty="0"/>
+              <a:t>If the device doesn’t support CL/GL sharing, a GL buffer can be mapped to a host pointer and wrapped by an OpenCL buffer</a:t>
+            </a:r>
           </a:p>
         </p:txBody>
       </p:sp>
     </p:spTree>
     <p:extLst>
       <p:ext uri="{BB962C8B-B14F-4D97-AF65-F5344CB8AC3E}">
-        <p14:creationId xmlns:p14="http://schemas.microsoft.com/office/powerpoint/2010/main" val="36640105"/>
+        <p14:creationId xmlns:p14="http://schemas.microsoft.com/office/powerpoint/2010/main" val="4002924520"/>
       </p:ext>
     </p:extLst>
   </p:cSld>
   <p:clrMapOvr>
     <a:masterClrMapping/>
   </p:clrMapOvr>
-  <p:timing>
-    <p:tnLst>
-      <p:par>
-        <p:cTn xmlns:p14="http://schemas.microsoft.com/office/powerpoint/2010/main" id="1" dur="indefinite" restart="never" nodeType="tmRoot"/>
-      </p:par>
-    </p:tnLst>
-  </p:timing>
 </p:sld>
 </file>
 

--- a/advanced_part4.pptx
+++ b/advanced_part4.pptx
@@ -224,7 +224,7 @@
           <a:p>
             <a:fld id="{2E256997-BFE9-1645-ACA2-FB0069B34735}" type="datetimeFigureOut">
               <a:rPr lang="en-US" smtClean="0"/>
-              <a:t>11/24/18</a:t>
+              <a:t>11/25/18</a:t>
             </a:fld>
             <a:endParaRPr lang="en-GB"/>
           </a:p>
@@ -1415,9 +1415,9 @@
           <a:bodyPr/>
           <a:lstStyle/>
           <a:p>
-            <a:fld id="{63635F44-C3D0-2B4D-8E09-42DBC0FC5507}" type="datetimeFigureOut">
-              <a:rPr lang="en-US" smtClean="0"/>
-              <a:t>11/24/18</a:t>
+            <a:fld id="{80303638-A28B-D847-B11E-FC7BFED9E47E}" type="datetime1">
+              <a:rPr lang="en-GB" smtClean="0"/>
+              <a:t>25/11/2018</a:t>
             </a:fld>
             <a:endParaRPr lang="en-GB"/>
           </a:p>
@@ -1583,9 +1583,9 @@
           <a:bodyPr/>
           <a:lstStyle/>
           <a:p>
-            <a:fld id="{63635F44-C3D0-2B4D-8E09-42DBC0FC5507}" type="datetimeFigureOut">
-              <a:rPr lang="en-US" smtClean="0"/>
-              <a:t>11/24/18</a:t>
+            <a:fld id="{EE809228-39DA-B64F-8AF2-27C76A91CB87}" type="datetime1">
+              <a:rPr lang="en-GB" smtClean="0"/>
+              <a:t>25/11/2018</a:t>
             </a:fld>
             <a:endParaRPr lang="en-GB"/>
           </a:p>
@@ -1761,9 +1761,9 @@
           <a:bodyPr/>
           <a:lstStyle/>
           <a:p>
-            <a:fld id="{63635F44-C3D0-2B4D-8E09-42DBC0FC5507}" type="datetimeFigureOut">
-              <a:rPr lang="en-US" smtClean="0"/>
-              <a:t>11/24/18</a:t>
+            <a:fld id="{81D47792-966E-E54F-8F9B-97A473AB3CA3}" type="datetime1">
+              <a:rPr lang="en-GB" smtClean="0"/>
+              <a:t>25/11/2018</a:t>
             </a:fld>
             <a:endParaRPr lang="en-GB"/>
           </a:p>
@@ -1929,9 +1929,9 @@
           <a:bodyPr/>
           <a:lstStyle/>
           <a:p>
-            <a:fld id="{63635F44-C3D0-2B4D-8E09-42DBC0FC5507}" type="datetimeFigureOut">
-              <a:rPr lang="en-US" smtClean="0"/>
-              <a:t>11/24/18</a:t>
+            <a:fld id="{7DFCAB7C-8C9E-454D-BDDF-463FD05F41E5}" type="datetime1">
+              <a:rPr lang="en-GB" smtClean="0"/>
+              <a:t>25/11/2018</a:t>
             </a:fld>
             <a:endParaRPr lang="en-GB"/>
           </a:p>
@@ -2174,9 +2174,9 @@
           <a:bodyPr/>
           <a:lstStyle/>
           <a:p>
-            <a:fld id="{63635F44-C3D0-2B4D-8E09-42DBC0FC5507}" type="datetimeFigureOut">
-              <a:rPr lang="en-US" smtClean="0"/>
-              <a:t>11/24/18</a:t>
+            <a:fld id="{FBC9F268-6EE1-304E-8D73-BAC26B47A8B3}" type="datetime1">
+              <a:rPr lang="en-GB" smtClean="0"/>
+              <a:t>25/11/2018</a:t>
             </a:fld>
             <a:endParaRPr lang="en-GB"/>
           </a:p>
@@ -2459,9 +2459,9 @@
           <a:bodyPr/>
           <a:lstStyle/>
           <a:p>
-            <a:fld id="{63635F44-C3D0-2B4D-8E09-42DBC0FC5507}" type="datetimeFigureOut">
-              <a:rPr lang="en-US" smtClean="0"/>
-              <a:t>11/24/18</a:t>
+            <a:fld id="{98E407AC-62DB-AE4B-8A92-17BD9895FF10}" type="datetime1">
+              <a:rPr lang="en-GB" smtClean="0"/>
+              <a:t>25/11/2018</a:t>
             </a:fld>
             <a:endParaRPr lang="en-GB"/>
           </a:p>
@@ -2878,9 +2878,9 @@
           <a:bodyPr/>
           <a:lstStyle/>
           <a:p>
-            <a:fld id="{63635F44-C3D0-2B4D-8E09-42DBC0FC5507}" type="datetimeFigureOut">
-              <a:rPr lang="en-US" smtClean="0"/>
-              <a:t>11/24/18</a:t>
+            <a:fld id="{186F4743-FA6B-904F-9382-7C61A3B08840}" type="datetime1">
+              <a:rPr lang="en-GB" smtClean="0"/>
+              <a:t>25/11/2018</a:t>
             </a:fld>
             <a:endParaRPr lang="en-GB"/>
           </a:p>
@@ -2995,9 +2995,9 @@
           <a:bodyPr/>
           <a:lstStyle/>
           <a:p>
-            <a:fld id="{63635F44-C3D0-2B4D-8E09-42DBC0FC5507}" type="datetimeFigureOut">
-              <a:rPr lang="en-US" smtClean="0"/>
-              <a:t>11/24/18</a:t>
+            <a:fld id="{1A6C0D44-9D44-A440-8538-A0C8A3D806DE}" type="datetime1">
+              <a:rPr lang="en-GB" smtClean="0"/>
+              <a:t>25/11/2018</a:t>
             </a:fld>
             <a:endParaRPr lang="en-GB"/>
           </a:p>
@@ -3090,9 +3090,9 @@
           <a:bodyPr/>
           <a:lstStyle/>
           <a:p>
-            <a:fld id="{63635F44-C3D0-2B4D-8E09-42DBC0FC5507}" type="datetimeFigureOut">
-              <a:rPr lang="en-US" smtClean="0"/>
-              <a:t>11/24/18</a:t>
+            <a:fld id="{4B354FC5-635D-134F-9969-D3153C3E0F8C}" type="datetime1">
+              <a:rPr lang="en-GB" smtClean="0"/>
+              <a:t>25/11/2018</a:t>
             </a:fld>
             <a:endParaRPr lang="en-GB"/>
           </a:p>
@@ -3365,9 +3365,9 @@
           <a:bodyPr/>
           <a:lstStyle/>
           <a:p>
-            <a:fld id="{63635F44-C3D0-2B4D-8E09-42DBC0FC5507}" type="datetimeFigureOut">
-              <a:rPr lang="en-US" smtClean="0"/>
-              <a:t>11/24/18</a:t>
+            <a:fld id="{94A1681F-05A7-BF42-8217-B06A7985FE3E}" type="datetime1">
+              <a:rPr lang="en-GB" smtClean="0"/>
+              <a:t>25/11/2018</a:t>
             </a:fld>
             <a:endParaRPr lang="en-GB"/>
           </a:p>
@@ -3617,9 +3617,9 @@
           <a:bodyPr/>
           <a:lstStyle/>
           <a:p>
-            <a:fld id="{63635F44-C3D0-2B4D-8E09-42DBC0FC5507}" type="datetimeFigureOut">
-              <a:rPr lang="en-US" smtClean="0"/>
-              <a:t>11/24/18</a:t>
+            <a:fld id="{367A10F4-4878-754D-BF86-3E95C5C37EBE}" type="datetime1">
+              <a:rPr lang="en-GB" smtClean="0"/>
+              <a:t>25/11/2018</a:t>
             </a:fld>
             <a:endParaRPr lang="en-GB"/>
           </a:p>
@@ -3828,9 +3828,9 @@
             </a:lvl1pPr>
           </a:lstStyle>
           <a:p>
-            <a:fld id="{63635F44-C3D0-2B4D-8E09-42DBC0FC5507}" type="datetimeFigureOut">
-              <a:rPr lang="en-US" smtClean="0"/>
-              <a:t>11/24/18</a:t>
+            <a:fld id="{79969E55-E003-AB40-9008-2507B839AC43}" type="datetime1">
+              <a:rPr lang="en-GB" smtClean="0"/>
+              <a:t>25/11/2018</a:t>
             </a:fld>
             <a:endParaRPr lang="en-GB"/>
           </a:p>
@@ -3935,6 +3935,7 @@
     <p:sldLayoutId id="2147483658" r:id="rId10"/>
     <p:sldLayoutId id="2147483659" r:id="rId11"/>
   </p:sldLayoutIdLst>
+  <p:hf hdr="0" ftr="0" dt="0"/>
   <p:txStyles>
     <p:titleStyle>
       <a:lvl1pPr algn="ctr" defTabSz="457200" rtl="0" eaLnBrk="1" latinLnBrk="0" hangingPunct="1">
@@ -4266,6 +4267,35 @@
           </a:p>
         </p:txBody>
       </p:sp>
+      <p:sp>
+        <p:nvSpPr>
+          <p:cNvPr id="2" name="Slide Number Placeholder 1">
+            <a:extLst>
+              <a:ext uri="{FF2B5EF4-FFF2-40B4-BE49-F238E27FC236}">
+                <a16:creationId xmlns:a16="http://schemas.microsoft.com/office/drawing/2014/main" id="{B423FFFD-2A55-E54B-B1B3-325BA6198DB9}"/>
+              </a:ext>
+            </a:extLst>
+          </p:cNvPr>
+          <p:cNvSpPr>
+            <a:spLocks noGrp="1"/>
+          </p:cNvSpPr>
+          <p:nvPr>
+            <p:ph type="sldNum" sz="quarter" idx="12"/>
+          </p:nvPr>
+        </p:nvSpPr>
+        <p:spPr/>
+        <p:txBody>
+          <a:bodyPr/>
+          <a:lstStyle/>
+          <a:p>
+            <a:fld id="{54424017-A9BD-F848-9B09-E52EEDF1C383}" type="slidenum">
+              <a:rPr lang="en-GB" smtClean="0"/>
+              <a:t>1</a:t>
+            </a:fld>
+            <a:endParaRPr lang="en-GB"/>
+          </a:p>
+        </p:txBody>
+      </p:sp>
     </p:spTree>
     <p:extLst>
       <p:ext uri="{BB962C8B-B14F-4D97-AF65-F5344CB8AC3E}">
@@ -5098,6 +5128,35 @@
           </a:p>
         </p:txBody>
       </p:sp>
+      <p:sp>
+        <p:nvSpPr>
+          <p:cNvPr id="3" name="Slide Number Placeholder 2">
+            <a:extLst>
+              <a:ext uri="{FF2B5EF4-FFF2-40B4-BE49-F238E27FC236}">
+                <a16:creationId xmlns:a16="http://schemas.microsoft.com/office/drawing/2014/main" id="{A94B7E05-6050-FB47-BCB8-CAE85F675463}"/>
+              </a:ext>
+            </a:extLst>
+          </p:cNvPr>
+          <p:cNvSpPr>
+            <a:spLocks noGrp="1"/>
+          </p:cNvSpPr>
+          <p:nvPr>
+            <p:ph type="sldNum" sz="quarter" idx="12"/>
+          </p:nvPr>
+        </p:nvSpPr>
+        <p:spPr/>
+        <p:txBody>
+          <a:bodyPr/>
+          <a:lstStyle/>
+          <a:p>
+            <a:fld id="{54424017-A9BD-F848-9B09-E52EEDF1C383}" type="slidenum">
+              <a:rPr lang="en-GB" smtClean="0"/>
+              <a:t>10</a:t>
+            </a:fld>
+            <a:endParaRPr lang="en-GB"/>
+          </a:p>
+        </p:txBody>
+      </p:sp>
     </p:spTree>
     <p:extLst>
       <p:ext uri="{BB962C8B-B14F-4D97-AF65-F5344CB8AC3E}">
@@ -5932,6 +5991,35 @@
           </a:p>
         </p:txBody>
       </p:sp>
+      <p:sp>
+        <p:nvSpPr>
+          <p:cNvPr id="3" name="Slide Number Placeholder 2">
+            <a:extLst>
+              <a:ext uri="{FF2B5EF4-FFF2-40B4-BE49-F238E27FC236}">
+                <a16:creationId xmlns:a16="http://schemas.microsoft.com/office/drawing/2014/main" id="{451D2527-B131-F641-8310-33FAC362691E}"/>
+              </a:ext>
+            </a:extLst>
+          </p:cNvPr>
+          <p:cNvSpPr>
+            <a:spLocks noGrp="1"/>
+          </p:cNvSpPr>
+          <p:nvPr>
+            <p:ph type="sldNum" sz="quarter" idx="12"/>
+          </p:nvPr>
+        </p:nvSpPr>
+        <p:spPr/>
+        <p:txBody>
+          <a:bodyPr/>
+          <a:lstStyle/>
+          <a:p>
+            <a:fld id="{54424017-A9BD-F848-9B09-E52EEDF1C383}" type="slidenum">
+              <a:rPr lang="en-GB" smtClean="0"/>
+              <a:t>11</a:t>
+            </a:fld>
+            <a:endParaRPr lang="en-GB"/>
+          </a:p>
+        </p:txBody>
+      </p:sp>
     </p:spTree>
     <p:extLst>
       <p:ext uri="{BB962C8B-B14F-4D97-AF65-F5344CB8AC3E}">
@@ -6543,6 +6631,35 @@
           </a:p>
         </p:txBody>
       </p:sp>
+      <p:sp>
+        <p:nvSpPr>
+          <p:cNvPr id="3" name="Slide Number Placeholder 2">
+            <a:extLst>
+              <a:ext uri="{FF2B5EF4-FFF2-40B4-BE49-F238E27FC236}">
+                <a16:creationId xmlns:a16="http://schemas.microsoft.com/office/drawing/2014/main" id="{6D576892-1877-C54D-97AD-E7A6D4A1E4EC}"/>
+              </a:ext>
+            </a:extLst>
+          </p:cNvPr>
+          <p:cNvSpPr>
+            <a:spLocks noGrp="1"/>
+          </p:cNvSpPr>
+          <p:nvPr>
+            <p:ph type="sldNum" sz="quarter" idx="12"/>
+          </p:nvPr>
+        </p:nvSpPr>
+        <p:spPr/>
+        <p:txBody>
+          <a:bodyPr/>
+          <a:lstStyle/>
+          <a:p>
+            <a:fld id="{54424017-A9BD-F848-9B09-E52EEDF1C383}" type="slidenum">
+              <a:rPr lang="en-GB" smtClean="0"/>
+              <a:t>12</a:t>
+            </a:fld>
+            <a:endParaRPr lang="en-GB"/>
+          </a:p>
+        </p:txBody>
+      </p:sp>
     </p:spTree>
     <p:extLst>
       <p:ext uri="{BB962C8B-B14F-4D97-AF65-F5344CB8AC3E}">
@@ -7263,6 +7380,35 @@
           </a:p>
         </p:txBody>
       </p:sp>
+      <p:sp>
+        <p:nvSpPr>
+          <p:cNvPr id="3" name="Slide Number Placeholder 2">
+            <a:extLst>
+              <a:ext uri="{FF2B5EF4-FFF2-40B4-BE49-F238E27FC236}">
+                <a16:creationId xmlns:a16="http://schemas.microsoft.com/office/drawing/2014/main" id="{011E2C8E-F3E0-E140-B0E4-8BD66114001D}"/>
+              </a:ext>
+            </a:extLst>
+          </p:cNvPr>
+          <p:cNvSpPr>
+            <a:spLocks noGrp="1"/>
+          </p:cNvSpPr>
+          <p:nvPr>
+            <p:ph type="sldNum" sz="quarter" idx="12"/>
+          </p:nvPr>
+        </p:nvSpPr>
+        <p:spPr/>
+        <p:txBody>
+          <a:bodyPr/>
+          <a:lstStyle/>
+          <a:p>
+            <a:fld id="{54424017-A9BD-F848-9B09-E52EEDF1C383}" type="slidenum">
+              <a:rPr lang="en-GB" smtClean="0"/>
+              <a:t>13</a:t>
+            </a:fld>
+            <a:endParaRPr lang="en-GB"/>
+          </a:p>
+        </p:txBody>
+      </p:sp>
     </p:spTree>
     <p:extLst>
       <p:ext uri="{BB962C8B-B14F-4D97-AF65-F5344CB8AC3E}">
@@ -7480,6 +7626,35 @@
           </a:p>
         </p:txBody>
       </p:sp>
+      <p:sp>
+        <p:nvSpPr>
+          <p:cNvPr id="4" name="Slide Number Placeholder 3">
+            <a:extLst>
+              <a:ext uri="{FF2B5EF4-FFF2-40B4-BE49-F238E27FC236}">
+                <a16:creationId xmlns:a16="http://schemas.microsoft.com/office/drawing/2014/main" id="{515311DD-D33D-584E-BC30-8BAFAFB576DC}"/>
+              </a:ext>
+            </a:extLst>
+          </p:cNvPr>
+          <p:cNvSpPr>
+            <a:spLocks noGrp="1"/>
+          </p:cNvSpPr>
+          <p:nvPr>
+            <p:ph type="sldNum" sz="quarter" idx="12"/>
+          </p:nvPr>
+        </p:nvSpPr>
+        <p:spPr/>
+        <p:txBody>
+          <a:bodyPr/>
+          <a:lstStyle/>
+          <a:p>
+            <a:fld id="{54424017-A9BD-F848-9B09-E52EEDF1C383}" type="slidenum">
+              <a:rPr lang="en-GB" smtClean="0"/>
+              <a:t>14</a:t>
+            </a:fld>
+            <a:endParaRPr lang="en-GB"/>
+          </a:p>
+        </p:txBody>
+      </p:sp>
     </p:spTree>
     <p:extLst>
       <p:ext uri="{BB962C8B-B14F-4D97-AF65-F5344CB8AC3E}">
@@ -7697,6 +7872,35 @@
           </a:p>
         </p:txBody>
       </p:sp>
+      <p:sp>
+        <p:nvSpPr>
+          <p:cNvPr id="4" name="Slide Number Placeholder 3">
+            <a:extLst>
+              <a:ext uri="{FF2B5EF4-FFF2-40B4-BE49-F238E27FC236}">
+                <a16:creationId xmlns:a16="http://schemas.microsoft.com/office/drawing/2014/main" id="{2C147511-47E8-EA4E-8F9D-2D655EC194A0}"/>
+              </a:ext>
+            </a:extLst>
+          </p:cNvPr>
+          <p:cNvSpPr>
+            <a:spLocks noGrp="1"/>
+          </p:cNvSpPr>
+          <p:nvPr>
+            <p:ph type="sldNum" sz="quarter" idx="12"/>
+          </p:nvPr>
+        </p:nvSpPr>
+        <p:spPr/>
+        <p:txBody>
+          <a:bodyPr/>
+          <a:lstStyle/>
+          <a:p>
+            <a:fld id="{54424017-A9BD-F848-9B09-E52EEDF1C383}" type="slidenum">
+              <a:rPr lang="en-GB" smtClean="0"/>
+              <a:t>15</a:t>
+            </a:fld>
+            <a:endParaRPr lang="en-GB"/>
+          </a:p>
+        </p:txBody>
+      </p:sp>
     </p:spTree>
     <p:extLst>
       <p:ext uri="{BB962C8B-B14F-4D97-AF65-F5344CB8AC3E}">
@@ -7918,6 +8122,35 @@
           </a:p>
         </p:txBody>
       </p:sp>
+      <p:sp>
+        <p:nvSpPr>
+          <p:cNvPr id="2" name="Slide Number Placeholder 1">
+            <a:extLst>
+              <a:ext uri="{FF2B5EF4-FFF2-40B4-BE49-F238E27FC236}">
+                <a16:creationId xmlns:a16="http://schemas.microsoft.com/office/drawing/2014/main" id="{FA3DAEA7-0D12-4547-B4D1-DE11B168ED1E}"/>
+              </a:ext>
+            </a:extLst>
+          </p:cNvPr>
+          <p:cNvSpPr>
+            <a:spLocks noGrp="1"/>
+          </p:cNvSpPr>
+          <p:nvPr>
+            <p:ph type="sldNum" sz="quarter" idx="12"/>
+          </p:nvPr>
+        </p:nvSpPr>
+        <p:spPr/>
+        <p:txBody>
+          <a:bodyPr/>
+          <a:lstStyle/>
+          <a:p>
+            <a:fld id="{54424017-A9BD-F848-9B09-E52EEDF1C383}" type="slidenum">
+              <a:rPr lang="en-GB" smtClean="0"/>
+              <a:t>16</a:t>
+            </a:fld>
+            <a:endParaRPr lang="en-GB"/>
+          </a:p>
+        </p:txBody>
+      </p:sp>
     </p:spTree>
     <p:extLst>
       <p:ext uri="{BB962C8B-B14F-4D97-AF65-F5344CB8AC3E}">
@@ -8209,6 +8442,35 @@
               </a:rPr>
               <a:t>: you can't run these remotely, needs to be on local machine</a:t>
             </a:r>
+          </a:p>
+        </p:txBody>
+      </p:sp>
+      <p:sp>
+        <p:nvSpPr>
+          <p:cNvPr id="4" name="Slide Number Placeholder 3">
+            <a:extLst>
+              <a:ext uri="{FF2B5EF4-FFF2-40B4-BE49-F238E27FC236}">
+                <a16:creationId xmlns:a16="http://schemas.microsoft.com/office/drawing/2014/main" id="{1A5DAB56-7DFA-C64E-BE4E-269D7B14DB15}"/>
+              </a:ext>
+            </a:extLst>
+          </p:cNvPr>
+          <p:cNvSpPr>
+            <a:spLocks noGrp="1"/>
+          </p:cNvSpPr>
+          <p:nvPr>
+            <p:ph type="sldNum" sz="quarter" idx="12"/>
+          </p:nvPr>
+        </p:nvSpPr>
+        <p:spPr/>
+        <p:txBody>
+          <a:bodyPr/>
+          <a:lstStyle/>
+          <a:p>
+            <a:fld id="{54424017-A9BD-F848-9B09-E52EEDF1C383}" type="slidenum">
+              <a:rPr lang="en-GB" smtClean="0"/>
+              <a:t>17</a:t>
+            </a:fld>
+            <a:endParaRPr lang="en-GB"/>
           </a:p>
         </p:txBody>
       </p:sp>
@@ -8352,6 +8614,35 @@
           </a:prstGeom>
         </p:spPr>
       </p:pic>
+      <p:sp>
+        <p:nvSpPr>
+          <p:cNvPr id="6" name="Slide Number Placeholder 5">
+            <a:extLst>
+              <a:ext uri="{FF2B5EF4-FFF2-40B4-BE49-F238E27FC236}">
+                <a16:creationId xmlns:a16="http://schemas.microsoft.com/office/drawing/2014/main" id="{16074B0C-E409-8942-8EA8-5FAF4FB2D19B}"/>
+              </a:ext>
+            </a:extLst>
+          </p:cNvPr>
+          <p:cNvSpPr>
+            <a:spLocks noGrp="1"/>
+          </p:cNvSpPr>
+          <p:nvPr>
+            <p:ph type="sldNum" sz="quarter" idx="12"/>
+          </p:nvPr>
+        </p:nvSpPr>
+        <p:spPr/>
+        <p:txBody>
+          <a:bodyPr/>
+          <a:lstStyle/>
+          <a:p>
+            <a:fld id="{54424017-A9BD-F848-9B09-E52EEDF1C383}" type="slidenum">
+              <a:rPr lang="en-GB" smtClean="0"/>
+              <a:t>2</a:t>
+            </a:fld>
+            <a:endParaRPr lang="en-GB"/>
+          </a:p>
+        </p:txBody>
+      </p:sp>
     </p:spTree>
     <p:extLst>
       <p:ext uri="{BB962C8B-B14F-4D97-AF65-F5344CB8AC3E}">
@@ -8474,6 +8765,35 @@
           </a:p>
         </p:txBody>
       </p:sp>
+      <p:sp>
+        <p:nvSpPr>
+          <p:cNvPr id="4" name="Slide Number Placeholder 3">
+            <a:extLst>
+              <a:ext uri="{FF2B5EF4-FFF2-40B4-BE49-F238E27FC236}">
+                <a16:creationId xmlns:a16="http://schemas.microsoft.com/office/drawing/2014/main" id="{307222FF-6763-0444-BD76-970278EDD7FD}"/>
+              </a:ext>
+            </a:extLst>
+          </p:cNvPr>
+          <p:cNvSpPr>
+            <a:spLocks noGrp="1"/>
+          </p:cNvSpPr>
+          <p:nvPr>
+            <p:ph type="sldNum" sz="quarter" idx="12"/>
+          </p:nvPr>
+        </p:nvSpPr>
+        <p:spPr/>
+        <p:txBody>
+          <a:bodyPr/>
+          <a:lstStyle/>
+          <a:p>
+            <a:fld id="{54424017-A9BD-F848-9B09-E52EEDF1C383}" type="slidenum">
+              <a:rPr lang="en-GB" smtClean="0"/>
+              <a:t>3</a:t>
+            </a:fld>
+            <a:endParaRPr lang="en-GB"/>
+          </a:p>
+        </p:txBody>
+      </p:sp>
     </p:spTree>
     <p:extLst>
       <p:ext uri="{BB962C8B-B14F-4D97-AF65-F5344CB8AC3E}">
@@ -8602,6 +8922,35 @@
           </a:prstGeom>
         </p:spPr>
       </p:pic>
+      <p:sp>
+        <p:nvSpPr>
+          <p:cNvPr id="4" name="Slide Number Placeholder 3">
+            <a:extLst>
+              <a:ext uri="{FF2B5EF4-FFF2-40B4-BE49-F238E27FC236}">
+                <a16:creationId xmlns:a16="http://schemas.microsoft.com/office/drawing/2014/main" id="{EEDF4007-A573-AA41-8104-A1B40500233E}"/>
+              </a:ext>
+            </a:extLst>
+          </p:cNvPr>
+          <p:cNvSpPr>
+            <a:spLocks noGrp="1"/>
+          </p:cNvSpPr>
+          <p:nvPr>
+            <p:ph type="sldNum" sz="quarter" idx="12"/>
+          </p:nvPr>
+        </p:nvSpPr>
+        <p:spPr/>
+        <p:txBody>
+          <a:bodyPr/>
+          <a:lstStyle/>
+          <a:p>
+            <a:fld id="{54424017-A9BD-F848-9B09-E52EEDF1C383}" type="slidenum">
+              <a:rPr lang="en-GB" smtClean="0"/>
+              <a:t>4</a:t>
+            </a:fld>
+            <a:endParaRPr lang="en-GB"/>
+          </a:p>
+        </p:txBody>
+      </p:sp>
     </p:spTree>
     <p:extLst>
       <p:ext uri="{BB962C8B-B14F-4D97-AF65-F5344CB8AC3E}">
@@ -9147,6 +9496,35 @@
           </a:p>
         </p:txBody>
       </p:sp>
+      <p:sp>
+        <p:nvSpPr>
+          <p:cNvPr id="3" name="Slide Number Placeholder 2">
+            <a:extLst>
+              <a:ext uri="{FF2B5EF4-FFF2-40B4-BE49-F238E27FC236}">
+                <a16:creationId xmlns:a16="http://schemas.microsoft.com/office/drawing/2014/main" id="{F5CB9F95-5D36-AA42-9998-C529C25BB33D}"/>
+              </a:ext>
+            </a:extLst>
+          </p:cNvPr>
+          <p:cNvSpPr>
+            <a:spLocks noGrp="1"/>
+          </p:cNvSpPr>
+          <p:nvPr>
+            <p:ph type="sldNum" sz="quarter" idx="12"/>
+          </p:nvPr>
+        </p:nvSpPr>
+        <p:spPr/>
+        <p:txBody>
+          <a:bodyPr/>
+          <a:lstStyle/>
+          <a:p>
+            <a:fld id="{54424017-A9BD-F848-9B09-E52EEDF1C383}" type="slidenum">
+              <a:rPr lang="en-GB" smtClean="0"/>
+              <a:t>5</a:t>
+            </a:fld>
+            <a:endParaRPr lang="en-GB"/>
+          </a:p>
+        </p:txBody>
+      </p:sp>
     </p:spTree>
     <p:extLst>
       <p:ext uri="{BB962C8B-B14F-4D97-AF65-F5344CB8AC3E}">
@@ -9811,6 +10189,35 @@
           </a:p>
         </p:txBody>
       </p:sp>
+      <p:sp>
+        <p:nvSpPr>
+          <p:cNvPr id="3" name="Slide Number Placeholder 2">
+            <a:extLst>
+              <a:ext uri="{FF2B5EF4-FFF2-40B4-BE49-F238E27FC236}">
+                <a16:creationId xmlns:a16="http://schemas.microsoft.com/office/drawing/2014/main" id="{835C87F9-5F1C-2A43-B042-EA964A440E28}"/>
+              </a:ext>
+            </a:extLst>
+          </p:cNvPr>
+          <p:cNvSpPr>
+            <a:spLocks noGrp="1"/>
+          </p:cNvSpPr>
+          <p:nvPr>
+            <p:ph type="sldNum" sz="quarter" idx="12"/>
+          </p:nvPr>
+        </p:nvSpPr>
+        <p:spPr/>
+        <p:txBody>
+          <a:bodyPr/>
+          <a:lstStyle/>
+          <a:p>
+            <a:fld id="{54424017-A9BD-F848-9B09-E52EEDF1C383}" type="slidenum">
+              <a:rPr lang="en-GB" smtClean="0"/>
+              <a:t>6</a:t>
+            </a:fld>
+            <a:endParaRPr lang="en-GB"/>
+          </a:p>
+        </p:txBody>
+      </p:sp>
     </p:spTree>
     <p:extLst>
       <p:ext uri="{BB962C8B-B14F-4D97-AF65-F5344CB8AC3E}">
@@ -10532,6 +10939,35 @@
           </a:p>
         </p:txBody>
       </p:sp>
+      <p:sp>
+        <p:nvSpPr>
+          <p:cNvPr id="3" name="Slide Number Placeholder 2">
+            <a:extLst>
+              <a:ext uri="{FF2B5EF4-FFF2-40B4-BE49-F238E27FC236}">
+                <a16:creationId xmlns:a16="http://schemas.microsoft.com/office/drawing/2014/main" id="{87AC6B11-510B-5646-BF1A-F47A6A31F134}"/>
+              </a:ext>
+            </a:extLst>
+          </p:cNvPr>
+          <p:cNvSpPr>
+            <a:spLocks noGrp="1"/>
+          </p:cNvSpPr>
+          <p:nvPr>
+            <p:ph type="sldNum" sz="quarter" idx="12"/>
+          </p:nvPr>
+        </p:nvSpPr>
+        <p:spPr/>
+        <p:txBody>
+          <a:bodyPr/>
+          <a:lstStyle/>
+          <a:p>
+            <a:fld id="{54424017-A9BD-F848-9B09-E52EEDF1C383}" type="slidenum">
+              <a:rPr lang="en-GB" smtClean="0"/>
+              <a:t>7</a:t>
+            </a:fld>
+            <a:endParaRPr lang="en-GB"/>
+          </a:p>
+        </p:txBody>
+      </p:sp>
     </p:spTree>
     <p:extLst>
       <p:ext uri="{BB962C8B-B14F-4D97-AF65-F5344CB8AC3E}">
@@ -11287,6 +11723,35 @@
           </a:p>
         </p:txBody>
       </p:sp>
+      <p:sp>
+        <p:nvSpPr>
+          <p:cNvPr id="3" name="Slide Number Placeholder 2">
+            <a:extLst>
+              <a:ext uri="{FF2B5EF4-FFF2-40B4-BE49-F238E27FC236}">
+                <a16:creationId xmlns:a16="http://schemas.microsoft.com/office/drawing/2014/main" id="{FC0D8A3A-748D-0F4C-BDCC-9E2F246407E5}"/>
+              </a:ext>
+            </a:extLst>
+          </p:cNvPr>
+          <p:cNvSpPr>
+            <a:spLocks noGrp="1"/>
+          </p:cNvSpPr>
+          <p:nvPr>
+            <p:ph type="sldNum" sz="quarter" idx="12"/>
+          </p:nvPr>
+        </p:nvSpPr>
+        <p:spPr/>
+        <p:txBody>
+          <a:bodyPr/>
+          <a:lstStyle/>
+          <a:p>
+            <a:fld id="{54424017-A9BD-F848-9B09-E52EEDF1C383}" type="slidenum">
+              <a:rPr lang="en-GB" smtClean="0"/>
+              <a:t>8</a:t>
+            </a:fld>
+            <a:endParaRPr lang="en-GB"/>
+          </a:p>
+        </p:txBody>
+      </p:sp>
     </p:spTree>
     <p:extLst>
       <p:ext uri="{BB962C8B-B14F-4D97-AF65-F5344CB8AC3E}">
@@ -11379,6 +11844,35 @@
               <a:rPr lang="en-GB" dirty="0"/>
               <a:t>If the device doesn’t support CL/GL sharing, a GL buffer can be mapped to a host pointer and wrapped by an OpenCL buffer</a:t>
             </a:r>
+          </a:p>
+        </p:txBody>
+      </p:sp>
+      <p:sp>
+        <p:nvSpPr>
+          <p:cNvPr id="4" name="Slide Number Placeholder 3">
+            <a:extLst>
+              <a:ext uri="{FF2B5EF4-FFF2-40B4-BE49-F238E27FC236}">
+                <a16:creationId xmlns:a16="http://schemas.microsoft.com/office/drawing/2014/main" id="{26EE69CD-982E-A042-AB37-C811A624293B}"/>
+              </a:ext>
+            </a:extLst>
+          </p:cNvPr>
+          <p:cNvSpPr>
+            <a:spLocks noGrp="1"/>
+          </p:cNvSpPr>
+          <p:nvPr>
+            <p:ph type="sldNum" sz="quarter" idx="12"/>
+          </p:nvPr>
+        </p:nvSpPr>
+        <p:spPr/>
+        <p:txBody>
+          <a:bodyPr/>
+          <a:lstStyle/>
+          <a:p>
+            <a:fld id="{54424017-A9BD-F848-9B09-E52EEDF1C383}" type="slidenum">
+              <a:rPr lang="en-GB" smtClean="0"/>
+              <a:t>9</a:t>
+            </a:fld>
+            <a:endParaRPr lang="en-GB"/>
           </a:p>
         </p:txBody>
       </p:sp>

--- a/advanced_part4.pptx
+++ b/advanced_part4.pptx
@@ -224,7 +224,7 @@
           <a:p>
             <a:fld id="{2E256997-BFE9-1645-ACA2-FB0069B34735}" type="datetimeFigureOut">
               <a:rPr lang="en-US" smtClean="0"/>
-              <a:t>11/25/18</a:t>
+              <a:t>5/9/19</a:t>
             </a:fld>
             <a:endParaRPr lang="en-GB"/>
           </a:p>
@@ -1417,7 +1417,7 @@
           <a:p>
             <a:fld id="{80303638-A28B-D847-B11E-FC7BFED9E47E}" type="datetime1">
               <a:rPr lang="en-GB" smtClean="0"/>
-              <a:t>25/11/2018</a:t>
+              <a:t>09/05/2019</a:t>
             </a:fld>
             <a:endParaRPr lang="en-GB"/>
           </a:p>
@@ -1585,7 +1585,7 @@
           <a:p>
             <a:fld id="{EE809228-39DA-B64F-8AF2-27C76A91CB87}" type="datetime1">
               <a:rPr lang="en-GB" smtClean="0"/>
-              <a:t>25/11/2018</a:t>
+              <a:t>09/05/2019</a:t>
             </a:fld>
             <a:endParaRPr lang="en-GB"/>
           </a:p>
@@ -1763,7 +1763,7 @@
           <a:p>
             <a:fld id="{81D47792-966E-E54F-8F9B-97A473AB3CA3}" type="datetime1">
               <a:rPr lang="en-GB" smtClean="0"/>
-              <a:t>25/11/2018</a:t>
+              <a:t>09/05/2019</a:t>
             </a:fld>
             <a:endParaRPr lang="en-GB"/>
           </a:p>
@@ -1931,7 +1931,7 @@
           <a:p>
             <a:fld id="{7DFCAB7C-8C9E-454D-BDDF-463FD05F41E5}" type="datetime1">
               <a:rPr lang="en-GB" smtClean="0"/>
-              <a:t>25/11/2018</a:t>
+              <a:t>09/05/2019</a:t>
             </a:fld>
             <a:endParaRPr lang="en-GB"/>
           </a:p>
@@ -2176,7 +2176,7 @@
           <a:p>
             <a:fld id="{FBC9F268-6EE1-304E-8D73-BAC26B47A8B3}" type="datetime1">
               <a:rPr lang="en-GB" smtClean="0"/>
-              <a:t>25/11/2018</a:t>
+              <a:t>09/05/2019</a:t>
             </a:fld>
             <a:endParaRPr lang="en-GB"/>
           </a:p>
@@ -2461,7 +2461,7 @@
           <a:p>
             <a:fld id="{98E407AC-62DB-AE4B-8A92-17BD9895FF10}" type="datetime1">
               <a:rPr lang="en-GB" smtClean="0"/>
-              <a:t>25/11/2018</a:t>
+              <a:t>09/05/2019</a:t>
             </a:fld>
             <a:endParaRPr lang="en-GB"/>
           </a:p>
@@ -2880,7 +2880,7 @@
           <a:p>
             <a:fld id="{186F4743-FA6B-904F-9382-7C61A3B08840}" type="datetime1">
               <a:rPr lang="en-GB" smtClean="0"/>
-              <a:t>25/11/2018</a:t>
+              <a:t>09/05/2019</a:t>
             </a:fld>
             <a:endParaRPr lang="en-GB"/>
           </a:p>
@@ -2997,7 +2997,7 @@
           <a:p>
             <a:fld id="{1A6C0D44-9D44-A440-8538-A0C8A3D806DE}" type="datetime1">
               <a:rPr lang="en-GB" smtClean="0"/>
-              <a:t>25/11/2018</a:t>
+              <a:t>09/05/2019</a:t>
             </a:fld>
             <a:endParaRPr lang="en-GB"/>
           </a:p>
@@ -3092,7 +3092,7 @@
           <a:p>
             <a:fld id="{4B354FC5-635D-134F-9969-D3153C3E0F8C}" type="datetime1">
               <a:rPr lang="en-GB" smtClean="0"/>
-              <a:t>25/11/2018</a:t>
+              <a:t>09/05/2019</a:t>
             </a:fld>
             <a:endParaRPr lang="en-GB"/>
           </a:p>
@@ -3367,7 +3367,7 @@
           <a:p>
             <a:fld id="{94A1681F-05A7-BF42-8217-B06A7985FE3E}" type="datetime1">
               <a:rPr lang="en-GB" smtClean="0"/>
-              <a:t>25/11/2018</a:t>
+              <a:t>09/05/2019</a:t>
             </a:fld>
             <a:endParaRPr lang="en-GB"/>
           </a:p>
@@ -3619,7 +3619,7 @@
           <a:p>
             <a:fld id="{367A10F4-4878-754D-BF86-3E95C5C37EBE}" type="datetime1">
               <a:rPr lang="en-GB" smtClean="0"/>
-              <a:t>25/11/2018</a:t>
+              <a:t>09/05/2019</a:t>
             </a:fld>
             <a:endParaRPr lang="en-GB"/>
           </a:p>
@@ -3830,7 +3830,7 @@
           <a:p>
             <a:fld id="{79969E55-E003-AB40-9008-2507B839AC43}" type="datetime1">
               <a:rPr lang="en-GB" smtClean="0"/>
-              <a:t>25/11/2018</a:t>
+              <a:t>09/05/2019</a:t>
             </a:fld>
             <a:endParaRPr lang="en-GB"/>
           </a:p>
@@ -4752,7 +4752,7 @@
                 <a:latin typeface="Courier New"/>
                 <a:cs typeface="Courier New"/>
               </a:rPr>
-              <a:t>// Create an OpenCL image from an OpenGL buffer</a:t>
+              <a:t>// Create an OpenCL buffer from an OpenGL buffer</a:t>
             </a:r>
           </a:p>
           <a:p>
@@ -5598,7 +5598,7 @@
                 <a:latin typeface="Courier New"/>
                 <a:cs typeface="Courier New"/>
               </a:rPr>
-              <a:t>// Create an OpenCL image from an OpenGL buffer</a:t>
+              <a:t>// Create an OpenCL buffer from an OpenGL buffer</a:t>
             </a:r>
           </a:p>
           <a:p>
